--- a/IS-PM-Slides/04_project initiation.pptx
+++ b/IS-PM-Slides/04_project initiation.pptx
@@ -8,7 +8,7 @@
     <p:sldMasterId id="2147483660" r:id="rId4"/>
   </p:sldMasterIdLst>
   <p:notesMasterIdLst>
-    <p:notesMasterId r:id="rId47"/>
+    <p:notesMasterId r:id="rId39"/>
   </p:notesMasterIdLst>
   <p:sldIdLst>
     <p:sldId id="256" r:id="rId5"/>
@@ -45,19 +45,11 @@
     <p:sldId id="350" r:id="rId36"/>
     <p:sldId id="349" r:id="rId37"/>
     <p:sldId id="351" r:id="rId38"/>
-    <p:sldId id="352" r:id="rId39"/>
-    <p:sldId id="353" r:id="rId40"/>
-    <p:sldId id="366" r:id="rId41"/>
-    <p:sldId id="367" r:id="rId42"/>
-    <p:sldId id="354" r:id="rId43"/>
-    <p:sldId id="368" r:id="rId44"/>
-    <p:sldId id="337" r:id="rId45"/>
-    <p:sldId id="310" r:id="rId46"/>
   </p:sldIdLst>
   <p:sldSz cx="9144000" cy="6858000" type="screen4x3"/>
   <p:notesSz cx="6858000" cy="9144000"/>
   <p:custDataLst>
-    <p:tags r:id="rId48"/>
+    <p:tags r:id="rId40"/>
   </p:custDataLst>
   <p:defaultTextStyle>
     <a:defPPr>
@@ -184,6 +176,22 @@
       </a:defRPr>
     </a:lvl9pPr>
   </p:defaultTextStyle>
+  <p:extLst>
+    <p:ext uri="{EFAFB233-063F-42B5-8137-9DF3F51BA10A}">
+      <p15:sldGuideLst xmlns:p15="http://schemas.microsoft.com/office/powerpoint/2012/main">
+        <p15:guide id="1" orient="horz" pos="2160">
+          <p15:clr>
+            <a:srgbClr val="A4A3A4"/>
+          </p15:clr>
+        </p15:guide>
+        <p15:guide id="2" pos="2880">
+          <p15:clr>
+            <a:srgbClr val="A4A3A4"/>
+          </p15:clr>
+        </p15:guide>
+      </p15:sldGuideLst>
+    </p:ext>
+  </p:extLst>
 </p:presentation>
 </file>
 
@@ -191,6 +199,565 @@
 <p:cmAuthorLst xmlns:a="http://schemas.openxmlformats.org/drawingml/2006/main" xmlns:r="http://schemas.openxmlformats.org/officeDocument/2006/relationships" xmlns:p="http://schemas.openxmlformats.org/presentationml/2006/main">
   <p:cmAuthor id="0" name="Kate S." initials="" lastIdx="2" clrIdx="0"/>
 </p:cmAuthorLst>
+</file>
+
+<file path=ppt/changesInfos/changesInfo1.xml><?xml version="1.0" encoding="utf-8"?>
+<pc:chgInfo xmlns:a="http://schemas.openxmlformats.org/drawingml/2006/main" xmlns:r="http://schemas.openxmlformats.org/officeDocument/2006/relationships" xmlns:ac="http://schemas.microsoft.com/office/drawing/2013/main/command" xmlns:pc="http://schemas.microsoft.com/office/powerpoint/2013/main/command">
+  <pc:docChgLst>
+    <pc:chgData name="Osama Mohammed Moustafa Hosam Elde" userId="ab8f451e-a635-42ee-be12-e2dde55852bf" providerId="ADAL" clId="{7AE6D3D4-B6A3-468E-B381-9ED02C6CF4E5}"/>
+    <pc:docChg chg="custSel delSld modSld">
+      <pc:chgData name="Osama Mohammed Moustafa Hosam Elde" userId="ab8f451e-a635-42ee-be12-e2dde55852bf" providerId="ADAL" clId="{7AE6D3D4-B6A3-468E-B381-9ED02C6CF4E5}" dt="2020-02-22T12:51:40.713" v="214" actId="47"/>
+      <pc:docMkLst>
+        <pc:docMk/>
+      </pc:docMkLst>
+      <pc:sldChg chg="del">
+        <pc:chgData name="Osama Mohammed Moustafa Hosam Elde" userId="ab8f451e-a635-42ee-be12-e2dde55852bf" providerId="ADAL" clId="{7AE6D3D4-B6A3-468E-B381-9ED02C6CF4E5}" dt="2020-02-22T12:51:40.713" v="214" actId="47"/>
+        <pc:sldMkLst>
+          <pc:docMk/>
+          <pc:sldMk cId="0" sldId="310"/>
+        </pc:sldMkLst>
+      </pc:sldChg>
+      <pc:sldChg chg="modSp">
+        <pc:chgData name="Osama Mohammed Moustafa Hosam Elde" userId="ab8f451e-a635-42ee-be12-e2dde55852bf" providerId="ADAL" clId="{7AE6D3D4-B6A3-468E-B381-9ED02C6CF4E5}" dt="2020-02-22T12:46:26.921" v="110" actId="12"/>
+        <pc:sldMkLst>
+          <pc:docMk/>
+          <pc:sldMk cId="0" sldId="312"/>
+        </pc:sldMkLst>
+        <pc:spChg chg="mod">
+          <ac:chgData name="Osama Mohammed Moustafa Hosam Elde" userId="ab8f451e-a635-42ee-be12-e2dde55852bf" providerId="ADAL" clId="{7AE6D3D4-B6A3-468E-B381-9ED02C6CF4E5}" dt="2020-02-22T12:46:26.921" v="110" actId="12"/>
+          <ac:spMkLst>
+            <pc:docMk/>
+            <pc:sldMk cId="0" sldId="312"/>
+            <ac:spMk id="53249" creationId="{00000000-0000-0000-0000-000000000000}"/>
+          </ac:spMkLst>
+        </pc:spChg>
+      </pc:sldChg>
+      <pc:sldChg chg="modSp">
+        <pc:chgData name="Osama Mohammed Moustafa Hosam Elde" userId="ab8f451e-a635-42ee-be12-e2dde55852bf" providerId="ADAL" clId="{7AE6D3D4-B6A3-468E-B381-9ED02C6CF4E5}" dt="2020-02-22T12:46:09.953" v="107" actId="20577"/>
+        <pc:sldMkLst>
+          <pc:docMk/>
+          <pc:sldMk cId="0" sldId="313"/>
+        </pc:sldMkLst>
+        <pc:spChg chg="mod">
+          <ac:chgData name="Osama Mohammed Moustafa Hosam Elde" userId="ab8f451e-a635-42ee-be12-e2dde55852bf" providerId="ADAL" clId="{7AE6D3D4-B6A3-468E-B381-9ED02C6CF4E5}" dt="2020-02-22T12:46:09.953" v="107" actId="20577"/>
+          <ac:spMkLst>
+            <pc:docMk/>
+            <pc:sldMk cId="0" sldId="313"/>
+            <ac:spMk id="55298" creationId="{00000000-0000-0000-0000-000000000000}"/>
+          </ac:spMkLst>
+        </pc:spChg>
+      </pc:sldChg>
+      <pc:sldChg chg="modSp">
+        <pc:chgData name="Osama Mohammed Moustafa Hosam Elde" userId="ab8f451e-a635-42ee-be12-e2dde55852bf" providerId="ADAL" clId="{7AE6D3D4-B6A3-468E-B381-9ED02C6CF4E5}" dt="2020-02-22T12:46:50.519" v="114" actId="20577"/>
+        <pc:sldMkLst>
+          <pc:docMk/>
+          <pc:sldMk cId="0" sldId="316"/>
+        </pc:sldMkLst>
+        <pc:spChg chg="mod">
+          <ac:chgData name="Osama Mohammed Moustafa Hosam Elde" userId="ab8f451e-a635-42ee-be12-e2dde55852bf" providerId="ADAL" clId="{7AE6D3D4-B6A3-468E-B381-9ED02C6CF4E5}" dt="2020-02-22T12:46:50.519" v="114" actId="20577"/>
+          <ac:spMkLst>
+            <pc:docMk/>
+            <pc:sldMk cId="0" sldId="316"/>
+            <ac:spMk id="58370" creationId="{00000000-0000-0000-0000-000000000000}"/>
+          </ac:spMkLst>
+        </pc:spChg>
+      </pc:sldChg>
+      <pc:sldChg chg="modSp">
+        <pc:chgData name="Osama Mohammed Moustafa Hosam Elde" userId="ab8f451e-a635-42ee-be12-e2dde55852bf" providerId="ADAL" clId="{7AE6D3D4-B6A3-468E-B381-9ED02C6CF4E5}" dt="2020-02-22T12:47:22.425" v="122" actId="20577"/>
+        <pc:sldMkLst>
+          <pc:docMk/>
+          <pc:sldMk cId="0" sldId="322"/>
+        </pc:sldMkLst>
+        <pc:spChg chg="mod">
+          <ac:chgData name="Osama Mohammed Moustafa Hosam Elde" userId="ab8f451e-a635-42ee-be12-e2dde55852bf" providerId="ADAL" clId="{7AE6D3D4-B6A3-468E-B381-9ED02C6CF4E5}" dt="2020-02-22T12:47:22.425" v="122" actId="20577"/>
+          <ac:spMkLst>
+            <pc:docMk/>
+            <pc:sldMk cId="0" sldId="322"/>
+            <ac:spMk id="67586" creationId="{00000000-0000-0000-0000-000000000000}"/>
+          </ac:spMkLst>
+        </pc:spChg>
+      </pc:sldChg>
+      <pc:sldChg chg="modSp">
+        <pc:chgData name="Osama Mohammed Moustafa Hosam Elde" userId="ab8f451e-a635-42ee-be12-e2dde55852bf" providerId="ADAL" clId="{7AE6D3D4-B6A3-468E-B381-9ED02C6CF4E5}" dt="2020-02-22T12:47:40.610" v="131" actId="14100"/>
+        <pc:sldMkLst>
+          <pc:docMk/>
+          <pc:sldMk cId="0" sldId="323"/>
+        </pc:sldMkLst>
+        <pc:spChg chg="mod">
+          <ac:chgData name="Osama Mohammed Moustafa Hosam Elde" userId="ab8f451e-a635-42ee-be12-e2dde55852bf" providerId="ADAL" clId="{7AE6D3D4-B6A3-468E-B381-9ED02C6CF4E5}" dt="2020-02-22T12:47:40.610" v="131" actId="14100"/>
+          <ac:spMkLst>
+            <pc:docMk/>
+            <pc:sldMk cId="0" sldId="323"/>
+            <ac:spMk id="69634" creationId="{00000000-0000-0000-0000-000000000000}"/>
+          </ac:spMkLst>
+        </pc:spChg>
+      </pc:sldChg>
+      <pc:sldChg chg="modSp">
+        <pc:chgData name="Osama Mohammed Moustafa Hosam Elde" userId="ab8f451e-a635-42ee-be12-e2dde55852bf" providerId="ADAL" clId="{7AE6D3D4-B6A3-468E-B381-9ED02C6CF4E5}" dt="2020-02-22T12:48:01.304" v="140" actId="20577"/>
+        <pc:sldMkLst>
+          <pc:docMk/>
+          <pc:sldMk cId="0" sldId="324"/>
+        </pc:sldMkLst>
+        <pc:spChg chg="mod">
+          <ac:chgData name="Osama Mohammed Moustafa Hosam Elde" userId="ab8f451e-a635-42ee-be12-e2dde55852bf" providerId="ADAL" clId="{7AE6D3D4-B6A3-468E-B381-9ED02C6CF4E5}" dt="2020-02-22T12:48:01.304" v="140" actId="20577"/>
+          <ac:spMkLst>
+            <pc:docMk/>
+            <pc:sldMk cId="0" sldId="324"/>
+            <ac:spMk id="71681" creationId="{00000000-0000-0000-0000-000000000000}"/>
+          </ac:spMkLst>
+        </pc:spChg>
+      </pc:sldChg>
+      <pc:sldChg chg="modSp">
+        <pc:chgData name="Osama Mohammed Moustafa Hosam Elde" userId="ab8f451e-a635-42ee-be12-e2dde55852bf" providerId="ADAL" clId="{7AE6D3D4-B6A3-468E-B381-9ED02C6CF4E5}" dt="2020-02-22T12:48:35.253" v="153" actId="20577"/>
+        <pc:sldMkLst>
+          <pc:docMk/>
+          <pc:sldMk cId="0" sldId="329"/>
+        </pc:sldMkLst>
+        <pc:spChg chg="mod">
+          <ac:chgData name="Osama Mohammed Moustafa Hosam Elde" userId="ab8f451e-a635-42ee-be12-e2dde55852bf" providerId="ADAL" clId="{7AE6D3D4-B6A3-468E-B381-9ED02C6CF4E5}" dt="2020-02-22T12:48:35.253" v="153" actId="20577"/>
+          <ac:spMkLst>
+            <pc:docMk/>
+            <pc:sldMk cId="0" sldId="329"/>
+            <ac:spMk id="81922" creationId="{00000000-0000-0000-0000-000000000000}"/>
+          </ac:spMkLst>
+        </pc:spChg>
+      </pc:sldChg>
+      <pc:sldChg chg="modSp">
+        <pc:chgData name="Osama Mohammed Moustafa Hosam Elde" userId="ab8f451e-a635-42ee-be12-e2dde55852bf" providerId="ADAL" clId="{7AE6D3D4-B6A3-468E-B381-9ED02C6CF4E5}" dt="2020-02-22T12:48:42.305" v="156" actId="20577"/>
+        <pc:sldMkLst>
+          <pc:docMk/>
+          <pc:sldMk cId="0" sldId="330"/>
+        </pc:sldMkLst>
+        <pc:spChg chg="mod">
+          <ac:chgData name="Osama Mohammed Moustafa Hosam Elde" userId="ab8f451e-a635-42ee-be12-e2dde55852bf" providerId="ADAL" clId="{7AE6D3D4-B6A3-468E-B381-9ED02C6CF4E5}" dt="2020-02-22T12:48:42.305" v="156" actId="20577"/>
+          <ac:spMkLst>
+            <pc:docMk/>
+            <pc:sldMk cId="0" sldId="330"/>
+            <ac:spMk id="82946" creationId="{00000000-0000-0000-0000-000000000000}"/>
+          </ac:spMkLst>
+        </pc:spChg>
+      </pc:sldChg>
+      <pc:sldChg chg="modSp">
+        <pc:chgData name="Osama Mohammed Moustafa Hosam Elde" userId="ab8f451e-a635-42ee-be12-e2dde55852bf" providerId="ADAL" clId="{7AE6D3D4-B6A3-468E-B381-9ED02C6CF4E5}" dt="2020-02-22T12:49:11.719" v="162" actId="20577"/>
+        <pc:sldMkLst>
+          <pc:docMk/>
+          <pc:sldMk cId="0" sldId="331"/>
+        </pc:sldMkLst>
+        <pc:spChg chg="mod">
+          <ac:chgData name="Osama Mohammed Moustafa Hosam Elde" userId="ab8f451e-a635-42ee-be12-e2dde55852bf" providerId="ADAL" clId="{7AE6D3D4-B6A3-468E-B381-9ED02C6CF4E5}" dt="2020-02-22T12:49:11.719" v="162" actId="20577"/>
+          <ac:spMkLst>
+            <pc:docMk/>
+            <pc:sldMk cId="0" sldId="331"/>
+            <ac:spMk id="84994" creationId="{00000000-0000-0000-0000-000000000000}"/>
+          </ac:spMkLst>
+        </pc:spChg>
+      </pc:sldChg>
+      <pc:sldChg chg="modSp">
+        <pc:chgData name="Osama Mohammed Moustafa Hosam Elde" userId="ab8f451e-a635-42ee-be12-e2dde55852bf" providerId="ADAL" clId="{7AE6D3D4-B6A3-468E-B381-9ED02C6CF4E5}" dt="2020-02-22T12:49:17.380" v="165" actId="20577"/>
+        <pc:sldMkLst>
+          <pc:docMk/>
+          <pc:sldMk cId="0" sldId="332"/>
+        </pc:sldMkLst>
+        <pc:spChg chg="mod">
+          <ac:chgData name="Osama Mohammed Moustafa Hosam Elde" userId="ab8f451e-a635-42ee-be12-e2dde55852bf" providerId="ADAL" clId="{7AE6D3D4-B6A3-468E-B381-9ED02C6CF4E5}" dt="2020-02-22T12:49:17.380" v="165" actId="20577"/>
+          <ac:spMkLst>
+            <pc:docMk/>
+            <pc:sldMk cId="0" sldId="332"/>
+            <ac:spMk id="86018" creationId="{00000000-0000-0000-0000-000000000000}"/>
+          </ac:spMkLst>
+        </pc:spChg>
+      </pc:sldChg>
+      <pc:sldChg chg="modSp">
+        <pc:chgData name="Osama Mohammed Moustafa Hosam Elde" userId="ab8f451e-a635-42ee-be12-e2dde55852bf" providerId="ADAL" clId="{7AE6D3D4-B6A3-468E-B381-9ED02C6CF4E5}" dt="2020-02-22T12:49:31.894" v="173" actId="20577"/>
+        <pc:sldMkLst>
+          <pc:docMk/>
+          <pc:sldMk cId="0" sldId="333"/>
+        </pc:sldMkLst>
+        <pc:spChg chg="mod">
+          <ac:chgData name="Osama Mohammed Moustafa Hosam Elde" userId="ab8f451e-a635-42ee-be12-e2dde55852bf" providerId="ADAL" clId="{7AE6D3D4-B6A3-468E-B381-9ED02C6CF4E5}" dt="2020-02-22T12:49:31.894" v="173" actId="20577"/>
+          <ac:spMkLst>
+            <pc:docMk/>
+            <pc:sldMk cId="0" sldId="333"/>
+            <ac:spMk id="88066" creationId="{00000000-0000-0000-0000-000000000000}"/>
+          </ac:spMkLst>
+        </pc:spChg>
+      </pc:sldChg>
+      <pc:sldChg chg="modSp">
+        <pc:chgData name="Osama Mohammed Moustafa Hosam Elde" userId="ab8f451e-a635-42ee-be12-e2dde55852bf" providerId="ADAL" clId="{7AE6D3D4-B6A3-468E-B381-9ED02C6CF4E5}" dt="2020-02-22T12:48:09.683" v="144" actId="20577"/>
+        <pc:sldMkLst>
+          <pc:docMk/>
+          <pc:sldMk cId="0" sldId="334"/>
+        </pc:sldMkLst>
+        <pc:spChg chg="mod">
+          <ac:chgData name="Osama Mohammed Moustafa Hosam Elde" userId="ab8f451e-a635-42ee-be12-e2dde55852bf" providerId="ADAL" clId="{7AE6D3D4-B6A3-468E-B381-9ED02C6CF4E5}" dt="2020-02-22T12:48:09.683" v="144" actId="20577"/>
+          <ac:spMkLst>
+            <pc:docMk/>
+            <pc:sldMk cId="0" sldId="334"/>
+            <ac:spMk id="79874" creationId="{00000000-0000-0000-0000-000000000000}"/>
+          </ac:spMkLst>
+        </pc:spChg>
+      </pc:sldChg>
+      <pc:sldChg chg="modSp">
+        <pc:chgData name="Osama Mohammed Moustafa Hosam Elde" userId="ab8f451e-a635-42ee-be12-e2dde55852bf" providerId="ADAL" clId="{7AE6D3D4-B6A3-468E-B381-9ED02C6CF4E5}" dt="2020-02-22T12:50:55.074" v="194" actId="20577"/>
+        <pc:sldMkLst>
+          <pc:docMk/>
+          <pc:sldMk cId="0" sldId="335"/>
+        </pc:sldMkLst>
+        <pc:spChg chg="mod">
+          <ac:chgData name="Osama Mohammed Moustafa Hosam Elde" userId="ab8f451e-a635-42ee-be12-e2dde55852bf" providerId="ADAL" clId="{7AE6D3D4-B6A3-468E-B381-9ED02C6CF4E5}" dt="2020-02-22T12:50:55.074" v="194" actId="20577"/>
+          <ac:spMkLst>
+            <pc:docMk/>
+            <pc:sldMk cId="0" sldId="335"/>
+            <ac:spMk id="95234" creationId="{00000000-0000-0000-0000-000000000000}"/>
+          </ac:spMkLst>
+        </pc:spChg>
+      </pc:sldChg>
+      <pc:sldChg chg="modSp">
+        <pc:chgData name="Osama Mohammed Moustafa Hosam Elde" userId="ab8f451e-a635-42ee-be12-e2dde55852bf" providerId="ADAL" clId="{7AE6D3D4-B6A3-468E-B381-9ED02C6CF4E5}" dt="2020-02-22T12:51:00.202" v="197" actId="20577"/>
+        <pc:sldMkLst>
+          <pc:docMk/>
+          <pc:sldMk cId="0" sldId="336"/>
+        </pc:sldMkLst>
+        <pc:spChg chg="mod">
+          <ac:chgData name="Osama Mohammed Moustafa Hosam Elde" userId="ab8f451e-a635-42ee-be12-e2dde55852bf" providerId="ADAL" clId="{7AE6D3D4-B6A3-468E-B381-9ED02C6CF4E5}" dt="2020-02-22T12:51:00.202" v="197" actId="20577"/>
+          <ac:spMkLst>
+            <pc:docMk/>
+            <pc:sldMk cId="0" sldId="336"/>
+            <ac:spMk id="96258" creationId="{00000000-0000-0000-0000-000000000000}"/>
+          </ac:spMkLst>
+        </pc:spChg>
+      </pc:sldChg>
+      <pc:sldChg chg="del">
+        <pc:chgData name="Osama Mohammed Moustafa Hosam Elde" userId="ab8f451e-a635-42ee-be12-e2dde55852bf" providerId="ADAL" clId="{7AE6D3D4-B6A3-468E-B381-9ED02C6CF4E5}" dt="2020-02-22T12:51:39.894" v="213" actId="47"/>
+        <pc:sldMkLst>
+          <pc:docMk/>
+          <pc:sldMk cId="0" sldId="337"/>
+        </pc:sldMkLst>
+      </pc:sldChg>
+      <pc:sldChg chg="modSp">
+        <pc:chgData name="Osama Mohammed Moustafa Hosam Elde" userId="ab8f451e-a635-42ee-be12-e2dde55852bf" providerId="ADAL" clId="{7AE6D3D4-B6A3-468E-B381-9ED02C6CF4E5}" dt="2020-02-22T12:48:48.842" v="159" actId="20577"/>
+        <pc:sldMkLst>
+          <pc:docMk/>
+          <pc:sldMk cId="0" sldId="338"/>
+        </pc:sldMkLst>
+        <pc:spChg chg="mod">
+          <ac:chgData name="Osama Mohammed Moustafa Hosam Elde" userId="ab8f451e-a635-42ee-be12-e2dde55852bf" providerId="ADAL" clId="{7AE6D3D4-B6A3-468E-B381-9ED02C6CF4E5}" dt="2020-02-22T12:48:48.842" v="159" actId="20577"/>
+          <ac:spMkLst>
+            <pc:docMk/>
+            <pc:sldMk cId="0" sldId="338"/>
+            <ac:spMk id="83970" creationId="{00000000-0000-0000-0000-000000000000}"/>
+          </ac:spMkLst>
+        </pc:spChg>
+      </pc:sldChg>
+      <pc:sldChg chg="modSp">
+        <pc:chgData name="Osama Mohammed Moustafa Hosam Elde" userId="ab8f451e-a635-42ee-be12-e2dde55852bf" providerId="ADAL" clId="{7AE6D3D4-B6A3-468E-B381-9ED02C6CF4E5}" dt="2020-02-22T12:50:03.389" v="179" actId="20577"/>
+        <pc:sldMkLst>
+          <pc:docMk/>
+          <pc:sldMk cId="0" sldId="339"/>
+        </pc:sldMkLst>
+        <pc:spChg chg="mod">
+          <ac:chgData name="Osama Mohammed Moustafa Hosam Elde" userId="ab8f451e-a635-42ee-be12-e2dde55852bf" providerId="ADAL" clId="{7AE6D3D4-B6A3-468E-B381-9ED02C6CF4E5}" dt="2020-02-22T12:50:03.389" v="179" actId="20577"/>
+          <ac:spMkLst>
+            <pc:docMk/>
+            <pc:sldMk cId="0" sldId="339"/>
+            <ac:spMk id="90114" creationId="{00000000-0000-0000-0000-000000000000}"/>
+          </ac:spMkLst>
+        </pc:spChg>
+      </pc:sldChg>
+      <pc:sldChg chg="modSp">
+        <pc:chgData name="Osama Mohammed Moustafa Hosam Elde" userId="ab8f451e-a635-42ee-be12-e2dde55852bf" providerId="ADAL" clId="{7AE6D3D4-B6A3-468E-B381-9ED02C6CF4E5}" dt="2020-02-22T12:47:16.184" v="116" actId="20577"/>
+        <pc:sldMkLst>
+          <pc:docMk/>
+          <pc:sldMk cId="0" sldId="340"/>
+        </pc:sldMkLst>
+        <pc:spChg chg="mod">
+          <ac:chgData name="Osama Mohammed Moustafa Hosam Elde" userId="ab8f451e-a635-42ee-be12-e2dde55852bf" providerId="ADAL" clId="{7AE6D3D4-B6A3-468E-B381-9ED02C6CF4E5}" dt="2020-02-22T12:47:16.184" v="116" actId="20577"/>
+          <ac:spMkLst>
+            <pc:docMk/>
+            <pc:sldMk cId="0" sldId="340"/>
+            <ac:spMk id="59394" creationId="{00000000-0000-0000-0000-000000000000}"/>
+          </ac:spMkLst>
+        </pc:spChg>
+      </pc:sldChg>
+      <pc:sldChg chg="modSp">
+        <pc:chgData name="Osama Mohammed Moustafa Hosam Elde" userId="ab8f451e-a635-42ee-be12-e2dde55852bf" providerId="ADAL" clId="{7AE6D3D4-B6A3-468E-B381-9ED02C6CF4E5}" dt="2020-02-22T12:47:30.289" v="126" actId="20577"/>
+        <pc:sldMkLst>
+          <pc:docMk/>
+          <pc:sldMk cId="0" sldId="341"/>
+        </pc:sldMkLst>
+        <pc:spChg chg="mod">
+          <ac:chgData name="Osama Mohammed Moustafa Hosam Elde" userId="ab8f451e-a635-42ee-be12-e2dde55852bf" providerId="ADAL" clId="{7AE6D3D4-B6A3-468E-B381-9ED02C6CF4E5}" dt="2020-02-22T12:47:30.289" v="126" actId="20577"/>
+          <ac:spMkLst>
+            <pc:docMk/>
+            <pc:sldMk cId="0" sldId="341"/>
+            <ac:spMk id="68610" creationId="{00000000-0000-0000-0000-000000000000}"/>
+          </ac:spMkLst>
+        </pc:spChg>
+      </pc:sldChg>
+      <pc:sldChg chg="modSp">
+        <pc:chgData name="Osama Mohammed Moustafa Hosam Elde" userId="ab8f451e-a635-42ee-be12-e2dde55852bf" providerId="ADAL" clId="{7AE6D3D4-B6A3-468E-B381-9ED02C6CF4E5}" dt="2020-02-22T12:47:48.978" v="136" actId="14100"/>
+        <pc:sldMkLst>
+          <pc:docMk/>
+          <pc:sldMk cId="0" sldId="342"/>
+        </pc:sldMkLst>
+        <pc:spChg chg="mod">
+          <ac:chgData name="Osama Mohammed Moustafa Hosam Elde" userId="ab8f451e-a635-42ee-be12-e2dde55852bf" providerId="ADAL" clId="{7AE6D3D4-B6A3-468E-B381-9ED02C6CF4E5}" dt="2020-02-22T12:47:48.978" v="136" actId="14100"/>
+          <ac:spMkLst>
+            <pc:docMk/>
+            <pc:sldMk cId="0" sldId="342"/>
+            <ac:spMk id="70658" creationId="{00000000-0000-0000-0000-000000000000}"/>
+          </ac:spMkLst>
+        </pc:spChg>
+      </pc:sldChg>
+      <pc:sldChg chg="modSp">
+        <pc:chgData name="Osama Mohammed Moustafa Hosam Elde" userId="ab8f451e-a635-42ee-be12-e2dde55852bf" providerId="ADAL" clId="{7AE6D3D4-B6A3-468E-B381-9ED02C6CF4E5}" dt="2020-02-22T12:49:24.501" v="170" actId="20577"/>
+        <pc:sldMkLst>
+          <pc:docMk/>
+          <pc:sldMk cId="0" sldId="345"/>
+        </pc:sldMkLst>
+        <pc:spChg chg="mod">
+          <ac:chgData name="Osama Mohammed Moustafa Hosam Elde" userId="ab8f451e-a635-42ee-be12-e2dde55852bf" providerId="ADAL" clId="{7AE6D3D4-B6A3-468E-B381-9ED02C6CF4E5}" dt="2020-02-22T12:49:24.501" v="170" actId="20577"/>
+          <ac:spMkLst>
+            <pc:docMk/>
+            <pc:sldMk cId="0" sldId="345"/>
+            <ac:spMk id="87042" creationId="{00000000-0000-0000-0000-000000000000}"/>
+          </ac:spMkLst>
+        </pc:spChg>
+      </pc:sldChg>
+      <pc:sldChg chg="modSp">
+        <pc:chgData name="Osama Mohammed Moustafa Hosam Elde" userId="ab8f451e-a635-42ee-be12-e2dde55852bf" providerId="ADAL" clId="{7AE6D3D4-B6A3-468E-B381-9ED02C6CF4E5}" dt="2020-02-22T12:50:15.602" v="185" actId="20577"/>
+        <pc:sldMkLst>
+          <pc:docMk/>
+          <pc:sldMk cId="0" sldId="346"/>
+        </pc:sldMkLst>
+        <pc:spChg chg="mod">
+          <ac:chgData name="Osama Mohammed Moustafa Hosam Elde" userId="ab8f451e-a635-42ee-be12-e2dde55852bf" providerId="ADAL" clId="{7AE6D3D4-B6A3-468E-B381-9ED02C6CF4E5}" dt="2020-02-22T12:50:15.602" v="185" actId="20577"/>
+          <ac:spMkLst>
+            <pc:docMk/>
+            <pc:sldMk cId="0" sldId="346"/>
+            <ac:spMk id="92161" creationId="{00000000-0000-0000-0000-000000000000}"/>
+          </ac:spMkLst>
+        </pc:spChg>
+      </pc:sldChg>
+      <pc:sldChg chg="modSp">
+        <pc:chgData name="Osama Mohammed Moustafa Hosam Elde" userId="ab8f451e-a635-42ee-be12-e2dde55852bf" providerId="ADAL" clId="{7AE6D3D4-B6A3-468E-B381-9ED02C6CF4E5}" dt="2020-02-22T12:50:28.753" v="191" actId="20577"/>
+        <pc:sldMkLst>
+          <pc:docMk/>
+          <pc:sldMk cId="0" sldId="347"/>
+        </pc:sldMkLst>
+        <pc:spChg chg="mod">
+          <ac:chgData name="Osama Mohammed Moustafa Hosam Elde" userId="ab8f451e-a635-42ee-be12-e2dde55852bf" providerId="ADAL" clId="{7AE6D3D4-B6A3-468E-B381-9ED02C6CF4E5}" dt="2020-02-22T12:50:28.753" v="191" actId="20577"/>
+          <ac:spMkLst>
+            <pc:docMk/>
+            <pc:sldMk cId="0" sldId="347"/>
+            <ac:spMk id="94209" creationId="{00000000-0000-0000-0000-000000000000}"/>
+          </ac:spMkLst>
+        </pc:spChg>
+      </pc:sldChg>
+      <pc:sldChg chg="modSp">
+        <pc:chgData name="Osama Mohammed Moustafa Hosam Elde" userId="ab8f451e-a635-42ee-be12-e2dde55852bf" providerId="ADAL" clId="{7AE6D3D4-B6A3-468E-B381-9ED02C6CF4E5}" dt="2020-02-22T12:50:22.263" v="188" actId="20577"/>
+        <pc:sldMkLst>
+          <pc:docMk/>
+          <pc:sldMk cId="0" sldId="348"/>
+        </pc:sldMkLst>
+        <pc:spChg chg="mod">
+          <ac:chgData name="Osama Mohammed Moustafa Hosam Elde" userId="ab8f451e-a635-42ee-be12-e2dde55852bf" providerId="ADAL" clId="{7AE6D3D4-B6A3-468E-B381-9ED02C6CF4E5}" dt="2020-02-22T12:50:22.263" v="188" actId="20577"/>
+          <ac:spMkLst>
+            <pc:docMk/>
+            <pc:sldMk cId="0" sldId="348"/>
+            <ac:spMk id="93185" creationId="{00000000-0000-0000-0000-000000000000}"/>
+          </ac:spMkLst>
+        </pc:spChg>
+      </pc:sldChg>
+      <pc:sldChg chg="modSp">
+        <pc:chgData name="Osama Mohammed Moustafa Hosam Elde" userId="ab8f451e-a635-42ee-be12-e2dde55852bf" providerId="ADAL" clId="{7AE6D3D4-B6A3-468E-B381-9ED02C6CF4E5}" dt="2020-02-22T12:51:18.250" v="206" actId="20577"/>
+        <pc:sldMkLst>
+          <pc:docMk/>
+          <pc:sldMk cId="0" sldId="349"/>
+        </pc:sldMkLst>
+        <pc:spChg chg="mod">
+          <ac:chgData name="Osama Mohammed Moustafa Hosam Elde" userId="ab8f451e-a635-42ee-be12-e2dde55852bf" providerId="ADAL" clId="{7AE6D3D4-B6A3-468E-B381-9ED02C6CF4E5}" dt="2020-02-22T12:51:18.250" v="206" actId="20577"/>
+          <ac:spMkLst>
+            <pc:docMk/>
+            <pc:sldMk cId="0" sldId="349"/>
+            <ac:spMk id="99330" creationId="{00000000-0000-0000-0000-000000000000}"/>
+          </ac:spMkLst>
+        </pc:spChg>
+      </pc:sldChg>
+      <pc:sldChg chg="modSp">
+        <pc:chgData name="Osama Mohammed Moustafa Hosam Elde" userId="ab8f451e-a635-42ee-be12-e2dde55852bf" providerId="ADAL" clId="{7AE6D3D4-B6A3-468E-B381-9ED02C6CF4E5}" dt="2020-02-22T12:51:11.838" v="203" actId="20577"/>
+        <pc:sldMkLst>
+          <pc:docMk/>
+          <pc:sldMk cId="0" sldId="350"/>
+        </pc:sldMkLst>
+        <pc:spChg chg="mod">
+          <ac:chgData name="Osama Mohammed Moustafa Hosam Elde" userId="ab8f451e-a635-42ee-be12-e2dde55852bf" providerId="ADAL" clId="{7AE6D3D4-B6A3-468E-B381-9ED02C6CF4E5}" dt="2020-02-22T12:51:11.838" v="203" actId="20577"/>
+          <ac:spMkLst>
+            <pc:docMk/>
+            <pc:sldMk cId="0" sldId="350"/>
+            <ac:spMk id="98306" creationId="{00000000-0000-0000-0000-000000000000}"/>
+          </ac:spMkLst>
+        </pc:spChg>
+      </pc:sldChg>
+      <pc:sldChg chg="del">
+        <pc:chgData name="Osama Mohammed Moustafa Hosam Elde" userId="ab8f451e-a635-42ee-be12-e2dde55852bf" providerId="ADAL" clId="{7AE6D3D4-B6A3-468E-B381-9ED02C6CF4E5}" dt="2020-02-22T12:51:38.085" v="207" actId="47"/>
+        <pc:sldMkLst>
+          <pc:docMk/>
+          <pc:sldMk cId="0" sldId="352"/>
+        </pc:sldMkLst>
+      </pc:sldChg>
+      <pc:sldChg chg="del">
+        <pc:chgData name="Osama Mohammed Moustafa Hosam Elde" userId="ab8f451e-a635-42ee-be12-e2dde55852bf" providerId="ADAL" clId="{7AE6D3D4-B6A3-468E-B381-9ED02C6CF4E5}" dt="2020-02-22T12:51:38.252" v="208" actId="47"/>
+        <pc:sldMkLst>
+          <pc:docMk/>
+          <pc:sldMk cId="0" sldId="353"/>
+        </pc:sldMkLst>
+      </pc:sldChg>
+      <pc:sldChg chg="del">
+        <pc:chgData name="Osama Mohammed Moustafa Hosam Elde" userId="ab8f451e-a635-42ee-be12-e2dde55852bf" providerId="ADAL" clId="{7AE6D3D4-B6A3-468E-B381-9ED02C6CF4E5}" dt="2020-02-22T12:51:39.034" v="211" actId="47"/>
+        <pc:sldMkLst>
+          <pc:docMk/>
+          <pc:sldMk cId="0" sldId="354"/>
+        </pc:sldMkLst>
+      </pc:sldChg>
+      <pc:sldChg chg="modSp">
+        <pc:chgData name="Osama Mohammed Moustafa Hosam Elde" userId="ab8f451e-a635-42ee-be12-e2dde55852bf" providerId="ADAL" clId="{7AE6D3D4-B6A3-468E-B381-9ED02C6CF4E5}" dt="2020-02-22T12:46:14.784" v="109" actId="20577"/>
+        <pc:sldMkLst>
+          <pc:docMk/>
+          <pc:sldMk cId="0" sldId="355"/>
+        </pc:sldMkLst>
+        <pc:spChg chg="mod">
+          <ac:chgData name="Osama Mohammed Moustafa Hosam Elde" userId="ab8f451e-a635-42ee-be12-e2dde55852bf" providerId="ADAL" clId="{7AE6D3D4-B6A3-468E-B381-9ED02C6CF4E5}" dt="2020-02-22T12:46:14.784" v="109" actId="20577"/>
+          <ac:spMkLst>
+            <pc:docMk/>
+            <pc:sldMk cId="0" sldId="355"/>
+            <ac:spMk id="56321" creationId="{00000000-0000-0000-0000-000000000000}"/>
+          </ac:spMkLst>
+        </pc:spChg>
+      </pc:sldChg>
+      <pc:sldChg chg="modSp">
+        <pc:chgData name="Osama Mohammed Moustafa Hosam Elde" userId="ab8f451e-a635-42ee-be12-e2dde55852bf" providerId="ADAL" clId="{7AE6D3D4-B6A3-468E-B381-9ED02C6CF4E5}" dt="2020-02-22T12:46:46.155" v="112" actId="20577"/>
+        <pc:sldMkLst>
+          <pc:docMk/>
+          <pc:sldMk cId="0" sldId="356"/>
+        </pc:sldMkLst>
+        <pc:spChg chg="mod">
+          <ac:chgData name="Osama Mohammed Moustafa Hosam Elde" userId="ab8f451e-a635-42ee-be12-e2dde55852bf" providerId="ADAL" clId="{7AE6D3D4-B6A3-468E-B381-9ED02C6CF4E5}" dt="2020-02-22T12:46:46.155" v="112" actId="20577"/>
+          <ac:spMkLst>
+            <pc:docMk/>
+            <pc:sldMk cId="0" sldId="356"/>
+            <ac:spMk id="57345" creationId="{00000000-0000-0000-0000-000000000000}"/>
+          </ac:spMkLst>
+        </pc:spChg>
+      </pc:sldChg>
+      <pc:sldChg chg="modSp">
+        <pc:chgData name="Osama Mohammed Moustafa Hosam Elde" userId="ab8f451e-a635-42ee-be12-e2dde55852bf" providerId="ADAL" clId="{7AE6D3D4-B6A3-468E-B381-9ED02C6CF4E5}" dt="2020-02-22T12:48:15.221" v="148" actId="20577"/>
+        <pc:sldMkLst>
+          <pc:docMk/>
+          <pc:sldMk cId="0" sldId="362"/>
+        </pc:sldMkLst>
+        <pc:spChg chg="mod">
+          <ac:chgData name="Osama Mohammed Moustafa Hosam Elde" userId="ab8f451e-a635-42ee-be12-e2dde55852bf" providerId="ADAL" clId="{7AE6D3D4-B6A3-468E-B381-9ED02C6CF4E5}" dt="2020-02-22T12:48:15.221" v="148" actId="20577"/>
+          <ac:spMkLst>
+            <pc:docMk/>
+            <pc:sldMk cId="0" sldId="362"/>
+            <ac:spMk id="80898" creationId="{00000000-0000-0000-0000-000000000000}"/>
+          </ac:spMkLst>
+        </pc:spChg>
+      </pc:sldChg>
+      <pc:sldChg chg="modSp">
+        <pc:chgData name="Osama Mohammed Moustafa Hosam Elde" userId="ab8f451e-a635-42ee-be12-e2dde55852bf" providerId="ADAL" clId="{7AE6D3D4-B6A3-468E-B381-9ED02C6CF4E5}" dt="2020-02-22T12:49:38.740" v="176" actId="20577"/>
+        <pc:sldMkLst>
+          <pc:docMk/>
+          <pc:sldMk cId="0" sldId="363"/>
+        </pc:sldMkLst>
+        <pc:spChg chg="mod">
+          <ac:chgData name="Osama Mohammed Moustafa Hosam Elde" userId="ab8f451e-a635-42ee-be12-e2dde55852bf" providerId="ADAL" clId="{7AE6D3D4-B6A3-468E-B381-9ED02C6CF4E5}" dt="2020-02-22T12:49:38.740" v="176" actId="20577"/>
+          <ac:spMkLst>
+            <pc:docMk/>
+            <pc:sldMk cId="0" sldId="363"/>
+            <ac:spMk id="89090" creationId="{00000000-0000-0000-0000-000000000000}"/>
+          </ac:spMkLst>
+        </pc:spChg>
+      </pc:sldChg>
+      <pc:sldChg chg="modSp">
+        <pc:chgData name="Osama Mohammed Moustafa Hosam Elde" userId="ab8f451e-a635-42ee-be12-e2dde55852bf" providerId="ADAL" clId="{7AE6D3D4-B6A3-468E-B381-9ED02C6CF4E5}" dt="2020-02-22T12:50:09.487" v="182" actId="20577"/>
+        <pc:sldMkLst>
+          <pc:docMk/>
+          <pc:sldMk cId="0" sldId="364"/>
+        </pc:sldMkLst>
+        <pc:spChg chg="mod">
+          <ac:chgData name="Osama Mohammed Moustafa Hosam Elde" userId="ab8f451e-a635-42ee-be12-e2dde55852bf" providerId="ADAL" clId="{7AE6D3D4-B6A3-468E-B381-9ED02C6CF4E5}" dt="2020-02-22T12:50:09.487" v="182" actId="20577"/>
+          <ac:spMkLst>
+            <pc:docMk/>
+            <pc:sldMk cId="0" sldId="364"/>
+            <ac:spMk id="91138" creationId="{00000000-0000-0000-0000-000000000000}"/>
+          </ac:spMkLst>
+        </pc:spChg>
+      </pc:sldChg>
+      <pc:sldChg chg="modSp">
+        <pc:chgData name="Osama Mohammed Moustafa Hosam Elde" userId="ab8f451e-a635-42ee-be12-e2dde55852bf" providerId="ADAL" clId="{7AE6D3D4-B6A3-468E-B381-9ED02C6CF4E5}" dt="2020-02-22T12:51:06.114" v="200" actId="20577"/>
+        <pc:sldMkLst>
+          <pc:docMk/>
+          <pc:sldMk cId="0" sldId="365"/>
+        </pc:sldMkLst>
+        <pc:spChg chg="mod">
+          <ac:chgData name="Osama Mohammed Moustafa Hosam Elde" userId="ab8f451e-a635-42ee-be12-e2dde55852bf" providerId="ADAL" clId="{7AE6D3D4-B6A3-468E-B381-9ED02C6CF4E5}" dt="2020-02-22T12:51:06.114" v="200" actId="20577"/>
+          <ac:spMkLst>
+            <pc:docMk/>
+            <pc:sldMk cId="0" sldId="365"/>
+            <ac:spMk id="97282" creationId="{00000000-0000-0000-0000-000000000000}"/>
+          </ac:spMkLst>
+        </pc:spChg>
+      </pc:sldChg>
+      <pc:sldChg chg="del">
+        <pc:chgData name="Osama Mohammed Moustafa Hosam Elde" userId="ab8f451e-a635-42ee-be12-e2dde55852bf" providerId="ADAL" clId="{7AE6D3D4-B6A3-468E-B381-9ED02C6CF4E5}" dt="2020-02-22T12:51:38.505" v="209" actId="47"/>
+        <pc:sldMkLst>
+          <pc:docMk/>
+          <pc:sldMk cId="0" sldId="366"/>
+        </pc:sldMkLst>
+      </pc:sldChg>
+      <pc:sldChg chg="del">
+        <pc:chgData name="Osama Mohammed Moustafa Hosam Elde" userId="ab8f451e-a635-42ee-be12-e2dde55852bf" providerId="ADAL" clId="{7AE6D3D4-B6A3-468E-B381-9ED02C6CF4E5}" dt="2020-02-22T12:51:38.768" v="210" actId="47"/>
+        <pc:sldMkLst>
+          <pc:docMk/>
+          <pc:sldMk cId="0" sldId="367"/>
+        </pc:sldMkLst>
+      </pc:sldChg>
+      <pc:sldChg chg="del">
+        <pc:chgData name="Osama Mohammed Moustafa Hosam Elde" userId="ab8f451e-a635-42ee-be12-e2dde55852bf" providerId="ADAL" clId="{7AE6D3D4-B6A3-468E-B381-9ED02C6CF4E5}" dt="2020-02-22T12:51:39.332" v="212" actId="47"/>
+        <pc:sldMkLst>
+          <pc:docMk/>
+          <pc:sldMk cId="0" sldId="368"/>
+        </pc:sldMkLst>
+      </pc:sldChg>
+    </pc:docChg>
+  </pc:docChgLst>
+  <pc:docChgLst>
+    <pc:chgData name="Osama" userId="ab8f451e-a635-42ee-be12-e2dde55852bf" providerId="ADAL" clId="{7AE6D3D4-B6A3-468E-B381-9ED02C6CF4E5}"/>
+    <pc:docChg chg="modSld">
+      <pc:chgData name="Osama" userId="ab8f451e-a635-42ee-be12-e2dde55852bf" providerId="ADAL" clId="{7AE6D3D4-B6A3-468E-B381-9ED02C6CF4E5}" dt="2020-02-22T12:52:55.477" v="0" actId="20577"/>
+      <pc:docMkLst>
+        <pc:docMk/>
+      </pc:docMkLst>
+      <pc:sldChg chg="modSp">
+        <pc:chgData name="Osama" userId="ab8f451e-a635-42ee-be12-e2dde55852bf" providerId="ADAL" clId="{7AE6D3D4-B6A3-468E-B381-9ED02C6CF4E5}" dt="2020-02-22T12:52:55.477" v="0" actId="20577"/>
+        <pc:sldMkLst>
+          <pc:docMk/>
+          <pc:sldMk cId="0" sldId="335"/>
+        </pc:sldMkLst>
+        <pc:spChg chg="mod">
+          <ac:chgData name="Osama" userId="ab8f451e-a635-42ee-be12-e2dde55852bf" providerId="ADAL" clId="{7AE6D3D4-B6A3-468E-B381-9ED02C6CF4E5}" dt="2020-02-22T12:52:55.477" v="0" actId="20577"/>
+          <ac:spMkLst>
+            <pc:docMk/>
+            <pc:sldMk cId="0" sldId="335"/>
+            <ac:spMk id="95233" creationId="{00000000-0000-0000-0000-000000000000}"/>
+          </ac:spMkLst>
+        </pc:spChg>
+      </pc:sldChg>
+    </pc:docChg>
+  </pc:docChgLst>
+</pc:chgInfo>
 </file>
 
 <file path=ppt/notesMasters/notesMaster1.xml><?xml version="1.0" encoding="utf-8"?>
@@ -302,7 +869,7 @@
               <a:pPr>
                 <a:defRPr/>
               </a:pPr>
-              <a:t>2/7/2017</a:t>
+              <a:t>22-Feb-20</a:t>
             </a:fld>
             <a:endParaRPr lang="en-US"/>
           </a:p>
@@ -369,38 +936,37 @@
           <a:p>
             <a:pPr lvl="0"/>
             <a:r>
-              <a:rPr lang="en-US" noProof="0" smtClean="0"/>
+              <a:rPr lang="en-US" noProof="0"/>
               <a:t>Click to edit Master text styles</a:t>
             </a:r>
           </a:p>
           <a:p>
             <a:pPr lvl="1"/>
             <a:r>
-              <a:rPr lang="en-US" noProof="0" smtClean="0"/>
+              <a:rPr lang="en-US" noProof="0"/>
               <a:t>Second level</a:t>
             </a:r>
           </a:p>
           <a:p>
             <a:pPr lvl="2"/>
             <a:r>
-              <a:rPr lang="en-US" noProof="0" smtClean="0"/>
+              <a:rPr lang="en-US" noProof="0"/>
               <a:t>Third level</a:t>
             </a:r>
           </a:p>
           <a:p>
             <a:pPr lvl="3"/>
             <a:r>
-              <a:rPr lang="en-US" noProof="0" smtClean="0"/>
+              <a:rPr lang="en-US" noProof="0"/>
               <a:t>Fourth level</a:t>
             </a:r>
           </a:p>
           <a:p>
             <a:pPr lvl="4"/>
             <a:r>
-              <a:rPr lang="en-US" noProof="0" smtClean="0"/>
+              <a:rPr lang="en-US" noProof="0"/>
               <a:t>Fifth level</a:t>
             </a:r>
-            <a:endParaRPr lang="en-US" noProof="0"/>
           </a:p>
         </p:txBody>
       </p:sp>
@@ -695,7 +1261,7 @@
                 <a:spcPct val="0"/>
               </a:spcBef>
             </a:pPr>
-            <a:endParaRPr lang="en-US" smtClean="0"/>
+            <a:endParaRPr lang="en-US"/>
           </a:p>
         </p:txBody>
       </p:sp>
@@ -891,38 +1457,37 @@
           <a:p>
             <a:pPr lvl="0"/>
             <a:r>
-              <a:rPr lang="en-US" dirty="0" smtClean="0"/>
+              <a:rPr lang="en-US" dirty="0"/>
               <a:t>Click to edit Master text styles</a:t>
             </a:r>
           </a:p>
           <a:p>
             <a:pPr lvl="1"/>
             <a:r>
-              <a:rPr lang="en-US" dirty="0" smtClean="0"/>
+              <a:rPr lang="en-US" dirty="0"/>
               <a:t>Second level</a:t>
             </a:r>
           </a:p>
           <a:p>
             <a:pPr lvl="2"/>
             <a:r>
-              <a:rPr lang="en-US" dirty="0" smtClean="0"/>
+              <a:rPr lang="en-US" dirty="0"/>
               <a:t>Third level</a:t>
             </a:r>
           </a:p>
           <a:p>
             <a:pPr lvl="3"/>
             <a:r>
-              <a:rPr lang="en-US" dirty="0" smtClean="0"/>
+              <a:rPr lang="en-US" dirty="0"/>
               <a:t>Fourth level</a:t>
             </a:r>
           </a:p>
           <a:p>
             <a:pPr lvl="4"/>
             <a:r>
-              <a:rPr lang="en-US" dirty="0" smtClean="0"/>
+              <a:rPr lang="en-US" dirty="0"/>
               <a:t>Fifth level</a:t>
             </a:r>
-            <a:endParaRPr lang="en-US" dirty="0"/>
           </a:p>
         </p:txBody>
       </p:sp>
@@ -967,10 +1532,9 @@
           <a:p>
             <a:pPr lvl="0"/>
             <a:r>
-              <a:rPr lang="en-US" dirty="0" smtClean="0"/>
+              <a:rPr lang="en-US" dirty="0"/>
               <a:t>Click to edit Master text</a:t>
             </a:r>
-            <a:endParaRPr lang="en-US" dirty="0"/>
           </a:p>
         </p:txBody>
       </p:sp>
@@ -996,7 +1560,7 @@
             <a:fld id="{3931C183-598B-4366-AA80-C2A3E495010C}" type="datetime1">
               <a:rPr lang="en-US"/>
               <a:pPr/>
-              <a:t>2/7/2017</a:t>
+              <a:t>22-Feb-20</a:t>
             </a:fld>
             <a:endParaRPr lang="en-US"/>
           </a:p>
@@ -1112,10 +1676,9 @@
           <a:lstStyle/>
           <a:p>
             <a:r>
-              <a:rPr lang="en-US" smtClean="0"/>
+              <a:rPr lang="en-US"/>
               <a:t>Click to edit Master title style</a:t>
             </a:r>
-            <a:endParaRPr lang="en-US"/>
           </a:p>
         </p:txBody>
       </p:sp>
@@ -1136,38 +1699,37 @@
           <a:p>
             <a:pPr lvl="0"/>
             <a:r>
-              <a:rPr lang="en-US" smtClean="0"/>
+              <a:rPr lang="en-US"/>
               <a:t>Click to edit Master text styles</a:t>
             </a:r>
           </a:p>
           <a:p>
             <a:pPr lvl="1"/>
             <a:r>
-              <a:rPr lang="en-US" smtClean="0"/>
+              <a:rPr lang="en-US"/>
               <a:t>Second level</a:t>
             </a:r>
           </a:p>
           <a:p>
             <a:pPr lvl="2"/>
             <a:r>
-              <a:rPr lang="en-US" smtClean="0"/>
+              <a:rPr lang="en-US"/>
               <a:t>Third level</a:t>
             </a:r>
           </a:p>
           <a:p>
             <a:pPr lvl="3"/>
             <a:r>
-              <a:rPr lang="en-US" smtClean="0"/>
+              <a:rPr lang="en-US"/>
               <a:t>Fourth level</a:t>
             </a:r>
           </a:p>
           <a:p>
             <a:pPr lvl="4"/>
             <a:r>
-              <a:rPr lang="en-US" smtClean="0"/>
+              <a:rPr lang="en-US"/>
               <a:t>Fifth level</a:t>
             </a:r>
-            <a:endParaRPr lang="en-US"/>
           </a:p>
         </p:txBody>
       </p:sp>
@@ -1193,7 +1755,7 @@
             <a:fld id="{130DE55A-ADF9-42F2-A68A-C6EB1628E416}" type="datetime1">
               <a:rPr lang="en-US"/>
               <a:pPr/>
-              <a:t>2/7/2017</a:t>
+              <a:t>22-Feb-20</a:t>
             </a:fld>
             <a:endParaRPr lang="en-US"/>
           </a:p>
@@ -1263,13 +1825,6 @@
   <p:clrMapOvr>
     <a:masterClrMapping/>
   </p:clrMapOvr>
-  <p:timing>
-    <p:tnLst>
-      <p:par>
-        <p:cTn id="1" dur="indefinite" restart="never" nodeType="tmRoot"/>
-      </p:par>
-    </p:tnLst>
-  </p:timing>
 </p:sldLayout>
 </file>
 
@@ -1311,10 +1866,9 @@
           <a:lstStyle/>
           <a:p>
             <a:r>
-              <a:rPr lang="en-US" smtClean="0"/>
+              <a:rPr lang="en-US"/>
               <a:t>Click to edit Master title style</a:t>
             </a:r>
-            <a:endParaRPr lang="en-US"/>
           </a:p>
         </p:txBody>
       </p:sp>
@@ -1340,38 +1894,37 @@
           <a:p>
             <a:pPr lvl="0"/>
             <a:r>
-              <a:rPr lang="en-US" smtClean="0"/>
+              <a:rPr lang="en-US"/>
               <a:t>Click to edit Master text styles</a:t>
             </a:r>
           </a:p>
           <a:p>
             <a:pPr lvl="1"/>
             <a:r>
-              <a:rPr lang="en-US" smtClean="0"/>
+              <a:rPr lang="en-US"/>
               <a:t>Second level</a:t>
             </a:r>
           </a:p>
           <a:p>
             <a:pPr lvl="2"/>
             <a:r>
-              <a:rPr lang="en-US" smtClean="0"/>
+              <a:rPr lang="en-US"/>
               <a:t>Third level</a:t>
             </a:r>
           </a:p>
           <a:p>
             <a:pPr lvl="3"/>
             <a:r>
-              <a:rPr lang="en-US" smtClean="0"/>
+              <a:rPr lang="en-US"/>
               <a:t>Fourth level</a:t>
             </a:r>
           </a:p>
           <a:p>
             <a:pPr lvl="4"/>
             <a:r>
-              <a:rPr lang="en-US" smtClean="0"/>
+              <a:rPr lang="en-US"/>
               <a:t>Fifth level</a:t>
             </a:r>
-            <a:endParaRPr lang="en-US"/>
           </a:p>
         </p:txBody>
       </p:sp>
@@ -1397,7 +1950,7 @@
             <a:fld id="{6FEBDF8B-95B1-47D4-867E-758731A0276C}" type="datetime1">
               <a:rPr lang="en-US"/>
               <a:pPr/>
-              <a:t>2/7/2017</a:t>
+              <a:t>22-Feb-20</a:t>
             </a:fld>
             <a:endParaRPr lang="en-US"/>
           </a:p>
@@ -1467,13 +2020,6 @@
   <p:clrMapOvr>
     <a:masterClrMapping/>
   </p:clrMapOvr>
-  <p:timing>
-    <p:tnLst>
-      <p:par>
-        <p:cTn id="1" dur="indefinite" restart="never" nodeType="tmRoot"/>
-      </p:par>
-    </p:tnLst>
-  </p:timing>
 </p:sldLayout>
 </file>
 
@@ -1515,10 +2061,9 @@
           <a:lstStyle/>
           <a:p>
             <a:r>
-              <a:rPr lang="en-US" smtClean="0"/>
+              <a:rPr lang="en-US"/>
               <a:t>Click to edit Master title style</a:t>
             </a:r>
-            <a:endParaRPr lang="en-US"/>
           </a:p>
         </p:txBody>
       </p:sp>
@@ -1634,10 +2179,9 @@
           </a:lstStyle>
           <a:p>
             <a:r>
-              <a:rPr lang="en-US" smtClean="0"/>
+              <a:rPr lang="en-US"/>
               <a:t>Click to edit Master subtitle style</a:t>
             </a:r>
-            <a:endParaRPr lang="en-US"/>
           </a:p>
         </p:txBody>
       </p:sp>
@@ -1663,7 +2207,7 @@
             <a:fld id="{A040B66B-C023-4F91-88C9-5C5473AB5E03}" type="datetime1">
               <a:rPr lang="en-US"/>
               <a:pPr/>
-              <a:t>2/7/2017</a:t>
+              <a:t>22-Feb-20</a:t>
             </a:fld>
             <a:endParaRPr lang="en-US"/>
           </a:p>
@@ -1769,10 +2313,9 @@
           <a:lstStyle/>
           <a:p>
             <a:r>
-              <a:rPr lang="en-US" smtClean="0"/>
+              <a:rPr lang="en-US"/>
               <a:t>Click to edit Master title style</a:t>
             </a:r>
-            <a:endParaRPr lang="en-US"/>
           </a:p>
         </p:txBody>
       </p:sp>
@@ -1793,38 +2336,37 @@
           <a:p>
             <a:pPr lvl="0"/>
             <a:r>
-              <a:rPr lang="en-US" smtClean="0"/>
+              <a:rPr lang="en-US"/>
               <a:t>Click to edit Master text styles</a:t>
             </a:r>
           </a:p>
           <a:p>
             <a:pPr lvl="1"/>
             <a:r>
-              <a:rPr lang="en-US" smtClean="0"/>
+              <a:rPr lang="en-US"/>
               <a:t>Second level</a:t>
             </a:r>
           </a:p>
           <a:p>
             <a:pPr lvl="2"/>
             <a:r>
-              <a:rPr lang="en-US" smtClean="0"/>
+              <a:rPr lang="en-US"/>
               <a:t>Third level</a:t>
             </a:r>
           </a:p>
           <a:p>
             <a:pPr lvl="3"/>
             <a:r>
-              <a:rPr lang="en-US" smtClean="0"/>
+              <a:rPr lang="en-US"/>
               <a:t>Fourth level</a:t>
             </a:r>
           </a:p>
           <a:p>
             <a:pPr lvl="4"/>
             <a:r>
-              <a:rPr lang="en-US" smtClean="0"/>
+              <a:rPr lang="en-US"/>
               <a:t>Fifth level</a:t>
             </a:r>
-            <a:endParaRPr lang="en-US"/>
           </a:p>
         </p:txBody>
       </p:sp>
@@ -1850,7 +2392,7 @@
             <a:fld id="{ED3809BE-3C05-4384-B438-F8ECDF1A98D5}" type="datetime1">
               <a:rPr lang="en-US"/>
               <a:pPr/>
-              <a:t>2/7/2017</a:t>
+              <a:t>22-Feb-20</a:t>
             </a:fld>
             <a:endParaRPr lang="en-US"/>
           </a:p>
@@ -1965,10 +2507,9 @@
           </a:lstStyle>
           <a:p>
             <a:r>
-              <a:rPr lang="en-US" smtClean="0"/>
+              <a:rPr lang="en-US"/>
               <a:t>Click to edit Master title style</a:t>
             </a:r>
-            <a:endParaRPr lang="en-US"/>
           </a:p>
         </p:txBody>
       </p:sp>
@@ -2085,7 +2626,7 @@
           <a:p>
             <a:pPr lvl="0"/>
             <a:r>
-              <a:rPr lang="en-US" smtClean="0"/>
+              <a:rPr lang="en-US"/>
               <a:t>Click to edit Master text styles</a:t>
             </a:r>
           </a:p>
@@ -2113,7 +2654,7 @@
             <a:fld id="{A91CB627-2678-4344-B5F4-6290CFBE51B8}" type="datetime1">
               <a:rPr lang="en-US"/>
               <a:pPr/>
-              <a:t>2/7/2017</a:t>
+              <a:t>22-Feb-20</a:t>
             </a:fld>
             <a:endParaRPr lang="en-US"/>
           </a:p>
@@ -2219,10 +2760,9 @@
           <a:lstStyle/>
           <a:p>
             <a:r>
-              <a:rPr lang="en-US" smtClean="0"/>
+              <a:rPr lang="en-US"/>
               <a:t>Click to edit Master title style</a:t>
             </a:r>
-            <a:endParaRPr lang="en-US"/>
           </a:p>
         </p:txBody>
       </p:sp>
@@ -2276,38 +2816,37 @@
           <a:p>
             <a:pPr lvl="0"/>
             <a:r>
-              <a:rPr lang="en-US" smtClean="0"/>
+              <a:rPr lang="en-US"/>
               <a:t>Click to edit Master text styles</a:t>
             </a:r>
           </a:p>
           <a:p>
             <a:pPr lvl="1"/>
             <a:r>
-              <a:rPr lang="en-US" smtClean="0"/>
+              <a:rPr lang="en-US"/>
               <a:t>Second level</a:t>
             </a:r>
           </a:p>
           <a:p>
             <a:pPr lvl="2"/>
             <a:r>
-              <a:rPr lang="en-US" smtClean="0"/>
+              <a:rPr lang="en-US"/>
               <a:t>Third level</a:t>
             </a:r>
           </a:p>
           <a:p>
             <a:pPr lvl="3"/>
             <a:r>
-              <a:rPr lang="en-US" smtClean="0"/>
+              <a:rPr lang="en-US"/>
               <a:t>Fourth level</a:t>
             </a:r>
           </a:p>
           <a:p>
             <a:pPr lvl="4"/>
             <a:r>
-              <a:rPr lang="en-US" smtClean="0"/>
+              <a:rPr lang="en-US"/>
               <a:t>Fifth level</a:t>
             </a:r>
-            <a:endParaRPr lang="en-US"/>
           </a:p>
         </p:txBody>
       </p:sp>
@@ -2361,38 +2900,37 @@
           <a:p>
             <a:pPr lvl="0"/>
             <a:r>
-              <a:rPr lang="en-US" smtClean="0"/>
+              <a:rPr lang="en-US"/>
               <a:t>Click to edit Master text styles</a:t>
             </a:r>
           </a:p>
           <a:p>
             <a:pPr lvl="1"/>
             <a:r>
-              <a:rPr lang="en-US" smtClean="0"/>
+              <a:rPr lang="en-US"/>
               <a:t>Second level</a:t>
             </a:r>
           </a:p>
           <a:p>
             <a:pPr lvl="2"/>
             <a:r>
-              <a:rPr lang="en-US" smtClean="0"/>
+              <a:rPr lang="en-US"/>
               <a:t>Third level</a:t>
             </a:r>
           </a:p>
           <a:p>
             <a:pPr lvl="3"/>
             <a:r>
-              <a:rPr lang="en-US" smtClean="0"/>
+              <a:rPr lang="en-US"/>
               <a:t>Fourth level</a:t>
             </a:r>
           </a:p>
           <a:p>
             <a:pPr lvl="4"/>
             <a:r>
-              <a:rPr lang="en-US" smtClean="0"/>
+              <a:rPr lang="en-US"/>
               <a:t>Fifth level</a:t>
             </a:r>
-            <a:endParaRPr lang="en-US"/>
           </a:p>
         </p:txBody>
       </p:sp>
@@ -2418,7 +2956,7 @@
             <a:fld id="{FF81FC9D-3331-4241-9105-AF30013E3B30}" type="datetime1">
               <a:rPr lang="en-US"/>
               <a:pPr/>
-              <a:t>2/7/2017</a:t>
+              <a:t>22-Feb-20</a:t>
             </a:fld>
             <a:endParaRPr lang="en-US"/>
           </a:p>
@@ -2528,10 +3066,9 @@
           </a:lstStyle>
           <a:p>
             <a:r>
-              <a:rPr lang="en-US" smtClean="0"/>
+              <a:rPr lang="en-US"/>
               <a:t>Click to edit Master title style</a:t>
             </a:r>
-            <a:endParaRPr lang="en-US"/>
           </a:p>
         </p:txBody>
       </p:sp>
@@ -2594,7 +3131,7 @@
           <a:p>
             <a:pPr lvl="0"/>
             <a:r>
-              <a:rPr lang="en-US" smtClean="0"/>
+              <a:rPr lang="en-US"/>
               <a:t>Click to edit Master text styles</a:t>
             </a:r>
           </a:p>
@@ -2650,38 +3187,37 @@
           <a:p>
             <a:pPr lvl="0"/>
             <a:r>
-              <a:rPr lang="en-US" smtClean="0"/>
+              <a:rPr lang="en-US"/>
               <a:t>Click to edit Master text styles</a:t>
             </a:r>
           </a:p>
           <a:p>
             <a:pPr lvl="1"/>
             <a:r>
-              <a:rPr lang="en-US" smtClean="0"/>
+              <a:rPr lang="en-US"/>
               <a:t>Second level</a:t>
             </a:r>
           </a:p>
           <a:p>
             <a:pPr lvl="2"/>
             <a:r>
-              <a:rPr lang="en-US" smtClean="0"/>
+              <a:rPr lang="en-US"/>
               <a:t>Third level</a:t>
             </a:r>
           </a:p>
           <a:p>
             <a:pPr lvl="3"/>
             <a:r>
-              <a:rPr lang="en-US" smtClean="0"/>
+              <a:rPr lang="en-US"/>
               <a:t>Fourth level</a:t>
             </a:r>
           </a:p>
           <a:p>
             <a:pPr lvl="4"/>
             <a:r>
-              <a:rPr lang="en-US" smtClean="0"/>
+              <a:rPr lang="en-US"/>
               <a:t>Fifth level</a:t>
             </a:r>
-            <a:endParaRPr lang="en-US"/>
           </a:p>
         </p:txBody>
       </p:sp>
@@ -2744,7 +3280,7 @@
           <a:p>
             <a:pPr lvl="0"/>
             <a:r>
-              <a:rPr lang="en-US" smtClean="0"/>
+              <a:rPr lang="en-US"/>
               <a:t>Click to edit Master text styles</a:t>
             </a:r>
           </a:p>
@@ -2800,38 +3336,37 @@
           <a:p>
             <a:pPr lvl="0"/>
             <a:r>
-              <a:rPr lang="en-US" smtClean="0"/>
+              <a:rPr lang="en-US"/>
               <a:t>Click to edit Master text styles</a:t>
             </a:r>
           </a:p>
           <a:p>
             <a:pPr lvl="1"/>
             <a:r>
-              <a:rPr lang="en-US" smtClean="0"/>
+              <a:rPr lang="en-US"/>
               <a:t>Second level</a:t>
             </a:r>
           </a:p>
           <a:p>
             <a:pPr lvl="2"/>
             <a:r>
-              <a:rPr lang="en-US" smtClean="0"/>
+              <a:rPr lang="en-US"/>
               <a:t>Third level</a:t>
             </a:r>
           </a:p>
           <a:p>
             <a:pPr lvl="3"/>
             <a:r>
-              <a:rPr lang="en-US" smtClean="0"/>
+              <a:rPr lang="en-US"/>
               <a:t>Fourth level</a:t>
             </a:r>
           </a:p>
           <a:p>
             <a:pPr lvl="4"/>
             <a:r>
-              <a:rPr lang="en-US" smtClean="0"/>
+              <a:rPr lang="en-US"/>
               <a:t>Fifth level</a:t>
             </a:r>
-            <a:endParaRPr lang="en-US"/>
           </a:p>
         </p:txBody>
       </p:sp>
@@ -2857,7 +3392,7 @@
             <a:fld id="{24E60824-D23C-4B29-97A6-B78E38D0FA70}" type="datetime1">
               <a:rPr lang="en-US"/>
               <a:pPr/>
-              <a:t>2/7/2017</a:t>
+              <a:t>22-Feb-20</a:t>
             </a:fld>
             <a:endParaRPr lang="en-US"/>
           </a:p>
@@ -2963,10 +3498,9 @@
           <a:lstStyle/>
           <a:p>
             <a:r>
-              <a:rPr lang="en-US" smtClean="0"/>
+              <a:rPr lang="en-US"/>
               <a:t>Click to edit Master title style</a:t>
             </a:r>
-            <a:endParaRPr lang="en-US"/>
           </a:p>
         </p:txBody>
       </p:sp>
@@ -2992,7 +3526,7 @@
             <a:fld id="{15F0E270-489F-4D21-A4F2-A11123E717C6}" type="datetime1">
               <a:rPr lang="en-US"/>
               <a:pPr/>
-              <a:t>2/7/2017</a:t>
+              <a:t>22-Feb-20</a:t>
             </a:fld>
             <a:endParaRPr lang="en-US"/>
           </a:p>
@@ -3104,7 +3638,7 @@
             <a:fld id="{3762DB9D-C119-44D7-A68D-5EFBC4594C99}" type="datetime1">
               <a:rPr lang="en-US"/>
               <a:pPr/>
-              <a:t>2/7/2017</a:t>
+              <a:t>22-Feb-20</a:t>
             </a:fld>
             <a:endParaRPr lang="en-US"/>
           </a:p>
@@ -3219,10 +3753,9 @@
           </a:lstStyle>
           <a:p>
             <a:r>
-              <a:rPr lang="en-US" smtClean="0"/>
+              <a:rPr lang="en-US"/>
               <a:t>Click to edit Master title style</a:t>
             </a:r>
-            <a:endParaRPr lang="en-US"/>
           </a:p>
         </p:txBody>
       </p:sp>
@@ -3276,38 +3809,37 @@
           <a:p>
             <a:pPr lvl="0"/>
             <a:r>
-              <a:rPr lang="en-US" smtClean="0"/>
+              <a:rPr lang="en-US"/>
               <a:t>Click to edit Master text styles</a:t>
             </a:r>
           </a:p>
           <a:p>
             <a:pPr lvl="1"/>
             <a:r>
-              <a:rPr lang="en-US" smtClean="0"/>
+              <a:rPr lang="en-US"/>
               <a:t>Second level</a:t>
             </a:r>
           </a:p>
           <a:p>
             <a:pPr lvl="2"/>
             <a:r>
-              <a:rPr lang="en-US" smtClean="0"/>
+              <a:rPr lang="en-US"/>
               <a:t>Third level</a:t>
             </a:r>
           </a:p>
           <a:p>
             <a:pPr lvl="3"/>
             <a:r>
-              <a:rPr lang="en-US" smtClean="0"/>
+              <a:rPr lang="en-US"/>
               <a:t>Fourth level</a:t>
             </a:r>
           </a:p>
           <a:p>
             <a:pPr lvl="4"/>
             <a:r>
-              <a:rPr lang="en-US" smtClean="0"/>
+              <a:rPr lang="en-US"/>
               <a:t>Fifth level</a:t>
             </a:r>
-            <a:endParaRPr lang="en-US"/>
           </a:p>
         </p:txBody>
       </p:sp>
@@ -3370,7 +3902,7 @@
           <a:p>
             <a:pPr lvl="0"/>
             <a:r>
-              <a:rPr lang="en-US" smtClean="0"/>
+              <a:rPr lang="en-US"/>
               <a:t>Click to edit Master text styles</a:t>
             </a:r>
           </a:p>
@@ -3398,7 +3930,7 @@
             <a:fld id="{1AC7BD3D-ABE5-4CAA-9848-EF44E7A85D68}" type="datetime1">
               <a:rPr lang="en-US"/>
               <a:pPr/>
-              <a:t>2/7/2017</a:t>
+              <a:t>22-Feb-20</a:t>
             </a:fld>
             <a:endParaRPr lang="en-US"/>
           </a:p>
@@ -3509,10 +4041,9 @@
           <a:lstStyle/>
           <a:p>
             <a:r>
-              <a:rPr lang="en-US" smtClean="0"/>
+              <a:rPr lang="en-US"/>
               <a:t>Click to edit Master title style</a:t>
             </a:r>
-            <a:endParaRPr lang="en-US"/>
           </a:p>
         </p:txBody>
       </p:sp>
@@ -3628,10 +4159,9 @@
           </a:lstStyle>
           <a:p>
             <a:r>
-              <a:rPr lang="en-US" smtClean="0"/>
+              <a:rPr lang="en-US"/>
               <a:t>Click to edit Master subtitle style</a:t>
             </a:r>
-            <a:endParaRPr lang="en-US"/>
           </a:p>
         </p:txBody>
       </p:sp>
@@ -3657,7 +4187,7 @@
             <a:fld id="{48EAEC24-36B6-4475-B2D8-432CC8DBBB35}" type="datetime1">
               <a:rPr lang="en-US"/>
               <a:pPr/>
-              <a:t>2/7/2017</a:t>
+              <a:t>22-Feb-20</a:t>
             </a:fld>
             <a:endParaRPr lang="en-US"/>
           </a:p>
@@ -3731,13 +4261,6 @@
   <p:clrMapOvr>
     <a:masterClrMapping/>
   </p:clrMapOvr>
-  <p:timing>
-    <p:tnLst>
-      <p:par>
-        <p:cTn id="1" dur="indefinite" restart="never" nodeType="tmRoot"/>
-      </p:par>
-    </p:tnLst>
-  </p:timing>
 </p:sldLayout>
 </file>
 
@@ -3783,10 +4306,9 @@
           </a:lstStyle>
           <a:p>
             <a:r>
-              <a:rPr lang="en-US" smtClean="0"/>
+              <a:rPr lang="en-US"/>
               <a:t>Click to edit Master title style</a:t>
             </a:r>
-            <a:endParaRPr lang="en-US"/>
           </a:p>
         </p:txBody>
       </p:sp>
@@ -3913,7 +4435,7 @@
           <a:p>
             <a:pPr lvl="0"/>
             <a:r>
-              <a:rPr lang="en-US" smtClean="0"/>
+              <a:rPr lang="en-US"/>
               <a:t>Click to edit Master text styles</a:t>
             </a:r>
           </a:p>
@@ -3941,7 +4463,7 @@
             <a:fld id="{3F83CDC3-F4BF-4FED-B84D-627AD5DB5816}" type="datetime1">
               <a:rPr lang="en-US"/>
               <a:pPr/>
-              <a:t>2/7/2017</a:t>
+              <a:t>22-Feb-20</a:t>
             </a:fld>
             <a:endParaRPr lang="en-US"/>
           </a:p>
@@ -4047,10 +4569,9 @@
           <a:lstStyle/>
           <a:p>
             <a:r>
-              <a:rPr lang="en-US" smtClean="0"/>
+              <a:rPr lang="en-US"/>
               <a:t>Click to edit Master title style</a:t>
             </a:r>
-            <a:endParaRPr lang="en-US"/>
           </a:p>
         </p:txBody>
       </p:sp>
@@ -4071,38 +4592,37 @@
           <a:p>
             <a:pPr lvl="0"/>
             <a:r>
-              <a:rPr lang="en-US" smtClean="0"/>
+              <a:rPr lang="en-US"/>
               <a:t>Click to edit Master text styles</a:t>
             </a:r>
           </a:p>
           <a:p>
             <a:pPr lvl="1"/>
             <a:r>
-              <a:rPr lang="en-US" smtClean="0"/>
+              <a:rPr lang="en-US"/>
               <a:t>Second level</a:t>
             </a:r>
           </a:p>
           <a:p>
             <a:pPr lvl="2"/>
             <a:r>
-              <a:rPr lang="en-US" smtClean="0"/>
+              <a:rPr lang="en-US"/>
               <a:t>Third level</a:t>
             </a:r>
           </a:p>
           <a:p>
             <a:pPr lvl="3"/>
             <a:r>
-              <a:rPr lang="en-US" smtClean="0"/>
+              <a:rPr lang="en-US"/>
               <a:t>Fourth level</a:t>
             </a:r>
           </a:p>
           <a:p>
             <a:pPr lvl="4"/>
             <a:r>
-              <a:rPr lang="en-US" smtClean="0"/>
+              <a:rPr lang="en-US"/>
               <a:t>Fifth level</a:t>
             </a:r>
-            <a:endParaRPr lang="en-US"/>
           </a:p>
         </p:txBody>
       </p:sp>
@@ -4128,7 +4648,7 @@
             <a:fld id="{4BB9159A-6BD0-4D28-A307-17035B7AFE7D}" type="datetime1">
               <a:rPr lang="en-US"/>
               <a:pPr/>
-              <a:t>2/7/2017</a:t>
+              <a:t>22-Feb-20</a:t>
             </a:fld>
             <a:endParaRPr lang="en-US"/>
           </a:p>
@@ -4239,10 +4759,9 @@
           <a:lstStyle/>
           <a:p>
             <a:r>
-              <a:rPr lang="en-US" smtClean="0"/>
+              <a:rPr lang="en-US"/>
               <a:t>Click to edit Master title style</a:t>
             </a:r>
-            <a:endParaRPr lang="en-US"/>
           </a:p>
         </p:txBody>
       </p:sp>
@@ -4268,38 +4787,37 @@
           <a:p>
             <a:pPr lvl="0"/>
             <a:r>
-              <a:rPr lang="en-US" smtClean="0"/>
+              <a:rPr lang="en-US"/>
               <a:t>Click to edit Master text styles</a:t>
             </a:r>
           </a:p>
           <a:p>
             <a:pPr lvl="1"/>
             <a:r>
-              <a:rPr lang="en-US" smtClean="0"/>
+              <a:rPr lang="en-US"/>
               <a:t>Second level</a:t>
             </a:r>
           </a:p>
           <a:p>
             <a:pPr lvl="2"/>
             <a:r>
-              <a:rPr lang="en-US" smtClean="0"/>
+              <a:rPr lang="en-US"/>
               <a:t>Third level</a:t>
             </a:r>
           </a:p>
           <a:p>
             <a:pPr lvl="3"/>
             <a:r>
-              <a:rPr lang="en-US" smtClean="0"/>
+              <a:rPr lang="en-US"/>
               <a:t>Fourth level</a:t>
             </a:r>
           </a:p>
           <a:p>
             <a:pPr lvl="4"/>
             <a:r>
-              <a:rPr lang="en-US" smtClean="0"/>
+              <a:rPr lang="en-US"/>
               <a:t>Fifth level</a:t>
             </a:r>
-            <a:endParaRPr lang="en-US"/>
           </a:p>
         </p:txBody>
       </p:sp>
@@ -4325,7 +4843,7 @@
             <a:fld id="{07110289-ADC7-4489-8440-7C001EB62A8E}" type="datetime1">
               <a:rPr lang="en-US"/>
               <a:pPr/>
-              <a:t>2/7/2017</a:t>
+              <a:t>22-Feb-20</a:t>
             </a:fld>
             <a:endParaRPr lang="en-US"/>
           </a:p>
@@ -4436,10 +4954,9 @@
           <a:lstStyle/>
           <a:p>
             <a:r>
-              <a:rPr lang="en-US" smtClean="0"/>
+              <a:rPr lang="en-US"/>
               <a:t>Click to edit Master title style</a:t>
             </a:r>
-            <a:endParaRPr lang="en-US"/>
           </a:p>
         </p:txBody>
       </p:sp>
@@ -4555,10 +5072,9 @@
           </a:lstStyle>
           <a:p>
             <a:r>
-              <a:rPr lang="en-US" smtClean="0"/>
+              <a:rPr lang="en-US"/>
               <a:t>Click to edit Master subtitle style</a:t>
             </a:r>
-            <a:endParaRPr lang="en-US"/>
           </a:p>
         </p:txBody>
       </p:sp>
@@ -4584,7 +5100,7 @@
             <a:fld id="{B3D4A4E0-5E46-42CD-9105-3107EEB4FDC0}" type="datetime1">
               <a:rPr lang="en-US"/>
               <a:pPr/>
-              <a:t>2/7/2017</a:t>
+              <a:t>22-Feb-20</a:t>
             </a:fld>
             <a:endParaRPr lang="en-US"/>
           </a:p>
@@ -4690,10 +5206,9 @@
           <a:lstStyle/>
           <a:p>
             <a:r>
-              <a:rPr lang="en-US" smtClean="0"/>
+              <a:rPr lang="en-US"/>
               <a:t>Click to edit Master title style</a:t>
             </a:r>
-            <a:endParaRPr lang="en-US"/>
           </a:p>
         </p:txBody>
       </p:sp>
@@ -4714,38 +5229,37 @@
           <a:p>
             <a:pPr lvl="0"/>
             <a:r>
-              <a:rPr lang="en-US" smtClean="0"/>
+              <a:rPr lang="en-US"/>
               <a:t>Click to edit Master text styles</a:t>
             </a:r>
           </a:p>
           <a:p>
             <a:pPr lvl="1"/>
             <a:r>
-              <a:rPr lang="en-US" smtClean="0"/>
+              <a:rPr lang="en-US"/>
               <a:t>Second level</a:t>
             </a:r>
           </a:p>
           <a:p>
             <a:pPr lvl="2"/>
             <a:r>
-              <a:rPr lang="en-US" smtClean="0"/>
+              <a:rPr lang="en-US"/>
               <a:t>Third level</a:t>
             </a:r>
           </a:p>
           <a:p>
             <a:pPr lvl="3"/>
             <a:r>
-              <a:rPr lang="en-US" smtClean="0"/>
+              <a:rPr lang="en-US"/>
               <a:t>Fourth level</a:t>
             </a:r>
           </a:p>
           <a:p>
             <a:pPr lvl="4"/>
             <a:r>
-              <a:rPr lang="en-US" smtClean="0"/>
+              <a:rPr lang="en-US"/>
               <a:t>Fifth level</a:t>
             </a:r>
-            <a:endParaRPr lang="en-US"/>
           </a:p>
         </p:txBody>
       </p:sp>
@@ -4771,7 +5285,7 @@
             <a:fld id="{AD23D73E-98A0-426D-A49E-FE7DB6531E10}" type="datetime1">
               <a:rPr lang="en-US"/>
               <a:pPr/>
-              <a:t>2/7/2017</a:t>
+              <a:t>22-Feb-20</a:t>
             </a:fld>
             <a:endParaRPr lang="en-US"/>
           </a:p>
@@ -4886,10 +5400,9 @@
           </a:lstStyle>
           <a:p>
             <a:r>
-              <a:rPr lang="en-US" smtClean="0"/>
+              <a:rPr lang="en-US"/>
               <a:t>Click to edit Master title style</a:t>
             </a:r>
-            <a:endParaRPr lang="en-US"/>
           </a:p>
         </p:txBody>
       </p:sp>
@@ -5006,7 +5519,7 @@
           <a:p>
             <a:pPr lvl="0"/>
             <a:r>
-              <a:rPr lang="en-US" smtClean="0"/>
+              <a:rPr lang="en-US"/>
               <a:t>Click to edit Master text styles</a:t>
             </a:r>
           </a:p>
@@ -5034,7 +5547,7 @@
             <a:fld id="{11B0CCB0-731F-4C3B-AF9F-814F422112FE}" type="datetime1">
               <a:rPr lang="en-US"/>
               <a:pPr/>
-              <a:t>2/7/2017</a:t>
+              <a:t>22-Feb-20</a:t>
             </a:fld>
             <a:endParaRPr lang="en-US"/>
           </a:p>
@@ -5140,10 +5653,9 @@
           <a:lstStyle/>
           <a:p>
             <a:r>
-              <a:rPr lang="en-US" smtClean="0"/>
+              <a:rPr lang="en-US"/>
               <a:t>Click to edit Master title style</a:t>
             </a:r>
-            <a:endParaRPr lang="en-US"/>
           </a:p>
         </p:txBody>
       </p:sp>
@@ -5197,38 +5709,37 @@
           <a:p>
             <a:pPr lvl="0"/>
             <a:r>
-              <a:rPr lang="en-US" smtClean="0"/>
+              <a:rPr lang="en-US"/>
               <a:t>Click to edit Master text styles</a:t>
             </a:r>
           </a:p>
           <a:p>
             <a:pPr lvl="1"/>
             <a:r>
-              <a:rPr lang="en-US" smtClean="0"/>
+              <a:rPr lang="en-US"/>
               <a:t>Second level</a:t>
             </a:r>
           </a:p>
           <a:p>
             <a:pPr lvl="2"/>
             <a:r>
-              <a:rPr lang="en-US" smtClean="0"/>
+              <a:rPr lang="en-US"/>
               <a:t>Third level</a:t>
             </a:r>
           </a:p>
           <a:p>
             <a:pPr lvl="3"/>
             <a:r>
-              <a:rPr lang="en-US" smtClean="0"/>
+              <a:rPr lang="en-US"/>
               <a:t>Fourth level</a:t>
             </a:r>
           </a:p>
           <a:p>
             <a:pPr lvl="4"/>
             <a:r>
-              <a:rPr lang="en-US" smtClean="0"/>
+              <a:rPr lang="en-US"/>
               <a:t>Fifth level</a:t>
             </a:r>
-            <a:endParaRPr lang="en-US"/>
           </a:p>
         </p:txBody>
       </p:sp>
@@ -5282,38 +5793,37 @@
           <a:p>
             <a:pPr lvl="0"/>
             <a:r>
-              <a:rPr lang="en-US" smtClean="0"/>
+              <a:rPr lang="en-US"/>
               <a:t>Click to edit Master text styles</a:t>
             </a:r>
           </a:p>
           <a:p>
             <a:pPr lvl="1"/>
             <a:r>
-              <a:rPr lang="en-US" smtClean="0"/>
+              <a:rPr lang="en-US"/>
               <a:t>Second level</a:t>
             </a:r>
           </a:p>
           <a:p>
             <a:pPr lvl="2"/>
             <a:r>
-              <a:rPr lang="en-US" smtClean="0"/>
+              <a:rPr lang="en-US"/>
               <a:t>Third level</a:t>
             </a:r>
           </a:p>
           <a:p>
             <a:pPr lvl="3"/>
             <a:r>
-              <a:rPr lang="en-US" smtClean="0"/>
+              <a:rPr lang="en-US"/>
               <a:t>Fourth level</a:t>
             </a:r>
           </a:p>
           <a:p>
             <a:pPr lvl="4"/>
             <a:r>
-              <a:rPr lang="en-US" smtClean="0"/>
+              <a:rPr lang="en-US"/>
               <a:t>Fifth level</a:t>
             </a:r>
-            <a:endParaRPr lang="en-US"/>
           </a:p>
         </p:txBody>
       </p:sp>
@@ -5339,7 +5849,7 @@
             <a:fld id="{6F089BC6-3752-4B1E-B005-F28F3B772456}" type="datetime1">
               <a:rPr lang="en-US"/>
               <a:pPr/>
-              <a:t>2/7/2017</a:t>
+              <a:t>22-Feb-20</a:t>
             </a:fld>
             <a:endParaRPr lang="en-US"/>
           </a:p>
@@ -5449,10 +5959,9 @@
           </a:lstStyle>
           <a:p>
             <a:r>
-              <a:rPr lang="en-US" smtClean="0"/>
+              <a:rPr lang="en-US"/>
               <a:t>Click to edit Master title style</a:t>
             </a:r>
-            <a:endParaRPr lang="en-US"/>
           </a:p>
         </p:txBody>
       </p:sp>
@@ -5515,7 +6024,7 @@
           <a:p>
             <a:pPr lvl="0"/>
             <a:r>
-              <a:rPr lang="en-US" smtClean="0"/>
+              <a:rPr lang="en-US"/>
               <a:t>Click to edit Master text styles</a:t>
             </a:r>
           </a:p>
@@ -5571,38 +6080,37 @@
           <a:p>
             <a:pPr lvl="0"/>
             <a:r>
-              <a:rPr lang="en-US" smtClean="0"/>
+              <a:rPr lang="en-US"/>
               <a:t>Click to edit Master text styles</a:t>
             </a:r>
           </a:p>
           <a:p>
             <a:pPr lvl="1"/>
             <a:r>
-              <a:rPr lang="en-US" smtClean="0"/>
+              <a:rPr lang="en-US"/>
               <a:t>Second level</a:t>
             </a:r>
           </a:p>
           <a:p>
             <a:pPr lvl="2"/>
             <a:r>
-              <a:rPr lang="en-US" smtClean="0"/>
+              <a:rPr lang="en-US"/>
               <a:t>Third level</a:t>
             </a:r>
           </a:p>
           <a:p>
             <a:pPr lvl="3"/>
             <a:r>
-              <a:rPr lang="en-US" smtClean="0"/>
+              <a:rPr lang="en-US"/>
               <a:t>Fourth level</a:t>
             </a:r>
           </a:p>
           <a:p>
             <a:pPr lvl="4"/>
             <a:r>
-              <a:rPr lang="en-US" smtClean="0"/>
+              <a:rPr lang="en-US"/>
               <a:t>Fifth level</a:t>
             </a:r>
-            <a:endParaRPr lang="en-US"/>
           </a:p>
         </p:txBody>
       </p:sp>
@@ -5665,7 +6173,7 @@
           <a:p>
             <a:pPr lvl="0"/>
             <a:r>
-              <a:rPr lang="en-US" smtClean="0"/>
+              <a:rPr lang="en-US"/>
               <a:t>Click to edit Master text styles</a:t>
             </a:r>
           </a:p>
@@ -5721,38 +6229,37 @@
           <a:p>
             <a:pPr lvl="0"/>
             <a:r>
-              <a:rPr lang="en-US" smtClean="0"/>
+              <a:rPr lang="en-US"/>
               <a:t>Click to edit Master text styles</a:t>
             </a:r>
           </a:p>
           <a:p>
             <a:pPr lvl="1"/>
             <a:r>
-              <a:rPr lang="en-US" smtClean="0"/>
+              <a:rPr lang="en-US"/>
               <a:t>Second level</a:t>
             </a:r>
           </a:p>
           <a:p>
             <a:pPr lvl="2"/>
             <a:r>
-              <a:rPr lang="en-US" smtClean="0"/>
+              <a:rPr lang="en-US"/>
               <a:t>Third level</a:t>
             </a:r>
           </a:p>
           <a:p>
             <a:pPr lvl="3"/>
             <a:r>
-              <a:rPr lang="en-US" smtClean="0"/>
+              <a:rPr lang="en-US"/>
               <a:t>Fourth level</a:t>
             </a:r>
           </a:p>
           <a:p>
             <a:pPr lvl="4"/>
             <a:r>
-              <a:rPr lang="en-US" smtClean="0"/>
+              <a:rPr lang="en-US"/>
               <a:t>Fifth level</a:t>
             </a:r>
-            <a:endParaRPr lang="en-US"/>
           </a:p>
         </p:txBody>
       </p:sp>
@@ -5778,7 +6285,7 @@
             <a:fld id="{6CF5DEBF-2D67-4B9F-81B0-3DF1BF82C531}" type="datetime1">
               <a:rPr lang="en-US"/>
               <a:pPr/>
-              <a:t>2/7/2017</a:t>
+              <a:t>22-Feb-20</a:t>
             </a:fld>
             <a:endParaRPr lang="en-US"/>
           </a:p>
@@ -5884,10 +6391,9 @@
           <a:lstStyle/>
           <a:p>
             <a:r>
-              <a:rPr lang="en-US" smtClean="0"/>
+              <a:rPr lang="en-US"/>
               <a:t>Click to edit Master title style</a:t>
             </a:r>
-            <a:endParaRPr lang="en-US"/>
           </a:p>
         </p:txBody>
       </p:sp>
@@ -5913,7 +6419,7 @@
             <a:fld id="{C7CEB55C-F20F-4C8C-A6B6-CDB320010F74}" type="datetime1">
               <a:rPr lang="en-US"/>
               <a:pPr/>
-              <a:t>2/7/2017</a:t>
+              <a:t>22-Feb-20</a:t>
             </a:fld>
             <a:endParaRPr lang="en-US"/>
           </a:p>
@@ -6025,7 +6531,7 @@
             <a:fld id="{DBE92854-6AFF-43AF-8DBF-9A359CB20F00}" type="datetime1">
               <a:rPr lang="en-US"/>
               <a:pPr/>
-              <a:t>2/7/2017</a:t>
+              <a:t>22-Feb-20</a:t>
             </a:fld>
             <a:endParaRPr lang="en-US"/>
           </a:p>
@@ -6140,10 +6646,9 @@
           </a:lstStyle>
           <a:p>
             <a:r>
-              <a:rPr lang="en-US" smtClean="0"/>
+              <a:rPr lang="en-US"/>
               <a:t>Click to edit Master title style</a:t>
             </a:r>
-            <a:endParaRPr lang="en-US"/>
           </a:p>
         </p:txBody>
       </p:sp>
@@ -6260,7 +6765,7 @@
           <a:p>
             <a:pPr lvl="0"/>
             <a:r>
-              <a:rPr lang="en-US" smtClean="0"/>
+              <a:rPr lang="en-US"/>
               <a:t>Click to edit Master text styles</a:t>
             </a:r>
           </a:p>
@@ -6288,7 +6793,7 @@
             <a:fld id="{3E50EEE2-FAEB-43FE-B191-EE139E16C950}" type="datetime1">
               <a:rPr lang="en-US"/>
               <a:pPr/>
-              <a:t>2/7/2017</a:t>
+              <a:t>22-Feb-20</a:t>
             </a:fld>
             <a:endParaRPr lang="en-US"/>
           </a:p>
@@ -6358,13 +6863,6 @@
   <p:clrMapOvr>
     <a:masterClrMapping/>
   </p:clrMapOvr>
-  <p:timing>
-    <p:tnLst>
-      <p:par>
-        <p:cTn id="1" dur="indefinite" restart="never" nodeType="tmRoot"/>
-      </p:par>
-    </p:tnLst>
-  </p:timing>
 </p:sldLayout>
 </file>
 
@@ -6410,10 +6908,9 @@
           </a:lstStyle>
           <a:p>
             <a:r>
-              <a:rPr lang="en-US" smtClean="0"/>
+              <a:rPr lang="en-US"/>
               <a:t>Click to edit Master title style</a:t>
             </a:r>
-            <a:endParaRPr lang="en-US"/>
           </a:p>
         </p:txBody>
       </p:sp>
@@ -6467,38 +6964,37 @@
           <a:p>
             <a:pPr lvl="0"/>
             <a:r>
-              <a:rPr lang="en-US" smtClean="0"/>
+              <a:rPr lang="en-US"/>
               <a:t>Click to edit Master text styles</a:t>
             </a:r>
           </a:p>
           <a:p>
             <a:pPr lvl="1"/>
             <a:r>
-              <a:rPr lang="en-US" smtClean="0"/>
+              <a:rPr lang="en-US"/>
               <a:t>Second level</a:t>
             </a:r>
           </a:p>
           <a:p>
             <a:pPr lvl="2"/>
             <a:r>
-              <a:rPr lang="en-US" smtClean="0"/>
+              <a:rPr lang="en-US"/>
               <a:t>Third level</a:t>
             </a:r>
           </a:p>
           <a:p>
             <a:pPr lvl="3"/>
             <a:r>
-              <a:rPr lang="en-US" smtClean="0"/>
+              <a:rPr lang="en-US"/>
               <a:t>Fourth level</a:t>
             </a:r>
           </a:p>
           <a:p>
             <a:pPr lvl="4"/>
             <a:r>
-              <a:rPr lang="en-US" smtClean="0"/>
+              <a:rPr lang="en-US"/>
               <a:t>Fifth level</a:t>
             </a:r>
-            <a:endParaRPr lang="en-US"/>
           </a:p>
         </p:txBody>
       </p:sp>
@@ -6561,7 +7057,7 @@
           <a:p>
             <a:pPr lvl="0"/>
             <a:r>
-              <a:rPr lang="en-US" smtClean="0"/>
+              <a:rPr lang="en-US"/>
               <a:t>Click to edit Master text styles</a:t>
             </a:r>
           </a:p>
@@ -6589,7 +7085,7 @@
             <a:fld id="{30D40FEC-708F-4388-B2BC-C858CD6AAFCA}" type="datetime1">
               <a:rPr lang="en-US"/>
               <a:pPr/>
-              <a:t>2/7/2017</a:t>
+              <a:t>22-Feb-20</a:t>
             </a:fld>
             <a:endParaRPr lang="en-US"/>
           </a:p>
@@ -6704,10 +7200,9 @@
           </a:lstStyle>
           <a:p>
             <a:r>
-              <a:rPr lang="en-US" smtClean="0"/>
+              <a:rPr lang="en-US"/>
               <a:t>Click to edit Master title style</a:t>
             </a:r>
-            <a:endParaRPr lang="en-US"/>
           </a:p>
         </p:txBody>
       </p:sp>
@@ -6834,7 +7329,7 @@
           <a:p>
             <a:pPr lvl="0"/>
             <a:r>
-              <a:rPr lang="en-US" smtClean="0"/>
+              <a:rPr lang="en-US"/>
               <a:t>Click to edit Master text styles</a:t>
             </a:r>
           </a:p>
@@ -6862,7 +7357,7 @@
             <a:fld id="{E3E4D09D-C634-4E45-9013-22341D2AED32}" type="datetime1">
               <a:rPr lang="en-US"/>
               <a:pPr/>
-              <a:t>2/7/2017</a:t>
+              <a:t>22-Feb-20</a:t>
             </a:fld>
             <a:endParaRPr lang="en-US"/>
           </a:p>
@@ -6968,10 +7463,9 @@
           <a:lstStyle/>
           <a:p>
             <a:r>
-              <a:rPr lang="en-US" smtClean="0"/>
+              <a:rPr lang="en-US"/>
               <a:t>Click to edit Master title style</a:t>
             </a:r>
-            <a:endParaRPr lang="en-US"/>
           </a:p>
         </p:txBody>
       </p:sp>
@@ -6992,38 +7486,37 @@
           <a:p>
             <a:pPr lvl="0"/>
             <a:r>
-              <a:rPr lang="en-US" smtClean="0"/>
+              <a:rPr lang="en-US"/>
               <a:t>Click to edit Master text styles</a:t>
             </a:r>
           </a:p>
           <a:p>
             <a:pPr lvl="1"/>
             <a:r>
-              <a:rPr lang="en-US" smtClean="0"/>
+              <a:rPr lang="en-US"/>
               <a:t>Second level</a:t>
             </a:r>
           </a:p>
           <a:p>
             <a:pPr lvl="2"/>
             <a:r>
-              <a:rPr lang="en-US" smtClean="0"/>
+              <a:rPr lang="en-US"/>
               <a:t>Third level</a:t>
             </a:r>
           </a:p>
           <a:p>
             <a:pPr lvl="3"/>
             <a:r>
-              <a:rPr lang="en-US" smtClean="0"/>
+              <a:rPr lang="en-US"/>
               <a:t>Fourth level</a:t>
             </a:r>
           </a:p>
           <a:p>
             <a:pPr lvl="4"/>
             <a:r>
-              <a:rPr lang="en-US" smtClean="0"/>
+              <a:rPr lang="en-US"/>
               <a:t>Fifth level</a:t>
             </a:r>
-            <a:endParaRPr lang="en-US"/>
           </a:p>
         </p:txBody>
       </p:sp>
@@ -7049,7 +7542,7 @@
             <a:fld id="{7DA4BBF3-DE82-43AC-9B66-CACD15FA6D30}" type="datetime1">
               <a:rPr lang="en-US"/>
               <a:pPr/>
-              <a:t>2/7/2017</a:t>
+              <a:t>22-Feb-20</a:t>
             </a:fld>
             <a:endParaRPr lang="en-US"/>
           </a:p>
@@ -7160,10 +7653,9 @@
           <a:lstStyle/>
           <a:p>
             <a:r>
-              <a:rPr lang="en-US" smtClean="0"/>
+              <a:rPr lang="en-US"/>
               <a:t>Click to edit Master title style</a:t>
             </a:r>
-            <a:endParaRPr lang="en-US"/>
           </a:p>
         </p:txBody>
       </p:sp>
@@ -7189,38 +7681,37 @@
           <a:p>
             <a:pPr lvl="0"/>
             <a:r>
-              <a:rPr lang="en-US" smtClean="0"/>
+              <a:rPr lang="en-US"/>
               <a:t>Click to edit Master text styles</a:t>
             </a:r>
           </a:p>
           <a:p>
             <a:pPr lvl="1"/>
             <a:r>
-              <a:rPr lang="en-US" smtClean="0"/>
+              <a:rPr lang="en-US"/>
               <a:t>Second level</a:t>
             </a:r>
           </a:p>
           <a:p>
             <a:pPr lvl="2"/>
             <a:r>
-              <a:rPr lang="en-US" smtClean="0"/>
+              <a:rPr lang="en-US"/>
               <a:t>Third level</a:t>
             </a:r>
           </a:p>
           <a:p>
             <a:pPr lvl="3"/>
             <a:r>
-              <a:rPr lang="en-US" smtClean="0"/>
+              <a:rPr lang="en-US"/>
               <a:t>Fourth level</a:t>
             </a:r>
           </a:p>
           <a:p>
             <a:pPr lvl="4"/>
             <a:r>
-              <a:rPr lang="en-US" smtClean="0"/>
+              <a:rPr lang="en-US"/>
               <a:t>Fifth level</a:t>
             </a:r>
-            <a:endParaRPr lang="en-US"/>
           </a:p>
         </p:txBody>
       </p:sp>
@@ -7246,7 +7737,7 @@
             <a:fld id="{CED5D9F3-815C-4FD0-9656-3BEF0BE5770A}" type="datetime1">
               <a:rPr lang="en-US"/>
               <a:pPr/>
-              <a:t>2/7/2017</a:t>
+              <a:t>22-Feb-20</a:t>
             </a:fld>
             <a:endParaRPr lang="en-US"/>
           </a:p>
@@ -7357,10 +7848,9 @@
           <a:lstStyle/>
           <a:p>
             <a:r>
-              <a:rPr lang="en-US" smtClean="0"/>
+              <a:rPr lang="en-US"/>
               <a:t>Click to edit Master title style</a:t>
             </a:r>
-            <a:endParaRPr lang="en-US"/>
           </a:p>
         </p:txBody>
       </p:sp>
@@ -7476,10 +7966,9 @@
           </a:lstStyle>
           <a:p>
             <a:r>
-              <a:rPr lang="en-US" smtClean="0"/>
+              <a:rPr lang="en-US"/>
               <a:t>Click to edit Master subtitle style</a:t>
             </a:r>
-            <a:endParaRPr lang="en-US"/>
           </a:p>
         </p:txBody>
       </p:sp>
@@ -7505,7 +7994,7 @@
             <a:fld id="{1A4C8FD6-4541-4EB1-932A-57B1722377FF}" type="datetime1">
               <a:rPr lang="en-US"/>
               <a:pPr/>
-              <a:t>2/7/2017</a:t>
+              <a:t>22-Feb-20</a:t>
             </a:fld>
             <a:endParaRPr lang="en-US"/>
           </a:p>
@@ -7611,10 +8100,9 @@
           <a:lstStyle/>
           <a:p>
             <a:r>
-              <a:rPr lang="en-US" smtClean="0"/>
+              <a:rPr lang="en-US"/>
               <a:t>Click to edit Master title style</a:t>
             </a:r>
-            <a:endParaRPr lang="en-US"/>
           </a:p>
         </p:txBody>
       </p:sp>
@@ -7635,38 +8123,37 @@
           <a:p>
             <a:pPr lvl="0"/>
             <a:r>
-              <a:rPr lang="en-US" smtClean="0"/>
+              <a:rPr lang="en-US"/>
               <a:t>Click to edit Master text styles</a:t>
             </a:r>
           </a:p>
           <a:p>
             <a:pPr lvl="1"/>
             <a:r>
-              <a:rPr lang="en-US" smtClean="0"/>
+              <a:rPr lang="en-US"/>
               <a:t>Second level</a:t>
             </a:r>
           </a:p>
           <a:p>
             <a:pPr lvl="2"/>
             <a:r>
-              <a:rPr lang="en-US" smtClean="0"/>
+              <a:rPr lang="en-US"/>
               <a:t>Third level</a:t>
             </a:r>
           </a:p>
           <a:p>
             <a:pPr lvl="3"/>
             <a:r>
-              <a:rPr lang="en-US" smtClean="0"/>
+              <a:rPr lang="en-US"/>
               <a:t>Fourth level</a:t>
             </a:r>
           </a:p>
           <a:p>
             <a:pPr lvl="4"/>
             <a:r>
-              <a:rPr lang="en-US" smtClean="0"/>
+              <a:rPr lang="en-US"/>
               <a:t>Fifth level</a:t>
             </a:r>
-            <a:endParaRPr lang="en-US"/>
           </a:p>
         </p:txBody>
       </p:sp>
@@ -7692,7 +8179,7 @@
             <a:fld id="{454CA28E-60BE-4DAF-B217-294995B48B87}" type="datetime1">
               <a:rPr lang="en-US"/>
               <a:pPr/>
-              <a:t>2/7/2017</a:t>
+              <a:t>22-Feb-20</a:t>
             </a:fld>
             <a:endParaRPr lang="en-US"/>
           </a:p>
@@ -7807,10 +8294,9 @@
           </a:lstStyle>
           <a:p>
             <a:r>
-              <a:rPr lang="en-US" smtClean="0"/>
+              <a:rPr lang="en-US"/>
               <a:t>Click to edit Master title style</a:t>
             </a:r>
-            <a:endParaRPr lang="en-US"/>
           </a:p>
         </p:txBody>
       </p:sp>
@@ -7927,7 +8413,7 @@
           <a:p>
             <a:pPr lvl="0"/>
             <a:r>
-              <a:rPr lang="en-US" smtClean="0"/>
+              <a:rPr lang="en-US"/>
               <a:t>Click to edit Master text styles</a:t>
             </a:r>
           </a:p>
@@ -7955,7 +8441,7 @@
             <a:fld id="{C9EF3D80-725B-461F-8D2B-A4347ADEDC03}" type="datetime1">
               <a:rPr lang="en-US"/>
               <a:pPr/>
-              <a:t>2/7/2017</a:t>
+              <a:t>22-Feb-20</a:t>
             </a:fld>
             <a:endParaRPr lang="en-US"/>
           </a:p>
@@ -8061,10 +8547,9 @@
           <a:lstStyle/>
           <a:p>
             <a:r>
-              <a:rPr lang="en-US" smtClean="0"/>
+              <a:rPr lang="en-US"/>
               <a:t>Click to edit Master title style</a:t>
             </a:r>
-            <a:endParaRPr lang="en-US"/>
           </a:p>
         </p:txBody>
       </p:sp>
@@ -8118,38 +8603,37 @@
           <a:p>
             <a:pPr lvl="0"/>
             <a:r>
-              <a:rPr lang="en-US" smtClean="0"/>
+              <a:rPr lang="en-US"/>
               <a:t>Click to edit Master text styles</a:t>
             </a:r>
           </a:p>
           <a:p>
             <a:pPr lvl="1"/>
             <a:r>
-              <a:rPr lang="en-US" smtClean="0"/>
+              <a:rPr lang="en-US"/>
               <a:t>Second level</a:t>
             </a:r>
           </a:p>
           <a:p>
             <a:pPr lvl="2"/>
             <a:r>
-              <a:rPr lang="en-US" smtClean="0"/>
+              <a:rPr lang="en-US"/>
               <a:t>Third level</a:t>
             </a:r>
           </a:p>
           <a:p>
             <a:pPr lvl="3"/>
             <a:r>
-              <a:rPr lang="en-US" smtClean="0"/>
+              <a:rPr lang="en-US"/>
               <a:t>Fourth level</a:t>
             </a:r>
           </a:p>
           <a:p>
             <a:pPr lvl="4"/>
             <a:r>
-              <a:rPr lang="en-US" smtClean="0"/>
+              <a:rPr lang="en-US"/>
               <a:t>Fifth level</a:t>
             </a:r>
-            <a:endParaRPr lang="en-US"/>
           </a:p>
         </p:txBody>
       </p:sp>
@@ -8203,38 +8687,37 @@
           <a:p>
             <a:pPr lvl="0"/>
             <a:r>
-              <a:rPr lang="en-US" smtClean="0"/>
+              <a:rPr lang="en-US"/>
               <a:t>Click to edit Master text styles</a:t>
             </a:r>
           </a:p>
           <a:p>
             <a:pPr lvl="1"/>
             <a:r>
-              <a:rPr lang="en-US" smtClean="0"/>
+              <a:rPr lang="en-US"/>
               <a:t>Second level</a:t>
             </a:r>
           </a:p>
           <a:p>
             <a:pPr lvl="2"/>
             <a:r>
-              <a:rPr lang="en-US" smtClean="0"/>
+              <a:rPr lang="en-US"/>
               <a:t>Third level</a:t>
             </a:r>
           </a:p>
           <a:p>
             <a:pPr lvl="3"/>
             <a:r>
-              <a:rPr lang="en-US" smtClean="0"/>
+              <a:rPr lang="en-US"/>
               <a:t>Fourth level</a:t>
             </a:r>
           </a:p>
           <a:p>
             <a:pPr lvl="4"/>
             <a:r>
-              <a:rPr lang="en-US" smtClean="0"/>
+              <a:rPr lang="en-US"/>
               <a:t>Fifth level</a:t>
             </a:r>
-            <a:endParaRPr lang="en-US"/>
           </a:p>
         </p:txBody>
       </p:sp>
@@ -8260,7 +8743,7 @@
             <a:fld id="{727F5EAE-B0F7-4FDC-8C45-4E1AD18B7C25}" type="datetime1">
               <a:rPr lang="en-US"/>
               <a:pPr/>
-              <a:t>2/7/2017</a:t>
+              <a:t>22-Feb-20</a:t>
             </a:fld>
             <a:endParaRPr lang="en-US"/>
           </a:p>
@@ -8370,10 +8853,9 @@
           </a:lstStyle>
           <a:p>
             <a:r>
-              <a:rPr lang="en-US" smtClean="0"/>
+              <a:rPr lang="en-US"/>
               <a:t>Click to edit Master title style</a:t>
             </a:r>
-            <a:endParaRPr lang="en-US"/>
           </a:p>
         </p:txBody>
       </p:sp>
@@ -8436,7 +8918,7 @@
           <a:p>
             <a:pPr lvl="0"/>
             <a:r>
-              <a:rPr lang="en-US" smtClean="0"/>
+              <a:rPr lang="en-US"/>
               <a:t>Click to edit Master text styles</a:t>
             </a:r>
           </a:p>
@@ -8492,38 +8974,37 @@
           <a:p>
             <a:pPr lvl="0"/>
             <a:r>
-              <a:rPr lang="en-US" smtClean="0"/>
+              <a:rPr lang="en-US"/>
               <a:t>Click to edit Master text styles</a:t>
             </a:r>
           </a:p>
           <a:p>
             <a:pPr lvl="1"/>
             <a:r>
-              <a:rPr lang="en-US" smtClean="0"/>
+              <a:rPr lang="en-US"/>
               <a:t>Second level</a:t>
             </a:r>
           </a:p>
           <a:p>
             <a:pPr lvl="2"/>
             <a:r>
-              <a:rPr lang="en-US" smtClean="0"/>
+              <a:rPr lang="en-US"/>
               <a:t>Third level</a:t>
             </a:r>
           </a:p>
           <a:p>
             <a:pPr lvl="3"/>
             <a:r>
-              <a:rPr lang="en-US" smtClean="0"/>
+              <a:rPr lang="en-US"/>
               <a:t>Fourth level</a:t>
             </a:r>
           </a:p>
           <a:p>
             <a:pPr lvl="4"/>
             <a:r>
-              <a:rPr lang="en-US" smtClean="0"/>
+              <a:rPr lang="en-US"/>
               <a:t>Fifth level</a:t>
             </a:r>
-            <a:endParaRPr lang="en-US"/>
           </a:p>
         </p:txBody>
       </p:sp>
@@ -8586,7 +9067,7 @@
           <a:p>
             <a:pPr lvl="0"/>
             <a:r>
-              <a:rPr lang="en-US" smtClean="0"/>
+              <a:rPr lang="en-US"/>
               <a:t>Click to edit Master text styles</a:t>
             </a:r>
           </a:p>
@@ -8642,38 +9123,37 @@
           <a:p>
             <a:pPr lvl="0"/>
             <a:r>
-              <a:rPr lang="en-US" smtClean="0"/>
+              <a:rPr lang="en-US"/>
               <a:t>Click to edit Master text styles</a:t>
             </a:r>
           </a:p>
           <a:p>
             <a:pPr lvl="1"/>
             <a:r>
-              <a:rPr lang="en-US" smtClean="0"/>
+              <a:rPr lang="en-US"/>
               <a:t>Second level</a:t>
             </a:r>
           </a:p>
           <a:p>
             <a:pPr lvl="2"/>
             <a:r>
-              <a:rPr lang="en-US" smtClean="0"/>
+              <a:rPr lang="en-US"/>
               <a:t>Third level</a:t>
             </a:r>
           </a:p>
           <a:p>
             <a:pPr lvl="3"/>
             <a:r>
-              <a:rPr lang="en-US" smtClean="0"/>
+              <a:rPr lang="en-US"/>
               <a:t>Fourth level</a:t>
             </a:r>
           </a:p>
           <a:p>
             <a:pPr lvl="4"/>
             <a:r>
-              <a:rPr lang="en-US" smtClean="0"/>
+              <a:rPr lang="en-US"/>
               <a:t>Fifth level</a:t>
             </a:r>
-            <a:endParaRPr lang="en-US"/>
           </a:p>
         </p:txBody>
       </p:sp>
@@ -8699,7 +9179,7 @@
             <a:fld id="{EBBC220E-A5E8-4D06-9F1A-209F2F91C468}" type="datetime1">
               <a:rPr lang="en-US"/>
               <a:pPr/>
-              <a:t>2/7/2017</a:t>
+              <a:t>22-Feb-20</a:t>
             </a:fld>
             <a:endParaRPr lang="en-US"/>
           </a:p>
@@ -8805,10 +9285,9 @@
           <a:lstStyle/>
           <a:p>
             <a:r>
-              <a:rPr lang="en-US" smtClean="0"/>
+              <a:rPr lang="en-US"/>
               <a:t>Click to edit Master title style</a:t>
             </a:r>
-            <a:endParaRPr lang="en-US"/>
           </a:p>
         </p:txBody>
       </p:sp>
@@ -8834,7 +9313,7 @@
             <a:fld id="{3DE36864-0843-4E4A-B9CC-D2BD1B264CF1}" type="datetime1">
               <a:rPr lang="en-US"/>
               <a:pPr/>
-              <a:t>2/7/2017</a:t>
+              <a:t>22-Feb-20</a:t>
             </a:fld>
             <a:endParaRPr lang="en-US"/>
           </a:p>
@@ -8940,10 +9419,9 @@
           <a:lstStyle/>
           <a:p>
             <a:r>
-              <a:rPr lang="en-US" smtClean="0"/>
+              <a:rPr lang="en-US"/>
               <a:t>Click to edit Master title style</a:t>
             </a:r>
-            <a:endParaRPr lang="en-US"/>
           </a:p>
         </p:txBody>
       </p:sp>
@@ -8997,38 +9475,37 @@
           <a:p>
             <a:pPr lvl="0"/>
             <a:r>
-              <a:rPr lang="en-US" smtClean="0"/>
+              <a:rPr lang="en-US"/>
               <a:t>Click to edit Master text styles</a:t>
             </a:r>
           </a:p>
           <a:p>
             <a:pPr lvl="1"/>
             <a:r>
-              <a:rPr lang="en-US" smtClean="0"/>
+              <a:rPr lang="en-US"/>
               <a:t>Second level</a:t>
             </a:r>
           </a:p>
           <a:p>
             <a:pPr lvl="2"/>
             <a:r>
-              <a:rPr lang="en-US" smtClean="0"/>
+              <a:rPr lang="en-US"/>
               <a:t>Third level</a:t>
             </a:r>
           </a:p>
           <a:p>
             <a:pPr lvl="3"/>
             <a:r>
-              <a:rPr lang="en-US" smtClean="0"/>
+              <a:rPr lang="en-US"/>
               <a:t>Fourth level</a:t>
             </a:r>
           </a:p>
           <a:p>
             <a:pPr lvl="4"/>
             <a:r>
-              <a:rPr lang="en-US" smtClean="0"/>
+              <a:rPr lang="en-US"/>
               <a:t>Fifth level</a:t>
             </a:r>
-            <a:endParaRPr lang="en-US"/>
           </a:p>
         </p:txBody>
       </p:sp>
@@ -9082,38 +9559,37 @@
           <a:p>
             <a:pPr lvl="0"/>
             <a:r>
-              <a:rPr lang="en-US" smtClean="0"/>
+              <a:rPr lang="en-US"/>
               <a:t>Click to edit Master text styles</a:t>
             </a:r>
           </a:p>
           <a:p>
             <a:pPr lvl="1"/>
             <a:r>
-              <a:rPr lang="en-US" smtClean="0"/>
+              <a:rPr lang="en-US"/>
               <a:t>Second level</a:t>
             </a:r>
           </a:p>
           <a:p>
             <a:pPr lvl="2"/>
             <a:r>
-              <a:rPr lang="en-US" smtClean="0"/>
+              <a:rPr lang="en-US"/>
               <a:t>Third level</a:t>
             </a:r>
           </a:p>
           <a:p>
             <a:pPr lvl="3"/>
             <a:r>
-              <a:rPr lang="en-US" smtClean="0"/>
+              <a:rPr lang="en-US"/>
               <a:t>Fourth level</a:t>
             </a:r>
           </a:p>
           <a:p>
             <a:pPr lvl="4"/>
             <a:r>
-              <a:rPr lang="en-US" smtClean="0"/>
+              <a:rPr lang="en-US"/>
               <a:t>Fifth level</a:t>
             </a:r>
-            <a:endParaRPr lang="en-US"/>
           </a:p>
         </p:txBody>
       </p:sp>
@@ -9139,7 +9615,7 @@
             <a:fld id="{CB42E6EB-A326-4256-A9F7-2E5058A51D91}" type="datetime1">
               <a:rPr lang="en-US"/>
               <a:pPr/>
-              <a:t>2/7/2017</a:t>
+              <a:t>22-Feb-20</a:t>
             </a:fld>
             <a:endParaRPr lang="en-US"/>
           </a:p>
@@ -9209,13 +9685,6 @@
   <p:clrMapOvr>
     <a:masterClrMapping/>
   </p:clrMapOvr>
-  <p:timing>
-    <p:tnLst>
-      <p:par>
-        <p:cTn id="1" dur="indefinite" restart="never" nodeType="tmRoot"/>
-      </p:par>
-    </p:tnLst>
-  </p:timing>
 </p:sldLayout>
 </file>
 
@@ -9258,7 +9727,7 @@
             <a:fld id="{21792663-C6AA-4B9F-9A7E-B9DFDF6236BD}" type="datetime1">
               <a:rPr lang="en-US"/>
               <a:pPr/>
-              <a:t>2/7/2017</a:t>
+              <a:t>22-Feb-20</a:t>
             </a:fld>
             <a:endParaRPr lang="en-US"/>
           </a:p>
@@ -9373,10 +9842,9 @@
           </a:lstStyle>
           <a:p>
             <a:r>
-              <a:rPr lang="en-US" smtClean="0"/>
+              <a:rPr lang="en-US"/>
               <a:t>Click to edit Master title style</a:t>
             </a:r>
-            <a:endParaRPr lang="en-US"/>
           </a:p>
         </p:txBody>
       </p:sp>
@@ -9430,38 +9898,37 @@
           <a:p>
             <a:pPr lvl="0"/>
             <a:r>
-              <a:rPr lang="en-US" smtClean="0"/>
+              <a:rPr lang="en-US"/>
               <a:t>Click to edit Master text styles</a:t>
             </a:r>
           </a:p>
           <a:p>
             <a:pPr lvl="1"/>
             <a:r>
-              <a:rPr lang="en-US" smtClean="0"/>
+              <a:rPr lang="en-US"/>
               <a:t>Second level</a:t>
             </a:r>
           </a:p>
           <a:p>
             <a:pPr lvl="2"/>
             <a:r>
-              <a:rPr lang="en-US" smtClean="0"/>
+              <a:rPr lang="en-US"/>
               <a:t>Third level</a:t>
             </a:r>
           </a:p>
           <a:p>
             <a:pPr lvl="3"/>
             <a:r>
-              <a:rPr lang="en-US" smtClean="0"/>
+              <a:rPr lang="en-US"/>
               <a:t>Fourth level</a:t>
             </a:r>
           </a:p>
           <a:p>
             <a:pPr lvl="4"/>
             <a:r>
-              <a:rPr lang="en-US" smtClean="0"/>
+              <a:rPr lang="en-US"/>
               <a:t>Fifth level</a:t>
             </a:r>
-            <a:endParaRPr lang="en-US"/>
           </a:p>
         </p:txBody>
       </p:sp>
@@ -9524,7 +9991,7 @@
           <a:p>
             <a:pPr lvl="0"/>
             <a:r>
-              <a:rPr lang="en-US" smtClean="0"/>
+              <a:rPr lang="en-US"/>
               <a:t>Click to edit Master text styles</a:t>
             </a:r>
           </a:p>
@@ -9552,7 +10019,7 @@
             <a:fld id="{364796DA-BCC1-4586-BE6B-9C9908D32046}" type="datetime1">
               <a:rPr lang="en-US"/>
               <a:pPr/>
-              <a:t>2/7/2017</a:t>
+              <a:t>22-Feb-20</a:t>
             </a:fld>
             <a:endParaRPr lang="en-US"/>
           </a:p>
@@ -9667,10 +10134,9 @@
           </a:lstStyle>
           <a:p>
             <a:r>
-              <a:rPr lang="en-US" smtClean="0"/>
+              <a:rPr lang="en-US"/>
               <a:t>Click to edit Master title style</a:t>
             </a:r>
-            <a:endParaRPr lang="en-US"/>
           </a:p>
         </p:txBody>
       </p:sp>
@@ -9797,7 +10263,7 @@
           <a:p>
             <a:pPr lvl="0"/>
             <a:r>
-              <a:rPr lang="en-US" smtClean="0"/>
+              <a:rPr lang="en-US"/>
               <a:t>Click to edit Master text styles</a:t>
             </a:r>
           </a:p>
@@ -9825,7 +10291,7 @@
             <a:fld id="{B1C37922-584C-4AA3-B788-129C09725B6A}" type="datetime1">
               <a:rPr lang="en-US"/>
               <a:pPr/>
-              <a:t>2/7/2017</a:t>
+              <a:t>22-Feb-20</a:t>
             </a:fld>
             <a:endParaRPr lang="en-US"/>
           </a:p>
@@ -9931,10 +10397,9 @@
           <a:lstStyle/>
           <a:p>
             <a:r>
-              <a:rPr lang="en-US" smtClean="0"/>
+              <a:rPr lang="en-US"/>
               <a:t>Click to edit Master title style</a:t>
             </a:r>
-            <a:endParaRPr lang="en-US"/>
           </a:p>
         </p:txBody>
       </p:sp>
@@ -9955,38 +10420,37 @@
           <a:p>
             <a:pPr lvl="0"/>
             <a:r>
-              <a:rPr lang="en-US" smtClean="0"/>
+              <a:rPr lang="en-US"/>
               <a:t>Click to edit Master text styles</a:t>
             </a:r>
           </a:p>
           <a:p>
             <a:pPr lvl="1"/>
             <a:r>
-              <a:rPr lang="en-US" smtClean="0"/>
+              <a:rPr lang="en-US"/>
               <a:t>Second level</a:t>
             </a:r>
           </a:p>
           <a:p>
             <a:pPr lvl="2"/>
             <a:r>
-              <a:rPr lang="en-US" smtClean="0"/>
+              <a:rPr lang="en-US"/>
               <a:t>Third level</a:t>
             </a:r>
           </a:p>
           <a:p>
             <a:pPr lvl="3"/>
             <a:r>
-              <a:rPr lang="en-US" smtClean="0"/>
+              <a:rPr lang="en-US"/>
               <a:t>Fourth level</a:t>
             </a:r>
           </a:p>
           <a:p>
             <a:pPr lvl="4"/>
             <a:r>
-              <a:rPr lang="en-US" smtClean="0"/>
+              <a:rPr lang="en-US"/>
               <a:t>Fifth level</a:t>
             </a:r>
-            <a:endParaRPr lang="en-US"/>
           </a:p>
         </p:txBody>
       </p:sp>
@@ -10012,7 +10476,7 @@
             <a:fld id="{95A475C9-5983-41DA-BD86-C6447DB6C1FA}" type="datetime1">
               <a:rPr lang="en-US"/>
               <a:pPr/>
-              <a:t>2/7/2017</a:t>
+              <a:t>22-Feb-20</a:t>
             </a:fld>
             <a:endParaRPr lang="en-US"/>
           </a:p>
@@ -10123,10 +10587,9 @@
           <a:lstStyle/>
           <a:p>
             <a:r>
-              <a:rPr lang="en-US" smtClean="0"/>
+              <a:rPr lang="en-US"/>
               <a:t>Click to edit Master title style</a:t>
             </a:r>
-            <a:endParaRPr lang="en-US"/>
           </a:p>
         </p:txBody>
       </p:sp>
@@ -10152,38 +10615,37 @@
           <a:p>
             <a:pPr lvl="0"/>
             <a:r>
-              <a:rPr lang="en-US" smtClean="0"/>
+              <a:rPr lang="en-US"/>
               <a:t>Click to edit Master text styles</a:t>
             </a:r>
           </a:p>
           <a:p>
             <a:pPr lvl="1"/>
             <a:r>
-              <a:rPr lang="en-US" smtClean="0"/>
+              <a:rPr lang="en-US"/>
               <a:t>Second level</a:t>
             </a:r>
           </a:p>
           <a:p>
             <a:pPr lvl="2"/>
             <a:r>
-              <a:rPr lang="en-US" smtClean="0"/>
+              <a:rPr lang="en-US"/>
               <a:t>Third level</a:t>
             </a:r>
           </a:p>
           <a:p>
             <a:pPr lvl="3"/>
             <a:r>
-              <a:rPr lang="en-US" smtClean="0"/>
+              <a:rPr lang="en-US"/>
               <a:t>Fourth level</a:t>
             </a:r>
           </a:p>
           <a:p>
             <a:pPr lvl="4"/>
             <a:r>
-              <a:rPr lang="en-US" smtClean="0"/>
+              <a:rPr lang="en-US"/>
               <a:t>Fifth level</a:t>
             </a:r>
-            <a:endParaRPr lang="en-US"/>
           </a:p>
         </p:txBody>
       </p:sp>
@@ -10209,7 +10671,7 @@
             <a:fld id="{EF7C431A-9269-4A5C-A1CC-F9BD42B275A9}" type="datetime1">
               <a:rPr lang="en-US"/>
               <a:pPr/>
-              <a:t>2/7/2017</a:t>
+              <a:t>22-Feb-20</a:t>
             </a:fld>
             <a:endParaRPr lang="en-US"/>
           </a:p>
@@ -10319,10 +10781,9 @@
           </a:lstStyle>
           <a:p>
             <a:r>
-              <a:rPr lang="en-US" smtClean="0"/>
+              <a:rPr lang="en-US"/>
               <a:t>Click to edit Master title style</a:t>
             </a:r>
-            <a:endParaRPr lang="en-US"/>
           </a:p>
         </p:txBody>
       </p:sp>
@@ -10385,7 +10846,7 @@
           <a:p>
             <a:pPr lvl="0"/>
             <a:r>
-              <a:rPr lang="en-US" smtClean="0"/>
+              <a:rPr lang="en-US"/>
               <a:t>Click to edit Master text styles</a:t>
             </a:r>
           </a:p>
@@ -10441,38 +10902,37 @@
           <a:p>
             <a:pPr lvl="0"/>
             <a:r>
-              <a:rPr lang="en-US" smtClean="0"/>
+              <a:rPr lang="en-US"/>
               <a:t>Click to edit Master text styles</a:t>
             </a:r>
           </a:p>
           <a:p>
             <a:pPr lvl="1"/>
             <a:r>
-              <a:rPr lang="en-US" smtClean="0"/>
+              <a:rPr lang="en-US"/>
               <a:t>Second level</a:t>
             </a:r>
           </a:p>
           <a:p>
             <a:pPr lvl="2"/>
             <a:r>
-              <a:rPr lang="en-US" smtClean="0"/>
+              <a:rPr lang="en-US"/>
               <a:t>Third level</a:t>
             </a:r>
           </a:p>
           <a:p>
             <a:pPr lvl="3"/>
             <a:r>
-              <a:rPr lang="en-US" smtClean="0"/>
+              <a:rPr lang="en-US"/>
               <a:t>Fourth level</a:t>
             </a:r>
           </a:p>
           <a:p>
             <a:pPr lvl="4"/>
             <a:r>
-              <a:rPr lang="en-US" smtClean="0"/>
+              <a:rPr lang="en-US"/>
               <a:t>Fifth level</a:t>
             </a:r>
-            <a:endParaRPr lang="en-US"/>
           </a:p>
         </p:txBody>
       </p:sp>
@@ -10535,7 +10995,7 @@
           <a:p>
             <a:pPr lvl="0"/>
             <a:r>
-              <a:rPr lang="en-US" smtClean="0"/>
+              <a:rPr lang="en-US"/>
               <a:t>Click to edit Master text styles</a:t>
             </a:r>
           </a:p>
@@ -10591,38 +11051,37 @@
           <a:p>
             <a:pPr lvl="0"/>
             <a:r>
-              <a:rPr lang="en-US" smtClean="0"/>
+              <a:rPr lang="en-US"/>
               <a:t>Click to edit Master text styles</a:t>
             </a:r>
           </a:p>
           <a:p>
             <a:pPr lvl="1"/>
             <a:r>
-              <a:rPr lang="en-US" smtClean="0"/>
+              <a:rPr lang="en-US"/>
               <a:t>Second level</a:t>
             </a:r>
           </a:p>
           <a:p>
             <a:pPr lvl="2"/>
             <a:r>
-              <a:rPr lang="en-US" smtClean="0"/>
+              <a:rPr lang="en-US"/>
               <a:t>Third level</a:t>
             </a:r>
           </a:p>
           <a:p>
             <a:pPr lvl="3"/>
             <a:r>
-              <a:rPr lang="en-US" smtClean="0"/>
+              <a:rPr lang="en-US"/>
               <a:t>Fourth level</a:t>
             </a:r>
           </a:p>
           <a:p>
             <a:pPr lvl="4"/>
             <a:r>
-              <a:rPr lang="en-US" smtClean="0"/>
+              <a:rPr lang="en-US"/>
               <a:t>Fifth level</a:t>
             </a:r>
-            <a:endParaRPr lang="en-US"/>
           </a:p>
         </p:txBody>
       </p:sp>
@@ -10648,7 +11107,7 @@
             <a:fld id="{3EA8C738-B6BB-4BC3-A1EC-04039D8DE93C}" type="datetime1">
               <a:rPr lang="en-US"/>
               <a:pPr/>
-              <a:t>2/7/2017</a:t>
+              <a:t>22-Feb-20</a:t>
             </a:fld>
             <a:endParaRPr lang="en-US"/>
           </a:p>
@@ -10718,13 +11177,6 @@
   <p:clrMapOvr>
     <a:masterClrMapping/>
   </p:clrMapOvr>
-  <p:timing>
-    <p:tnLst>
-      <p:par>
-        <p:cTn id="1" dur="indefinite" restart="never" nodeType="tmRoot"/>
-      </p:par>
-    </p:tnLst>
-  </p:timing>
 </p:sldLayout>
 </file>
 
@@ -10761,10 +11213,9 @@
           <a:lstStyle/>
           <a:p>
             <a:r>
-              <a:rPr lang="en-US" smtClean="0"/>
+              <a:rPr lang="en-US"/>
               <a:t>Click to edit Master title style</a:t>
             </a:r>
-            <a:endParaRPr lang="en-US"/>
           </a:p>
         </p:txBody>
       </p:sp>
@@ -10790,7 +11241,7 @@
             <a:fld id="{377DD234-382C-45F1-9565-739ADD6516D1}" type="datetime1">
               <a:rPr lang="en-US"/>
               <a:pPr/>
-              <a:t>2/7/2017</a:t>
+              <a:t>22-Feb-20</a:t>
             </a:fld>
             <a:endParaRPr lang="en-US"/>
           </a:p>
@@ -10860,13 +11311,6 @@
   <p:clrMapOvr>
     <a:masterClrMapping/>
   </p:clrMapOvr>
-  <p:timing>
-    <p:tnLst>
-      <p:par>
-        <p:cTn id="1" dur="indefinite" restart="never" nodeType="tmRoot"/>
-      </p:par>
-    </p:tnLst>
-  </p:timing>
 </p:sldLayout>
 </file>
 
@@ -10909,7 +11353,7 @@
             <a:fld id="{1E0358CD-B093-4693-9030-777CFE52BFC2}" type="datetime1">
               <a:rPr lang="en-US"/>
               <a:pPr/>
-              <a:t>2/7/2017</a:t>
+              <a:t>22-Feb-20</a:t>
             </a:fld>
             <a:endParaRPr lang="en-US"/>
           </a:p>
@@ -10979,13 +11423,6 @@
   <p:clrMapOvr>
     <a:masterClrMapping/>
   </p:clrMapOvr>
-  <p:timing>
-    <p:tnLst>
-      <p:par>
-        <p:cTn id="1" dur="indefinite" restart="never" nodeType="tmRoot"/>
-      </p:par>
-    </p:tnLst>
-  </p:timing>
 </p:sldLayout>
 </file>
 
@@ -11031,10 +11468,9 @@
           </a:lstStyle>
           <a:p>
             <a:r>
-              <a:rPr lang="en-US" smtClean="0"/>
+              <a:rPr lang="en-US"/>
               <a:t>Click to edit Master title style</a:t>
             </a:r>
-            <a:endParaRPr lang="en-US"/>
           </a:p>
         </p:txBody>
       </p:sp>
@@ -11088,38 +11524,37 @@
           <a:p>
             <a:pPr lvl="0"/>
             <a:r>
-              <a:rPr lang="en-US" smtClean="0"/>
+              <a:rPr lang="en-US"/>
               <a:t>Click to edit Master text styles</a:t>
             </a:r>
           </a:p>
           <a:p>
             <a:pPr lvl="1"/>
             <a:r>
-              <a:rPr lang="en-US" smtClean="0"/>
+              <a:rPr lang="en-US"/>
               <a:t>Second level</a:t>
             </a:r>
           </a:p>
           <a:p>
             <a:pPr lvl="2"/>
             <a:r>
-              <a:rPr lang="en-US" smtClean="0"/>
+              <a:rPr lang="en-US"/>
               <a:t>Third level</a:t>
             </a:r>
           </a:p>
           <a:p>
             <a:pPr lvl="3"/>
             <a:r>
-              <a:rPr lang="en-US" smtClean="0"/>
+              <a:rPr lang="en-US"/>
               <a:t>Fourth level</a:t>
             </a:r>
           </a:p>
           <a:p>
             <a:pPr lvl="4"/>
             <a:r>
-              <a:rPr lang="en-US" smtClean="0"/>
+              <a:rPr lang="en-US"/>
               <a:t>Fifth level</a:t>
             </a:r>
-            <a:endParaRPr lang="en-US"/>
           </a:p>
         </p:txBody>
       </p:sp>
@@ -11182,7 +11617,7 @@
           <a:p>
             <a:pPr lvl="0"/>
             <a:r>
-              <a:rPr lang="en-US" smtClean="0"/>
+              <a:rPr lang="en-US"/>
               <a:t>Click to edit Master text styles</a:t>
             </a:r>
           </a:p>
@@ -11210,7 +11645,7 @@
             <a:fld id="{AF94F9E3-25F1-49CC-8A3E-3541113E8AAE}" type="datetime1">
               <a:rPr lang="en-US"/>
               <a:pPr/>
-              <a:t>2/7/2017</a:t>
+              <a:t>22-Feb-20</a:t>
             </a:fld>
             <a:endParaRPr lang="en-US"/>
           </a:p>
@@ -11280,13 +11715,6 @@
   <p:clrMapOvr>
     <a:masterClrMapping/>
   </p:clrMapOvr>
-  <p:timing>
-    <p:tnLst>
-      <p:par>
-        <p:cTn id="1" dur="indefinite" restart="never" nodeType="tmRoot"/>
-      </p:par>
-    </p:tnLst>
-  </p:timing>
 </p:sldLayout>
 </file>
 
@@ -11332,10 +11760,9 @@
           </a:lstStyle>
           <a:p>
             <a:r>
-              <a:rPr lang="en-US" smtClean="0"/>
+              <a:rPr lang="en-US"/>
               <a:t>Click to edit Master title style</a:t>
             </a:r>
-            <a:endParaRPr lang="en-US"/>
           </a:p>
         </p:txBody>
       </p:sp>
@@ -11462,7 +11889,7 @@
           <a:p>
             <a:pPr lvl="0"/>
             <a:r>
-              <a:rPr lang="en-US" smtClean="0"/>
+              <a:rPr lang="en-US"/>
               <a:t>Click to edit Master text styles</a:t>
             </a:r>
           </a:p>
@@ -11490,7 +11917,7 @@
             <a:fld id="{7B434F80-44B9-4D48-83F6-E68B02F5A760}" type="datetime1">
               <a:rPr lang="en-US"/>
               <a:pPr/>
-              <a:t>2/7/2017</a:t>
+              <a:t>22-Feb-20</a:t>
             </a:fld>
             <a:endParaRPr lang="en-US"/>
           </a:p>
@@ -11560,13 +11987,6 @@
   <p:clrMapOvr>
     <a:masterClrMapping/>
   </p:clrMapOvr>
-  <p:timing>
-    <p:tnLst>
-      <p:par>
-        <p:cTn id="1" dur="indefinite" restart="never" nodeType="tmRoot"/>
-      </p:par>
-    </p:tnLst>
-  </p:timing>
 </p:sldLayout>
 </file>
 
@@ -11670,7 +12090,7 @@
           <a:p>
             <a:pPr lvl="0"/>
             <a:r>
-              <a:rPr lang="en-US" smtClean="0"/>
+              <a:rPr lang="en-US"/>
               <a:t>Click to edit Master title style</a:t>
             </a:r>
           </a:p>
@@ -11712,35 +12132,35 @@
           <a:p>
             <a:pPr lvl="0"/>
             <a:r>
-              <a:rPr lang="en-US" smtClean="0"/>
+              <a:rPr lang="en-US"/>
               <a:t>Click to edit Master text styles</a:t>
             </a:r>
           </a:p>
           <a:p>
             <a:pPr lvl="1"/>
             <a:r>
-              <a:rPr lang="en-US" smtClean="0"/>
+              <a:rPr lang="en-US"/>
               <a:t>Second level</a:t>
             </a:r>
           </a:p>
           <a:p>
             <a:pPr lvl="2"/>
             <a:r>
-              <a:rPr lang="en-US" smtClean="0"/>
+              <a:rPr lang="en-US"/>
               <a:t>Third level</a:t>
             </a:r>
           </a:p>
           <a:p>
             <a:pPr lvl="3"/>
             <a:r>
-              <a:rPr lang="en-US" smtClean="0"/>
+              <a:rPr lang="en-US"/>
               <a:t>Fourth level</a:t>
             </a:r>
           </a:p>
           <a:p>
             <a:pPr lvl="4"/>
             <a:r>
-              <a:rPr lang="en-US" smtClean="0"/>
+              <a:rPr lang="en-US"/>
               <a:t>Fifth level</a:t>
             </a:r>
           </a:p>
@@ -11785,7 +12205,7 @@
             <a:fld id="{270F69A5-B0B5-45B5-B57E-B641F9583642}" type="datetime1">
               <a:rPr lang="en-US"/>
               <a:pPr/>
-              <a:t>2/7/2017</a:t>
+              <a:t>22-Feb-20</a:t>
             </a:fld>
             <a:endParaRPr lang="en-US"/>
           </a:p>
@@ -11909,13 +12329,6 @@
     <p:sldLayoutId id="2147483738" r:id="rId10"/>
     <p:sldLayoutId id="2147483739" r:id="rId11"/>
   </p:sldLayoutIdLst>
-  <p:timing>
-    <p:tnLst>
-      <p:par>
-        <p:cTn id="1" dur="indefinite" restart="never" nodeType="tmRoot"/>
-      </p:par>
-    </p:tnLst>
-  </p:timing>
   <p:hf hdr="0" dt="0"/>
   <p:txStyles>
     <p:titleStyle>
@@ -12357,7 +12770,7 @@
           <a:p>
             <a:pPr lvl="0"/>
             <a:r>
-              <a:rPr lang="en-US" smtClean="0"/>
+              <a:rPr lang="en-US"/>
               <a:t>Click to edit Master title style</a:t>
             </a:r>
           </a:p>
@@ -12399,35 +12812,35 @@
           <a:p>
             <a:pPr lvl="0"/>
             <a:r>
-              <a:rPr lang="en-US" smtClean="0"/>
+              <a:rPr lang="en-US"/>
               <a:t>Click to edit Master text styles</a:t>
             </a:r>
           </a:p>
           <a:p>
             <a:pPr lvl="1"/>
             <a:r>
-              <a:rPr lang="en-US" smtClean="0"/>
+              <a:rPr lang="en-US"/>
               <a:t>Second level</a:t>
             </a:r>
           </a:p>
           <a:p>
             <a:pPr lvl="2"/>
             <a:r>
-              <a:rPr lang="en-US" smtClean="0"/>
+              <a:rPr lang="en-US"/>
               <a:t>Third level</a:t>
             </a:r>
           </a:p>
           <a:p>
             <a:pPr lvl="3"/>
             <a:r>
-              <a:rPr lang="en-US" smtClean="0"/>
+              <a:rPr lang="en-US"/>
               <a:t>Fourth level</a:t>
             </a:r>
           </a:p>
           <a:p>
             <a:pPr lvl="4"/>
             <a:r>
-              <a:rPr lang="en-US" smtClean="0"/>
+              <a:rPr lang="en-US"/>
               <a:t>Fifth level</a:t>
             </a:r>
           </a:p>
@@ -12472,7 +12885,7 @@
             <a:fld id="{C7FC2F03-C6D4-4B14-A02A-D563BFDD84AC}" type="datetime1">
               <a:rPr lang="en-US"/>
               <a:pPr/>
-              <a:t>2/7/2017</a:t>
+              <a:t>22-Feb-20</a:t>
             </a:fld>
             <a:endParaRPr lang="en-US"/>
           </a:p>
@@ -13033,7 +13446,7 @@
           <a:p>
             <a:pPr lvl="0"/>
             <a:r>
-              <a:rPr lang="en-US" smtClean="0"/>
+              <a:rPr lang="en-US"/>
               <a:t>Click to edit Master title style</a:t>
             </a:r>
           </a:p>
@@ -13075,35 +13488,35 @@
           <a:p>
             <a:pPr lvl="0"/>
             <a:r>
-              <a:rPr lang="en-US" smtClean="0"/>
+              <a:rPr lang="en-US"/>
               <a:t>Click to edit Master text styles</a:t>
             </a:r>
           </a:p>
           <a:p>
             <a:pPr lvl="1"/>
             <a:r>
-              <a:rPr lang="en-US" smtClean="0"/>
+              <a:rPr lang="en-US"/>
               <a:t>Second level</a:t>
             </a:r>
           </a:p>
           <a:p>
             <a:pPr lvl="2"/>
             <a:r>
-              <a:rPr lang="en-US" smtClean="0"/>
+              <a:rPr lang="en-US"/>
               <a:t>Third level</a:t>
             </a:r>
           </a:p>
           <a:p>
             <a:pPr lvl="3"/>
             <a:r>
-              <a:rPr lang="en-US" smtClean="0"/>
+              <a:rPr lang="en-US"/>
               <a:t>Fourth level</a:t>
             </a:r>
           </a:p>
           <a:p>
             <a:pPr lvl="4"/>
             <a:r>
-              <a:rPr lang="en-US" smtClean="0"/>
+              <a:rPr lang="en-US"/>
               <a:t>Fifth level</a:t>
             </a:r>
           </a:p>
@@ -13148,7 +13561,7 @@
             <a:fld id="{FBBCD8FC-B252-4DBE-8111-EC058B5C0FEF}" type="datetime1">
               <a:rPr lang="en-US"/>
               <a:pPr/>
-              <a:t>2/7/2017</a:t>
+              <a:t>22-Feb-20</a:t>
             </a:fld>
             <a:endParaRPr lang="en-US"/>
           </a:p>
@@ -13268,13 +13681,6 @@
     <p:sldLayoutId id="2147483708" r:id="rId10"/>
     <p:sldLayoutId id="2147483707" r:id="rId11"/>
   </p:sldLayoutIdLst>
-  <p:timing>
-    <p:tnLst>
-      <p:par>
-        <p:cTn id="1" dur="indefinite" restart="never" nodeType="tmRoot"/>
-      </p:par>
-    </p:tnLst>
-  </p:timing>
   <p:hf hdr="0" dt="0"/>
   <p:txStyles>
     <p:titleStyle>
@@ -13716,7 +14122,7 @@
           <a:p>
             <a:pPr lvl="0"/>
             <a:r>
-              <a:rPr lang="en-US" smtClean="0"/>
+              <a:rPr lang="en-US"/>
               <a:t>Click to edit Master title style</a:t>
             </a:r>
           </a:p>
@@ -13758,35 +14164,35 @@
           <a:p>
             <a:pPr lvl="0"/>
             <a:r>
-              <a:rPr lang="en-US" smtClean="0"/>
+              <a:rPr lang="en-US"/>
               <a:t>Click to edit Master text styles</a:t>
             </a:r>
           </a:p>
           <a:p>
             <a:pPr lvl="1"/>
             <a:r>
-              <a:rPr lang="en-US" smtClean="0"/>
+              <a:rPr lang="en-US"/>
               <a:t>Second level</a:t>
             </a:r>
           </a:p>
           <a:p>
             <a:pPr lvl="2"/>
             <a:r>
-              <a:rPr lang="en-US" smtClean="0"/>
+              <a:rPr lang="en-US"/>
               <a:t>Third level</a:t>
             </a:r>
           </a:p>
           <a:p>
             <a:pPr lvl="3"/>
             <a:r>
-              <a:rPr lang="en-US" smtClean="0"/>
+              <a:rPr lang="en-US"/>
               <a:t>Fourth level</a:t>
             </a:r>
           </a:p>
           <a:p>
             <a:pPr lvl="4"/>
             <a:r>
-              <a:rPr lang="en-US" smtClean="0"/>
+              <a:rPr lang="en-US"/>
               <a:t>Fifth level</a:t>
             </a:r>
           </a:p>
@@ -13831,7 +14237,7 @@
             <a:fld id="{9DC21850-219F-43A4-ADAA-602D19EDF78C}" type="datetime1">
               <a:rPr lang="en-US"/>
               <a:pPr/>
-              <a:t>2/7/2017</a:t>
+              <a:t>22-Feb-20</a:t>
             </a:fld>
             <a:endParaRPr lang="en-US"/>
           </a:p>
@@ -13951,13 +14357,6 @@
     <p:sldLayoutId id="2147483719" r:id="rId10"/>
     <p:sldLayoutId id="2147483718" r:id="rId11"/>
   </p:sldLayoutIdLst>
-  <p:timing>
-    <p:tnLst>
-      <p:par>
-        <p:cTn id="1" dur="indefinite" restart="never" nodeType="tmRoot"/>
-      </p:par>
-    </p:tnLst>
-  </p:timing>
   <p:hf hdr="0" dt="0"/>
   <p:txStyles>
     <p:titleStyle>
@@ -14635,13 +15034,6 @@
   <p:clrMapOvr>
     <a:masterClrMapping/>
   </p:clrMapOvr>
-  <p:timing>
-    <p:tnLst>
-      <p:par>
-        <p:cTn id="1" dur="indefinite" restart="never" nodeType="tmRoot"/>
-      </p:par>
-    </p:tnLst>
-  </p:timing>
 </p:sld>
 </file>
 
@@ -14705,7 +15097,7 @@
           <a:lstStyle/>
           <a:p>
             <a:r>
-              <a:rPr lang="en-US" sz="2400" smtClean="0"/>
+              <a:rPr lang="en-US" sz="2400" dirty="0"/>
               <a:t>In many projects, value cannot be attained without the use of new technologies. </a:t>
             </a:r>
           </a:p>
@@ -14715,7 +15107,7 @@
               <a:buChar char="•"/>
             </a:pPr>
             <a:r>
-              <a:rPr lang="en-US" sz="2400" smtClean="0"/>
+              <a:rPr lang="en-US" sz="2400" dirty="0"/>
               <a:t>Technology poses many risks and managers need to evaluate such perceived risks well before the beginning of projects. </a:t>
             </a:r>
           </a:p>
@@ -14725,7 +15117,7 @@
               <a:buChar char="•"/>
             </a:pPr>
             <a:r>
-              <a:rPr lang="en-US" sz="2400" smtClean="0"/>
+              <a:rPr lang="en-US" sz="2400" dirty="0"/>
               <a:t>The skill requirements of using such technologies need to be analyzed before project initiation as well. </a:t>
             </a:r>
           </a:p>
@@ -14735,7 +15127,7 @@
               <a:buChar char="•"/>
             </a:pPr>
             <a:r>
-              <a:rPr lang="en-US" sz="2400" smtClean="0"/>
+              <a:rPr lang="en-US" sz="2400" dirty="0"/>
               <a:t>All risks need to be evaluated for future projects in order to select the projects. Projects provide future opportunities and opportunities mean more uncertainty and greater risk. </a:t>
             </a:r>
           </a:p>
@@ -14762,8 +15154,8 @@
           <a:lstStyle/>
           <a:p>
             <a:r>
-              <a:rPr lang="en-US" smtClean="0"/>
-              <a:t>Project Strategy</a:t>
+              <a:rPr lang="en-US" dirty="0"/>
+              <a:t>1-b Project Strategy</a:t>
             </a:r>
           </a:p>
         </p:txBody>
@@ -14869,13 +15261,13 @@
           <a:lstStyle/>
           <a:p>
             <a:r>
-              <a:rPr lang="en-US" sz="2400" smtClean="0"/>
+              <a:rPr lang="en-US" sz="2400" dirty="0"/>
               <a:t>Project strategic value is defined as the impact a project will have on external entities like customers and suppliers. </a:t>
             </a:r>
           </a:p>
           <a:p>
             <a:r>
-              <a:rPr lang="en-US" sz="2400" smtClean="0"/>
+              <a:rPr lang="en-US" sz="2400" dirty="0"/>
               <a:t>Competitive differentiation may depend upon: </a:t>
             </a:r>
           </a:p>
@@ -14885,7 +15277,7 @@
               <a:buChar char="•"/>
             </a:pPr>
             <a:r>
-              <a:rPr lang="en-US" sz="2400" smtClean="0"/>
+              <a:rPr lang="en-US" sz="2400" dirty="0"/>
               <a:t>Economies of scale</a:t>
             </a:r>
           </a:p>
@@ -14895,7 +15287,7 @@
               <a:buChar char="•"/>
             </a:pPr>
             <a:r>
-              <a:rPr lang="en-US" sz="2400" smtClean="0"/>
+              <a:rPr lang="en-US" sz="2400" dirty="0"/>
               <a:t>Product differentiation</a:t>
             </a:r>
           </a:p>
@@ -14905,7 +15297,7 @@
               <a:buChar char="•"/>
             </a:pPr>
             <a:r>
-              <a:rPr lang="en-US" sz="2400" smtClean="0"/>
+              <a:rPr lang="en-US" sz="2400" dirty="0"/>
               <a:t>Capital Requirements</a:t>
             </a:r>
           </a:p>
@@ -14915,7 +15307,7 @@
               <a:buChar char="•"/>
             </a:pPr>
             <a:r>
-              <a:rPr lang="en-US" sz="2400" smtClean="0"/>
+              <a:rPr lang="en-US" sz="2400" dirty="0"/>
               <a:t>Access to distribution channels</a:t>
             </a:r>
           </a:p>
@@ -14925,7 +15317,7 @@
               <a:buChar char="•"/>
             </a:pPr>
             <a:r>
-              <a:rPr lang="en-US" sz="2400" smtClean="0"/>
+              <a:rPr lang="en-US" sz="2400" dirty="0"/>
               <a:t>Cost disadvantages independent of scale</a:t>
             </a:r>
           </a:p>
@@ -14935,7 +15327,7 @@
               <a:buChar char="•"/>
             </a:pPr>
             <a:r>
-              <a:rPr lang="en-US" sz="2400" smtClean="0"/>
+              <a:rPr lang="en-US" sz="2400" dirty="0"/>
               <a:t>Government policies</a:t>
             </a:r>
           </a:p>
@@ -14945,7 +15337,7 @@
               <a:buChar char="•"/>
             </a:pPr>
             <a:r>
-              <a:rPr lang="en-US" sz="2400" smtClean="0"/>
+              <a:rPr lang="en-US" sz="2400" dirty="0"/>
               <a:t>Perceived competitive reactions in the market, and</a:t>
             </a:r>
           </a:p>
@@ -14955,7 +15347,7 @@
               <a:buChar char="•"/>
             </a:pPr>
             <a:r>
-              <a:rPr lang="en-US" sz="2400" smtClean="0"/>
+              <a:rPr lang="en-US" sz="2400" dirty="0"/>
               <a:t>Price of organization’s products and services.</a:t>
             </a:r>
           </a:p>
@@ -14974,7 +15366,7 @@
         <p:spPr>
           <a:xfrm>
             <a:off x="1316038" y="1071563"/>
-            <a:ext cx="3925887" cy="339725"/>
+            <a:ext cx="4253489" cy="339725"/>
           </a:xfrm>
         </p:spPr>
         <p:txBody>
@@ -14982,8 +15374,8 @@
           <a:lstStyle/>
           <a:p>
             <a:r>
-              <a:rPr lang="en-US" smtClean="0"/>
-              <a:t>Project Strategy and Value</a:t>
+              <a:rPr lang="en-US" dirty="0"/>
+              <a:t>1-b Project Strategy and Value</a:t>
             </a:r>
           </a:p>
         </p:txBody>
@@ -15089,7 +15481,7 @@
           <a:lstStyle/>
           <a:p>
             <a:r>
-              <a:rPr lang="en-US" sz="2400" smtClean="0"/>
+              <a:rPr lang="en-US" sz="2400"/>
               <a:t>Value of a project can be determined by cash benefits (both magnitude and its timing). </a:t>
             </a:r>
           </a:p>
@@ -15099,7 +15491,7 @@
               <a:buChar char="•"/>
             </a:pPr>
             <a:r>
-              <a:rPr lang="en-US" sz="2400" smtClean="0"/>
+              <a:rPr lang="en-US" sz="2400"/>
               <a:t>Magnitude and timing of cash benefits when compared to investments made on the projects have to be evaluated in project selection as well.</a:t>
             </a:r>
           </a:p>
@@ -15109,12 +15501,12 @@
               <a:buChar char="•"/>
             </a:pPr>
             <a:r>
-              <a:rPr lang="en-US" sz="2400" smtClean="0"/>
+              <a:rPr lang="en-US" sz="2400"/>
               <a:t>If a project is not expected to bring some benefit to the organization, then there is no point in implementing this project.</a:t>
             </a:r>
           </a:p>
           <a:p>
-            <a:endParaRPr lang="en-US" sz="2400" smtClean="0"/>
+            <a:endParaRPr lang="en-US" sz="2400"/>
           </a:p>
         </p:txBody>
       </p:sp>
@@ -15131,7 +15523,7 @@
         <p:spPr>
           <a:xfrm>
             <a:off x="1316038" y="1071563"/>
-            <a:ext cx="3925887" cy="339725"/>
+            <a:ext cx="4299671" cy="339725"/>
           </a:xfrm>
         </p:spPr>
         <p:txBody>
@@ -15139,8 +15531,8 @@
           <a:lstStyle/>
           <a:p>
             <a:r>
-              <a:rPr lang="en-US" smtClean="0"/>
-              <a:t>Project Strategy and Value</a:t>
+              <a:rPr lang="en-US" dirty="0"/>
+              <a:t>1-b Project Strategy and Value</a:t>
             </a:r>
           </a:p>
         </p:txBody>
@@ -15246,8 +15638,8 @@
           <a:lstStyle/>
           <a:p>
             <a:r>
-              <a:rPr lang="en-US" smtClean="0"/>
-              <a:t>Scorecard analysis (Qualitative)</a:t>
+              <a:rPr lang="en-US" dirty="0"/>
+              <a:t>1-b Scorecard analysis (Qualitative)</a:t>
             </a:r>
           </a:p>
         </p:txBody>
@@ -15385,7 +15777,7 @@
           <a:lstStyle/>
           <a:p>
             <a:r>
-              <a:rPr lang="en-US" sz="2400" smtClean="0"/>
+              <a:rPr lang="en-US" sz="2400"/>
               <a:t>A project charter is a document that formally recognizes a project, includes a problem statement, project objectives, benefits, process owners, and a project sponsor or a champion.</a:t>
             </a:r>
           </a:p>
@@ -15395,7 +15787,7 @@
               <a:buChar char="•"/>
             </a:pPr>
             <a:r>
-              <a:rPr lang="en-US" sz="2400" smtClean="0"/>
+              <a:rPr lang="en-US" sz="2400"/>
               <a:t>Project purpose or justification</a:t>
             </a:r>
           </a:p>
@@ -15405,7 +15797,7 @@
               <a:buChar char="•"/>
             </a:pPr>
             <a:r>
-              <a:rPr lang="en-US" sz="2400" smtClean="0"/>
+              <a:rPr lang="en-US" sz="2400"/>
               <a:t>Project objectives</a:t>
             </a:r>
           </a:p>
@@ -15415,7 +15807,7 @@
               <a:buChar char="•"/>
             </a:pPr>
             <a:r>
-              <a:rPr lang="en-US" sz="2400" smtClean="0"/>
+              <a:rPr lang="en-US" sz="2400"/>
               <a:t>Project success criteria</a:t>
             </a:r>
           </a:p>
@@ -15425,7 +15817,7 @@
               <a:buChar char="•"/>
             </a:pPr>
             <a:r>
-              <a:rPr lang="en-US" sz="2400" smtClean="0"/>
+              <a:rPr lang="en-US" sz="2400"/>
               <a:t>Project description</a:t>
             </a:r>
           </a:p>
@@ -15435,7 +15827,7 @@
               <a:buChar char="•"/>
             </a:pPr>
             <a:r>
-              <a:rPr lang="en-US" sz="2400" smtClean="0"/>
+              <a:rPr lang="en-US" sz="2400"/>
               <a:t>Project risks at a high level</a:t>
             </a:r>
           </a:p>
@@ -15445,7 +15837,7 @@
               <a:buChar char="•"/>
             </a:pPr>
             <a:r>
-              <a:rPr lang="en-US" sz="2400" smtClean="0"/>
+              <a:rPr lang="en-US" sz="2400"/>
               <a:t>Key milestones</a:t>
             </a:r>
           </a:p>
@@ -15455,7 +15847,7 @@
               <a:buChar char="•"/>
             </a:pPr>
             <a:r>
-              <a:rPr lang="en-US" sz="2400" smtClean="0"/>
+              <a:rPr lang="en-US" sz="2400"/>
               <a:t>Budget information</a:t>
             </a:r>
           </a:p>
@@ -15482,8 +15874,8 @@
           <a:lstStyle/>
           <a:p>
             <a:r>
-              <a:rPr lang="en-US" smtClean="0"/>
-              <a:t>Project Charter</a:t>
+              <a:rPr lang="en-US" dirty="0"/>
+              <a:t>1-c Project Charter</a:t>
             </a:r>
           </a:p>
         </p:txBody>
@@ -15593,7 +15985,7 @@
               <a:buChar char="•"/>
             </a:pPr>
             <a:r>
-              <a:rPr lang="en-US" sz="2400" smtClean="0"/>
+              <a:rPr lang="en-US" sz="2400"/>
               <a:t>High level requirements of the project</a:t>
             </a:r>
           </a:p>
@@ -15603,7 +15995,7 @@
               <a:buChar char="•"/>
             </a:pPr>
             <a:r>
-              <a:rPr lang="en-US" sz="2400" smtClean="0"/>
+              <a:rPr lang="en-US" sz="2400"/>
               <a:t>Project approval requirements</a:t>
             </a:r>
           </a:p>
@@ -15613,7 +16005,7 @@
               <a:buChar char="•"/>
             </a:pPr>
             <a:r>
-              <a:rPr lang="en-US" sz="2400" smtClean="0"/>
+              <a:rPr lang="en-US" sz="2400"/>
               <a:t>Roles and responsibilities of the project manager and the project team</a:t>
             </a:r>
           </a:p>
@@ -15623,7 +16015,7 @@
               <a:buChar char="•"/>
             </a:pPr>
             <a:r>
-              <a:rPr lang="en-US" sz="2400" smtClean="0"/>
+              <a:rPr lang="en-US" sz="2400"/>
               <a:t>Level of authority of the project manager</a:t>
             </a:r>
           </a:p>
@@ -15633,7 +16025,7 @@
               <a:buChar char="•"/>
             </a:pPr>
             <a:r>
-              <a:rPr lang="en-US" sz="2400" smtClean="0"/>
+              <a:rPr lang="en-US" sz="2400"/>
               <a:t>Sponsor and authorizing persons of the project charter</a:t>
             </a:r>
           </a:p>
@@ -15660,8 +16052,8 @@
           <a:lstStyle/>
           <a:p>
             <a:r>
-              <a:rPr lang="en-US" smtClean="0"/>
-              <a:t>Project Charter</a:t>
+              <a:rPr lang="en-US" dirty="0"/>
+              <a:t>1-c Project Charter</a:t>
             </a:r>
           </a:p>
         </p:txBody>
@@ -15775,7 +16167,7 @@
               <a:defRPr/>
             </a:pPr>
             <a:r>
-              <a:rPr lang="en-US" sz="2400" dirty="0" smtClean="0"/>
+              <a:rPr lang="en-US" sz="2400" dirty="0"/>
               <a:t>The challenges for an organization to recruit effective project managers include:</a:t>
             </a:r>
           </a:p>
@@ -15787,7 +16179,7 @@
               <a:defRPr/>
             </a:pPr>
             <a:r>
-              <a:rPr lang="en-US" sz="2400" dirty="0" smtClean="0"/>
+              <a:rPr lang="en-US" sz="2400" dirty="0"/>
               <a:t>Ensuring that only qualified individuals are assigned to project management positions.</a:t>
             </a:r>
           </a:p>
@@ -15799,7 +16191,7 @@
               <a:defRPr/>
             </a:pPr>
             <a:r>
-              <a:rPr lang="en-US" sz="2400" dirty="0" smtClean="0"/>
+              <a:rPr lang="en-US" sz="2400" dirty="0"/>
               <a:t>Ensuring that an internal policy is designed, instituted, and followed to foster professional growth and development of such project management positions.</a:t>
             </a:r>
           </a:p>
@@ -15811,7 +16203,7 @@
               <a:defRPr/>
             </a:pPr>
             <a:r>
-              <a:rPr lang="en-US" sz="2400" dirty="0" smtClean="0"/>
+              <a:rPr lang="en-US" sz="2400" dirty="0"/>
               <a:t>Providing proper authority and accountability to project managers.</a:t>
             </a:r>
           </a:p>
@@ -15823,7 +16215,7 @@
               <a:defRPr/>
             </a:pPr>
             <a:r>
-              <a:rPr lang="en-US" sz="2400" dirty="0" smtClean="0"/>
+              <a:rPr lang="en-US" sz="2400" dirty="0"/>
               <a:t>Providing necessary management support.</a:t>
             </a:r>
           </a:p>
@@ -15835,7 +16227,7 @@
               <a:defRPr/>
             </a:pPr>
             <a:r>
-              <a:rPr lang="en-US" sz="2400" dirty="0" smtClean="0"/>
+              <a:rPr lang="en-US" sz="2400" dirty="0"/>
               <a:t>Ensuring that necessary resources are available for projects.</a:t>
             </a:r>
           </a:p>
@@ -15862,8 +16254,8 @@
           <a:lstStyle/>
           <a:p>
             <a:r>
-              <a:rPr lang="en-US" smtClean="0"/>
-              <a:t>PM selection</a:t>
+              <a:rPr lang="en-US" dirty="0"/>
+              <a:t>2- PM selection</a:t>
             </a:r>
           </a:p>
         </p:txBody>
@@ -15969,7 +16361,7 @@
           <a:lstStyle/>
           <a:p>
             <a:r>
-              <a:rPr lang="en-US" sz="2200" smtClean="0"/>
+              <a:rPr lang="en-US" sz="2200"/>
               <a:t>Personal</a:t>
             </a:r>
           </a:p>
@@ -15979,7 +16371,7 @@
               <a:buChar char="•"/>
             </a:pPr>
             <a:r>
-              <a:rPr lang="en-US" sz="2200" smtClean="0"/>
+              <a:rPr lang="en-US" sz="2200"/>
               <a:t>Is honest and has integrity</a:t>
             </a:r>
           </a:p>
@@ -15989,7 +16381,7 @@
               <a:buChar char="•"/>
             </a:pPr>
             <a:r>
-              <a:rPr lang="en-US" sz="2200" smtClean="0"/>
+              <a:rPr lang="en-US" sz="2200"/>
               <a:t>Assertive and confident</a:t>
             </a:r>
           </a:p>
@@ -15999,7 +16391,7 @@
               <a:buChar char="•"/>
             </a:pPr>
             <a:r>
-              <a:rPr lang="en-US" sz="2200" smtClean="0"/>
+              <a:rPr lang="en-US" sz="2200"/>
               <a:t>Friendly and optimistic</a:t>
             </a:r>
           </a:p>
@@ -16009,7 +16401,7 @@
               <a:buChar char="•"/>
             </a:pPr>
             <a:r>
-              <a:rPr lang="en-US" sz="2200" smtClean="0"/>
+              <a:rPr lang="en-US" sz="2200"/>
               <a:t>Enthusiastic and motivated</a:t>
             </a:r>
           </a:p>
@@ -16019,7 +16411,7 @@
               <a:buChar char="•"/>
             </a:pPr>
             <a:r>
-              <a:rPr lang="en-US" sz="2200" smtClean="0"/>
+              <a:rPr lang="en-US" sz="2200"/>
               <a:t>Has a high energy level</a:t>
             </a:r>
           </a:p>
@@ -16029,13 +16421,13 @@
               <a:buChar char="•"/>
             </a:pPr>
             <a:r>
-              <a:rPr lang="en-US" sz="2200" smtClean="0"/>
+              <a:rPr lang="en-US" sz="2200"/>
               <a:t>Has a sense of humor</a:t>
             </a:r>
           </a:p>
           <a:p>
             <a:r>
-              <a:rPr lang="en-US" sz="2200" smtClean="0"/>
+              <a:rPr lang="en-US" sz="2200"/>
               <a:t>Professional</a:t>
             </a:r>
           </a:p>
@@ -16045,7 +16437,7 @@
               <a:buChar char="•"/>
             </a:pPr>
             <a:r>
-              <a:rPr lang="en-US" sz="2200" smtClean="0"/>
+              <a:rPr lang="en-US" sz="2200"/>
               <a:t>Able to work under uncertainty</a:t>
             </a:r>
           </a:p>
@@ -16055,7 +16447,7 @@
               <a:buChar char="•"/>
             </a:pPr>
             <a:r>
-              <a:rPr lang="en-US" sz="2200" smtClean="0"/>
+              <a:rPr lang="en-US" sz="2200"/>
               <a:t>Adaptable to situations</a:t>
             </a:r>
           </a:p>
@@ -16065,7 +16457,7 @@
               <a:buChar char="•"/>
             </a:pPr>
             <a:r>
-              <a:rPr lang="en-US" sz="2200" smtClean="0"/>
+              <a:rPr lang="en-US" sz="2200"/>
               <a:t>Well organized</a:t>
             </a:r>
           </a:p>
@@ -16075,7 +16467,7 @@
               <a:buChar char="•"/>
             </a:pPr>
             <a:r>
-              <a:rPr lang="en-US" sz="2200" smtClean="0"/>
+              <a:rPr lang="en-US" sz="2200"/>
               <a:t>Understands business issues</a:t>
             </a:r>
           </a:p>
@@ -16102,8 +16494,8 @@
           <a:lstStyle/>
           <a:p>
             <a:r>
-              <a:rPr lang="en-US" smtClean="0"/>
-              <a:t>PM characteristics</a:t>
+              <a:rPr lang="en-US" dirty="0"/>
+              <a:t>2- PM characteristics</a:t>
             </a:r>
           </a:p>
         </p:txBody>
@@ -16209,7 +16601,7 @@
           <a:lstStyle/>
           <a:p>
             <a:r>
-              <a:rPr lang="en-US" sz="2400" smtClean="0"/>
+              <a:rPr lang="en-US" sz="2400"/>
               <a:t>Relational</a:t>
             </a:r>
           </a:p>
@@ -16219,7 +16611,7 @@
               <a:buChar char="•"/>
             </a:pPr>
             <a:r>
-              <a:rPr lang="en-US" sz="2400" smtClean="0"/>
+              <a:rPr lang="en-US" sz="2400"/>
               <a:t>Team player</a:t>
             </a:r>
           </a:p>
@@ -16229,7 +16621,7 @@
               <a:buChar char="•"/>
             </a:pPr>
             <a:r>
-              <a:rPr lang="en-US" sz="2400" smtClean="0"/>
+              <a:rPr lang="en-US" sz="2400"/>
               <a:t>Good written and oral communication skills</a:t>
             </a:r>
           </a:p>
@@ -16239,7 +16631,7 @@
               <a:buChar char="•"/>
             </a:pPr>
             <a:r>
-              <a:rPr lang="en-US" sz="2400" smtClean="0"/>
+              <a:rPr lang="en-US" sz="2400"/>
               <a:t>Able to listen actively</a:t>
             </a:r>
           </a:p>
@@ -16249,7 +16641,7 @@
               <a:buChar char="•"/>
             </a:pPr>
             <a:r>
-              <a:rPr lang="en-US" sz="2400" smtClean="0"/>
+              <a:rPr lang="en-US" sz="2400"/>
               <a:t>Able to present outcomes effectively</a:t>
             </a:r>
           </a:p>
@@ -16259,7 +16651,7 @@
               <a:buChar char="•"/>
             </a:pPr>
             <a:r>
-              <a:rPr lang="en-US" sz="2400" smtClean="0"/>
+              <a:rPr lang="en-US" sz="2400"/>
               <a:t>Able to work effectively in teams</a:t>
             </a:r>
           </a:p>
@@ -16269,7 +16661,7 @@
               <a:buChar char="•"/>
             </a:pPr>
             <a:r>
-              <a:rPr lang="en-US" sz="2400" smtClean="0"/>
+              <a:rPr lang="en-US" sz="2400"/>
               <a:t>Able to be a facilitator</a:t>
             </a:r>
           </a:p>
@@ -16279,7 +16671,7 @@
               <a:buChar char="•"/>
             </a:pPr>
             <a:r>
-              <a:rPr lang="en-US" sz="2400" smtClean="0"/>
+              <a:rPr lang="en-US" sz="2400"/>
               <a:t>Respected by others</a:t>
             </a:r>
           </a:p>
@@ -16289,7 +16681,7 @@
               <a:buChar char="•"/>
             </a:pPr>
             <a:r>
-              <a:rPr lang="en-US" sz="2400" smtClean="0"/>
+              <a:rPr lang="en-US" sz="2400"/>
               <a:t>Patient and shows perseverance</a:t>
             </a:r>
           </a:p>
@@ -16299,7 +16691,7 @@
               <a:buChar char="•"/>
             </a:pPr>
             <a:r>
-              <a:rPr lang="en-US" sz="2400" smtClean="0"/>
+              <a:rPr lang="en-US" sz="2400"/>
               <a:t>Able to motivate and bring out the best in others</a:t>
             </a:r>
           </a:p>
@@ -16326,8 +16718,8 @@
           <a:lstStyle/>
           <a:p>
             <a:r>
-              <a:rPr lang="en-US" smtClean="0"/>
-              <a:t>PM characteristics</a:t>
+              <a:rPr lang="en-US" dirty="0"/>
+              <a:t>2- PM characteristics</a:t>
             </a:r>
           </a:p>
         </p:txBody>
@@ -16433,43 +16825,43 @@
           <a:lstStyle/>
           <a:p>
             <a:r>
-              <a:rPr lang="en-US" sz="2400" smtClean="0"/>
+              <a:rPr lang="en-US" sz="2400" dirty="0"/>
               <a:t>Satisfying end user and customer requirements </a:t>
             </a:r>
           </a:p>
           <a:p>
             <a:r>
-              <a:rPr lang="en-US" sz="2400" smtClean="0"/>
+              <a:rPr lang="en-US" sz="2400" dirty="0"/>
               <a:t>Performing flawlessly</a:t>
             </a:r>
           </a:p>
           <a:p>
             <a:r>
-              <a:rPr lang="en-US" sz="2400" smtClean="0"/>
+              <a:rPr lang="en-US" sz="2400" dirty="0"/>
               <a:t>Satisfying a myriad of technical performance criteria</a:t>
             </a:r>
           </a:p>
           <a:p>
             <a:r>
-              <a:rPr lang="en-US" sz="2400" smtClean="0"/>
+              <a:rPr lang="en-US" sz="2400" dirty="0"/>
               <a:t>Being user friendly and cost effective</a:t>
             </a:r>
           </a:p>
           <a:p>
             <a:r>
-              <a:rPr lang="en-US" sz="2400" smtClean="0"/>
+              <a:rPr lang="en-US" sz="2400" dirty="0"/>
               <a:t>Designing and implementing with quality</a:t>
             </a:r>
           </a:p>
           <a:p>
             <a:r>
-              <a:rPr lang="en-US" sz="2400" smtClean="0"/>
+              <a:rPr lang="en-US" sz="2400" dirty="0"/>
               <a:t>Providing great value to an organization, its suppliers, and its customers</a:t>
             </a:r>
           </a:p>
           <a:p>
             <a:r>
-              <a:rPr lang="en-US" sz="2400" smtClean="0"/>
+              <a:rPr lang="en-US" sz="2400" dirty="0"/>
               <a:t>Making sure that products are easily maintainable and services are easily accessible</a:t>
             </a:r>
           </a:p>
@@ -16496,8 +16888,8 @@
           <a:lstStyle/>
           <a:p>
             <a:r>
-              <a:rPr lang="en-US" smtClean="0"/>
-              <a:t>PM Skills</a:t>
+              <a:rPr lang="en-US" dirty="0"/>
+              <a:t>2- PM Skills</a:t>
             </a:r>
           </a:p>
         </p:txBody>
@@ -16602,40 +16994,67 @@
           <a:bodyPr/>
           <a:lstStyle/>
           <a:p>
-            <a:r>
-              <a:rPr lang="en-US" sz="2400" smtClean="0"/>
-              <a:t>Select projects and set priorities</a:t>
-            </a:r>
-          </a:p>
-          <a:p>
-            <a:r>
-              <a:rPr lang="en-US" sz="2400" smtClean="0"/>
-              <a:t>Select a project manager and project team</a:t>
-            </a:r>
-          </a:p>
-          <a:p>
-            <a:r>
-              <a:rPr lang="en-US" sz="2400" smtClean="0"/>
-              <a:t>Write a project charter</a:t>
-            </a:r>
-          </a:p>
-          <a:p>
-            <a:r>
-              <a:rPr lang="en-US" sz="2400" smtClean="0"/>
-              <a:t>Gather requirements for a project</a:t>
-            </a:r>
-          </a:p>
-          <a:p>
-            <a:r>
-              <a:rPr lang="en-US" sz="2400" smtClean="0"/>
-              <a:t>Prepare and write a project scope</a:t>
-            </a:r>
-          </a:p>
-          <a:p>
-            <a:endParaRPr lang="en-US" sz="2400" smtClean="0"/>
-          </a:p>
-          <a:p>
-            <a:endParaRPr lang="en-US" sz="2400" smtClean="0"/>
+            <a:pPr marL="457200" indent="-457200">
+              <a:buFont typeface="+mj-lt"/>
+              <a:buAutoNum type="arabicPeriod"/>
+            </a:pPr>
+            <a:r>
+              <a:rPr lang="en-US" sz="2400" dirty="0"/>
+              <a:t>Select projects</a:t>
+            </a:r>
+          </a:p>
+          <a:p>
+            <a:pPr marL="457200" indent="-457200">
+              <a:buFont typeface="+mj-lt"/>
+              <a:buAutoNum type="arabicPeriod"/>
+            </a:pPr>
+            <a:r>
+              <a:rPr lang="en-US" sz="2400" dirty="0"/>
+              <a:t>Project Manager (PM) Selection </a:t>
+            </a:r>
+          </a:p>
+          <a:p>
+            <a:pPr marL="457200" indent="-457200">
+              <a:buFont typeface="+mj-lt"/>
+              <a:buAutoNum type="arabicPeriod"/>
+            </a:pPr>
+            <a:r>
+              <a:rPr lang="en-US" sz="2400" dirty="0"/>
+              <a:t>Project Team</a:t>
+            </a:r>
+          </a:p>
+          <a:p>
+            <a:pPr marL="457200" indent="-457200">
+              <a:buFont typeface="+mj-lt"/>
+              <a:buAutoNum type="arabicPeriod"/>
+            </a:pPr>
+            <a:r>
+              <a:rPr lang="en-US" sz="2400" dirty="0"/>
+              <a:t>Stakeholder analysis</a:t>
+            </a:r>
+          </a:p>
+          <a:p>
+            <a:pPr marL="457200" indent="-457200">
+              <a:buFont typeface="+mj-lt"/>
+              <a:buAutoNum type="arabicPeriod"/>
+            </a:pPr>
+            <a:r>
+              <a:rPr lang="en-US" sz="2400" dirty="0"/>
+              <a:t>Requirement Gathering</a:t>
+            </a:r>
+          </a:p>
+          <a:p>
+            <a:pPr marL="457200" indent="-457200">
+              <a:buFont typeface="+mj-lt"/>
+              <a:buAutoNum type="arabicPeriod"/>
+            </a:pPr>
+            <a:r>
+              <a:rPr lang="en-US" sz="2400" dirty="0"/>
+              <a:t>Project Scope</a:t>
+            </a:r>
+          </a:p>
+          <a:p>
+            <a:endParaRPr lang="en-US" sz="2400" dirty="0"/>
           </a:p>
         </p:txBody>
       </p:sp>
@@ -16660,7 +17079,7 @@
           <a:lstStyle/>
           <a:p>
             <a:r>
-              <a:rPr lang="en-US" smtClean="0"/>
+              <a:rPr lang="en-US"/>
               <a:t>Learning objectives</a:t>
             </a:r>
           </a:p>
@@ -16700,13 +17119,6 @@
   <p:clrMapOvr>
     <a:masterClrMapping/>
   </p:clrMapOvr>
-  <p:timing>
-    <p:tnLst>
-      <p:par>
-        <p:cTn id="1" dur="indefinite" restart="never" nodeType="tmRoot"/>
-      </p:par>
-    </p:tnLst>
-  </p:timing>
 </p:sld>
 </file>
 
@@ -16770,49 +17182,49 @@
           <a:lstStyle/>
           <a:p>
             <a:r>
-              <a:rPr lang="en-US" sz="2400" smtClean="0"/>
+              <a:rPr lang="en-US" sz="2400"/>
               <a:t>Ability to plan project activities effectively</a:t>
             </a:r>
           </a:p>
           <a:p>
             <a:r>
-              <a:rPr lang="en-US" sz="2400" smtClean="0"/>
+              <a:rPr lang="en-US" sz="2400"/>
               <a:t>Ability to schedule meetings, take copious notes, distribute meeting notes, and communicate effectively in meetings</a:t>
             </a:r>
           </a:p>
           <a:p>
             <a:r>
-              <a:rPr lang="en-US" sz="2400" smtClean="0"/>
+              <a:rPr lang="en-US" sz="2400"/>
               <a:t>Good people skills</a:t>
             </a:r>
           </a:p>
           <a:p>
             <a:r>
-              <a:rPr lang="en-US" sz="2400" smtClean="0"/>
+              <a:rPr lang="en-US" sz="2400"/>
               <a:t>Knows how to solve disputes</a:t>
             </a:r>
           </a:p>
           <a:p>
             <a:r>
-              <a:rPr lang="en-US" sz="2400" smtClean="0"/>
+              <a:rPr lang="en-US" sz="2400"/>
               <a:t>Knows how to deal with people from varied cultural and technology backgrounds</a:t>
             </a:r>
           </a:p>
           <a:p>
             <a:r>
-              <a:rPr lang="en-US" sz="2400" smtClean="0"/>
+              <a:rPr lang="en-US" sz="2400"/>
               <a:t>Knows how to motivate team members to achieve milestones</a:t>
             </a:r>
           </a:p>
           <a:p>
             <a:r>
-              <a:rPr lang="en-US" sz="2400" smtClean="0"/>
+              <a:rPr lang="en-US" sz="2400"/>
               <a:t>Ability to manage scope and ensure that the project scope does not grow beyond negotiated requirements</a:t>
             </a:r>
           </a:p>
           <a:p>
             <a:r>
-              <a:rPr lang="en-US" sz="2400" smtClean="0"/>
+              <a:rPr lang="en-US" sz="2400"/>
               <a:t>Great attitude and enthusiasm</a:t>
             </a:r>
           </a:p>
@@ -16839,8 +17251,8 @@
           <a:lstStyle/>
           <a:p>
             <a:r>
-              <a:rPr lang="en-US" smtClean="0"/>
-              <a:t>PM qualifications</a:t>
+              <a:rPr lang="en-US" dirty="0"/>
+              <a:t>2- PM qualifications</a:t>
             </a:r>
           </a:p>
         </p:txBody>
@@ -16946,43 +17358,43 @@
           <a:lstStyle/>
           <a:p>
             <a:r>
-              <a:rPr lang="en-US" sz="2400" smtClean="0"/>
+              <a:rPr lang="en-US" sz="2400"/>
               <a:t>Ability to manage change and exceptions in projects effectively</a:t>
             </a:r>
           </a:p>
           <a:p>
             <a:r>
-              <a:rPr lang="en-US" sz="2400" smtClean="0"/>
+              <a:rPr lang="en-US" sz="2400"/>
               <a:t>Ability to build teams</a:t>
             </a:r>
           </a:p>
           <a:p>
             <a:r>
-              <a:rPr lang="en-US" sz="2400" smtClean="0"/>
+              <a:rPr lang="en-US" sz="2400"/>
               <a:t>Ability to maintain stakeholder satisfaction, especially customer satisfaction</a:t>
             </a:r>
           </a:p>
           <a:p>
             <a:r>
-              <a:rPr lang="en-US" sz="2400" smtClean="0"/>
+              <a:rPr lang="en-US" sz="2400"/>
               <a:t>Ability to monitor and control all the six factors of success</a:t>
             </a:r>
           </a:p>
           <a:p>
             <a:r>
-              <a:rPr lang="en-US" sz="2400" smtClean="0"/>
+              <a:rPr lang="en-US" sz="2400"/>
               <a:t>Very familiar with financial and budgeting processes</a:t>
             </a:r>
           </a:p>
           <a:p>
             <a:r>
-              <a:rPr lang="en-US" sz="2400" smtClean="0"/>
+              <a:rPr lang="en-US" sz="2400"/>
               <a:t>Manages time well</a:t>
             </a:r>
           </a:p>
           <a:p>
             <a:r>
-              <a:rPr lang="en-US" sz="2400" smtClean="0"/>
+              <a:rPr lang="en-US" sz="2400"/>
               <a:t>Trained in project management principles</a:t>
             </a:r>
           </a:p>
@@ -17009,8 +17421,8 @@
           <a:lstStyle/>
           <a:p>
             <a:r>
-              <a:rPr lang="en-US" smtClean="0"/>
-              <a:t>PM qualifications</a:t>
+              <a:rPr lang="en-US" dirty="0"/>
+              <a:t>2- PM qualifications</a:t>
             </a:r>
           </a:p>
         </p:txBody>
@@ -17116,25 +17528,25 @@
           <a:lstStyle/>
           <a:p>
             <a:r>
-              <a:rPr lang="en-US" sz="2400" smtClean="0"/>
+              <a:rPr lang="en-US" sz="2400"/>
               <a:t>The size of a project team depends upon the size, the complexity, and the duration of a project.  </a:t>
             </a:r>
           </a:p>
           <a:p>
             <a:r>
-              <a:rPr lang="en-US" sz="2400" smtClean="0"/>
+              <a:rPr lang="en-US" sz="2400"/>
               <a:t>The scope of a project will determine the composition of the team. </a:t>
             </a:r>
           </a:p>
           <a:p>
             <a:r>
-              <a:rPr lang="en-US" sz="2400" smtClean="0"/>
+              <a:rPr lang="en-US" sz="2400"/>
               <a:t>Technology employed in projects also determines the project team member selection. </a:t>
             </a:r>
           </a:p>
           <a:p>
             <a:r>
-              <a:rPr lang="en-US" sz="2400" smtClean="0"/>
+              <a:rPr lang="en-US" sz="2400"/>
               <a:t>High visibility projects with big budgets may involve project managers with many dedicated team members from various functions. </a:t>
             </a:r>
           </a:p>
@@ -17161,8 +17573,8 @@
           <a:lstStyle/>
           <a:p>
             <a:r>
-              <a:rPr lang="en-US" smtClean="0"/>
-              <a:t>Project Team</a:t>
+              <a:rPr lang="en-US" dirty="0"/>
+              <a:t>3- Project Team</a:t>
             </a:r>
           </a:p>
         </p:txBody>
@@ -17268,7 +17680,7 @@
           <a:lstStyle/>
           <a:p>
             <a:r>
-              <a:rPr lang="en-US" sz="2400" smtClean="0"/>
+              <a:rPr lang="en-US" sz="2400"/>
               <a:t>These big projects have to be equipped with team members with technical, functional, administrative, business, and financial skills.</a:t>
             </a:r>
           </a:p>
@@ -17278,7 +17690,7 @@
               <a:buChar char="•"/>
             </a:pPr>
             <a:r>
-              <a:rPr lang="en-US" sz="2400" smtClean="0"/>
+              <a:rPr lang="en-US" sz="2400"/>
               <a:t>Functional skills include knowledge in various functions inside the organization as well as processes, practices, and procedures. </a:t>
             </a:r>
           </a:p>
@@ -17288,12 +17700,12 @@
               <a:buChar char="•"/>
             </a:pPr>
             <a:r>
-              <a:rPr lang="en-US" sz="2400" smtClean="0"/>
+              <a:rPr lang="en-US" sz="2400"/>
               <a:t>Business skills may include contract management, marketing skills, financial, cost accounting, and other skills that are needed to run the business portion of a project.</a:t>
             </a:r>
           </a:p>
           <a:p>
-            <a:endParaRPr lang="en-US" sz="2400" smtClean="0"/>
+            <a:endParaRPr lang="en-US" sz="2400"/>
           </a:p>
         </p:txBody>
       </p:sp>
@@ -17318,8 +17730,8 @@
           <a:lstStyle/>
           <a:p>
             <a:r>
-              <a:rPr lang="en-US" smtClean="0"/>
-              <a:t>Project Team</a:t>
+              <a:rPr lang="en-US" dirty="0"/>
+              <a:t>3- Project Team</a:t>
             </a:r>
           </a:p>
         </p:txBody>
@@ -17425,37 +17837,37 @@
           <a:lstStyle/>
           <a:p>
             <a:r>
-              <a:rPr lang="en-US" sz="2400" smtClean="0"/>
+              <a:rPr lang="en-US" sz="2400"/>
               <a:t>Stakeholder characteristics</a:t>
             </a:r>
           </a:p>
           <a:p>
             <a:r>
-              <a:rPr lang="en-US" sz="2400" smtClean="0"/>
+              <a:rPr lang="en-US" sz="2400"/>
               <a:t>The positions that may be taken by the stakeholders that includes whether they are for or against the project</a:t>
             </a:r>
           </a:p>
           <a:p>
             <a:r>
-              <a:rPr lang="en-US" sz="2400" smtClean="0"/>
+              <a:rPr lang="en-US" sz="2400"/>
               <a:t>Level of interest of the stakeholders in the specific project</a:t>
             </a:r>
           </a:p>
           <a:p>
             <a:r>
-              <a:rPr lang="en-US" sz="2400" smtClean="0"/>
+              <a:rPr lang="en-US" sz="2400"/>
               <a:t>Level of influence of the stakeholders in the organization</a:t>
             </a:r>
           </a:p>
           <a:p>
             <a:r>
-              <a:rPr lang="en-US" sz="2400" smtClean="0"/>
+              <a:rPr lang="en-US" sz="2400"/>
               <a:t>Association of the stakeholders with the members of upper management</a:t>
             </a:r>
           </a:p>
           <a:p>
             <a:r>
-              <a:rPr lang="en-US" sz="2400" smtClean="0"/>
+              <a:rPr lang="en-US" sz="2400"/>
               <a:t>Potential alliances of stakeholders with other stakeholders</a:t>
             </a:r>
           </a:p>
@@ -17482,8 +17894,8 @@
           <a:lstStyle/>
           <a:p>
             <a:r>
-              <a:rPr lang="en-US" smtClean="0"/>
-              <a:t>Stakeholder analysis</a:t>
+              <a:rPr lang="en-US" dirty="0"/>
+              <a:t>4- Stakeholder analysis</a:t>
             </a:r>
           </a:p>
         </p:txBody>
@@ -17589,25 +18001,25 @@
           <a:lstStyle/>
           <a:p>
             <a:r>
-              <a:rPr lang="en-US" sz="2400" smtClean="0"/>
+              <a:rPr lang="en-US" sz="2400" dirty="0"/>
               <a:t>Possible support by stakeholders for any changes in the project</a:t>
             </a:r>
           </a:p>
           <a:p>
             <a:r>
-              <a:rPr lang="en-US" sz="2400" smtClean="0"/>
+              <a:rPr lang="en-US" sz="2400" dirty="0"/>
               <a:t>Ability to affect the project policies through power and/or leadership</a:t>
             </a:r>
           </a:p>
           <a:p>
             <a:r>
-              <a:rPr lang="en-US" sz="2400" smtClean="0"/>
+              <a:rPr lang="en-US" sz="2400" dirty="0"/>
               <a:t>Ability to help the project team eliminate potential obstacles</a:t>
             </a:r>
           </a:p>
           <a:p>
             <a:r>
-              <a:rPr lang="en-US" sz="2400" smtClean="0"/>
+              <a:rPr lang="en-US" sz="2400" dirty="0"/>
               <a:t>Ability to help mitigate the project risks</a:t>
             </a:r>
           </a:p>
@@ -17634,8 +18046,8 @@
           <a:lstStyle/>
           <a:p>
             <a:r>
-              <a:rPr lang="en-US" smtClean="0"/>
-              <a:t>Stakeholder analysis</a:t>
+              <a:rPr lang="en-US" dirty="0"/>
+              <a:t>4- Stakeholder analysis</a:t>
             </a:r>
           </a:p>
         </p:txBody>
@@ -17741,8 +18153,8 @@
           <a:lstStyle/>
           <a:p>
             <a:r>
-              <a:rPr lang="en-US" smtClean="0"/>
-              <a:t>Stakeholder register</a:t>
+              <a:rPr lang="en-US" dirty="0"/>
+              <a:t>4- Stakeholder register</a:t>
             </a:r>
           </a:p>
         </p:txBody>
@@ -17799,11 +18211,41 @@
                 <a:tableStyleId>{5C22544A-7EE6-4342-B048-85BDC9FD1C3A}</a:tableStyleId>
               </a:tblPr>
               <a:tblGrid>
-                <a:gridCol w="731938"/>
-                <a:gridCol w="1707855"/>
-                <a:gridCol w="3786998"/>
-                <a:gridCol w="1121066"/>
-                <a:gridCol w="1045029"/>
+                <a:gridCol w="731938">
+                  <a:extLst>
+                    <a:ext uri="{9D8B030D-6E8A-4147-A177-3AD203B41FA5}">
+                      <a16:colId xmlns:a16="http://schemas.microsoft.com/office/drawing/2014/main" val="20000"/>
+                    </a:ext>
+                  </a:extLst>
+                </a:gridCol>
+                <a:gridCol w="1707855">
+                  <a:extLst>
+                    <a:ext uri="{9D8B030D-6E8A-4147-A177-3AD203B41FA5}">
+                      <a16:colId xmlns:a16="http://schemas.microsoft.com/office/drawing/2014/main" val="20001"/>
+                    </a:ext>
+                  </a:extLst>
+                </a:gridCol>
+                <a:gridCol w="3786998">
+                  <a:extLst>
+                    <a:ext uri="{9D8B030D-6E8A-4147-A177-3AD203B41FA5}">
+                      <a16:colId xmlns:a16="http://schemas.microsoft.com/office/drawing/2014/main" val="20002"/>
+                    </a:ext>
+                  </a:extLst>
+                </a:gridCol>
+                <a:gridCol w="1121066">
+                  <a:extLst>
+                    <a:ext uri="{9D8B030D-6E8A-4147-A177-3AD203B41FA5}">
+                      <a16:colId xmlns:a16="http://schemas.microsoft.com/office/drawing/2014/main" val="20003"/>
+                    </a:ext>
+                  </a:extLst>
+                </a:gridCol>
+                <a:gridCol w="1045029">
+                  <a:extLst>
+                    <a:ext uri="{9D8B030D-6E8A-4147-A177-3AD203B41FA5}">
+                      <a16:colId xmlns:a16="http://schemas.microsoft.com/office/drawing/2014/main" val="20004"/>
+                    </a:ext>
+                  </a:extLst>
+                </a:gridCol>
               </a:tblGrid>
               <a:tr h="875993">
                 <a:tc>
@@ -17820,7 +18262,7 @@
                         </a:spcAft>
                       </a:pPr>
                       <a:r>
-                        <a:rPr lang="en-US" sz="2000" dirty="0" smtClean="0">
+                        <a:rPr lang="en-US" sz="2000" dirty="0">
                           <a:effectLst/>
                         </a:rPr>
                         <a:t>ID</a:t>
@@ -17939,13 +18381,7 @@
                         <a:rPr lang="en-US" sz="2000" dirty="0">
                           <a:effectLst/>
                         </a:rPr>
-                        <a:t>Level of </a:t>
-                      </a:r>
-                      <a:r>
-                        <a:rPr lang="en-US" sz="2000" dirty="0" smtClean="0">
-                          <a:effectLst/>
-                        </a:rPr>
-                        <a:t>Interest</a:t>
+                        <a:t>Level of Interest</a:t>
                       </a:r>
                       <a:endParaRPr lang="en-US" sz="2000" dirty="0">
                         <a:effectLst/>
@@ -17957,6 +18393,11 @@
                   </a:txBody>
                   <a:tcPr marL="54750" marR="54750" marT="0" marB="0"/>
                 </a:tc>
+                <a:extLst>
+                  <a:ext uri="{0D108BD9-81ED-4DB2-BD59-A6C34878D82A}">
+                    <a16:rowId xmlns:a16="http://schemas.microsoft.com/office/drawing/2014/main" val="10000"/>
+                  </a:ext>
+                </a:extLst>
               </a:tr>
               <a:tr h="437996">
                 <a:tc>
@@ -18104,6 +18545,11 @@
                   </a:txBody>
                   <a:tcPr marL="54750" marR="54750" marT="0" marB="0"/>
                 </a:tc>
+                <a:extLst>
+                  <a:ext uri="{0D108BD9-81ED-4DB2-BD59-A6C34878D82A}">
+                    <a16:rowId xmlns:a16="http://schemas.microsoft.com/office/drawing/2014/main" val="10001"/>
+                  </a:ext>
+                </a:extLst>
               </a:tr>
               <a:tr h="437996">
                 <a:tc>
@@ -18251,6 +18697,11 @@
                   </a:txBody>
                   <a:tcPr marL="54750" marR="54750" marT="0" marB="0"/>
                 </a:tc>
+                <a:extLst>
+                  <a:ext uri="{0D108BD9-81ED-4DB2-BD59-A6C34878D82A}">
+                    <a16:rowId xmlns:a16="http://schemas.microsoft.com/office/drawing/2014/main" val="10002"/>
+                  </a:ext>
+                </a:extLst>
               </a:tr>
               <a:tr h="437996">
                 <a:tc>
@@ -18398,6 +18849,11 @@
                   </a:txBody>
                   <a:tcPr marL="54750" marR="54750" marT="0" marB="0"/>
                 </a:tc>
+                <a:extLst>
+                  <a:ext uri="{0D108BD9-81ED-4DB2-BD59-A6C34878D82A}">
+                    <a16:rowId xmlns:a16="http://schemas.microsoft.com/office/drawing/2014/main" val="10003"/>
+                  </a:ext>
+                </a:extLst>
               </a:tr>
             </a:tbl>
           </a:graphicData>
@@ -18471,8 +18927,8 @@
           <a:lstStyle/>
           <a:p>
             <a:r>
-              <a:rPr lang="en-US" smtClean="0"/>
-              <a:t>Stakeholder register</a:t>
+              <a:rPr lang="en-US" dirty="0"/>
+              <a:t>4- Stakeholder register</a:t>
             </a:r>
           </a:p>
         </p:txBody>
@@ -18529,11 +18985,41 @@
                 <a:tableStyleId>{5C22544A-7EE6-4342-B048-85BDC9FD1C3A}</a:tableStyleId>
               </a:tblPr>
               <a:tblGrid>
-                <a:gridCol w="712002"/>
-                <a:gridCol w="1661337"/>
-                <a:gridCol w="3706738"/>
-                <a:gridCol w="1105468"/>
-                <a:gridCol w="978739"/>
+                <a:gridCol w="712002">
+                  <a:extLst>
+                    <a:ext uri="{9D8B030D-6E8A-4147-A177-3AD203B41FA5}">
+                      <a16:colId xmlns:a16="http://schemas.microsoft.com/office/drawing/2014/main" val="20000"/>
+                    </a:ext>
+                  </a:extLst>
+                </a:gridCol>
+                <a:gridCol w="1661337">
+                  <a:extLst>
+                    <a:ext uri="{9D8B030D-6E8A-4147-A177-3AD203B41FA5}">
+                      <a16:colId xmlns:a16="http://schemas.microsoft.com/office/drawing/2014/main" val="20001"/>
+                    </a:ext>
+                  </a:extLst>
+                </a:gridCol>
+                <a:gridCol w="3706738">
+                  <a:extLst>
+                    <a:ext uri="{9D8B030D-6E8A-4147-A177-3AD203B41FA5}">
+                      <a16:colId xmlns:a16="http://schemas.microsoft.com/office/drawing/2014/main" val="20002"/>
+                    </a:ext>
+                  </a:extLst>
+                </a:gridCol>
+                <a:gridCol w="1105468">
+                  <a:extLst>
+                    <a:ext uri="{9D8B030D-6E8A-4147-A177-3AD203B41FA5}">
+                      <a16:colId xmlns:a16="http://schemas.microsoft.com/office/drawing/2014/main" val="20003"/>
+                    </a:ext>
+                  </a:extLst>
+                </a:gridCol>
+                <a:gridCol w="978739">
+                  <a:extLst>
+                    <a:ext uri="{9D8B030D-6E8A-4147-A177-3AD203B41FA5}">
+                      <a16:colId xmlns:a16="http://schemas.microsoft.com/office/drawing/2014/main" val="20004"/>
+                    </a:ext>
+                  </a:extLst>
+                </a:gridCol>
               </a:tblGrid>
               <a:tr h="875993">
                 <a:tc>
@@ -18550,7 +19036,7 @@
                         </a:spcAft>
                       </a:pPr>
                       <a:r>
-                        <a:rPr lang="en-US" sz="2000" dirty="0" smtClean="0">
+                        <a:rPr lang="en-US" sz="2000" dirty="0">
                           <a:effectLst/>
                         </a:rPr>
                         <a:t>ID</a:t>
@@ -18669,13 +19155,7 @@
                         <a:rPr lang="en-US" sz="2000" dirty="0">
                           <a:effectLst/>
                         </a:rPr>
-                        <a:t>Level of </a:t>
-                      </a:r>
-                      <a:r>
-                        <a:rPr lang="en-US" sz="2000" dirty="0" smtClean="0">
-                          <a:effectLst/>
-                        </a:rPr>
-                        <a:t>Interest</a:t>
+                        <a:t>Level of Interest</a:t>
                       </a:r>
                       <a:endParaRPr lang="en-US" sz="2000" dirty="0">
                         <a:effectLst/>
@@ -18687,6 +19167,11 @@
                   </a:txBody>
                   <a:tcPr marL="54750" marR="54750" marT="0" marB="0"/>
                 </a:tc>
+                <a:extLst>
+                  <a:ext uri="{0D108BD9-81ED-4DB2-BD59-A6C34878D82A}">
+                    <a16:rowId xmlns:a16="http://schemas.microsoft.com/office/drawing/2014/main" val="10000"/>
+                  </a:ext>
+                </a:extLst>
               </a:tr>
               <a:tr h="291998">
                 <a:tc>
@@ -18834,6 +19319,11 @@
                   </a:txBody>
                   <a:tcPr marL="54750" marR="54750" marT="0" marB="0"/>
                 </a:tc>
+                <a:extLst>
+                  <a:ext uri="{0D108BD9-81ED-4DB2-BD59-A6C34878D82A}">
+                    <a16:rowId xmlns:a16="http://schemas.microsoft.com/office/drawing/2014/main" val="10001"/>
+                  </a:ext>
+                </a:extLst>
               </a:tr>
               <a:tr h="145999">
                 <a:tc>
@@ -18981,6 +19471,11 @@
                   </a:txBody>
                   <a:tcPr marL="54750" marR="54750" marT="0" marB="0"/>
                 </a:tc>
+                <a:extLst>
+                  <a:ext uri="{0D108BD9-81ED-4DB2-BD59-A6C34878D82A}">
+                    <a16:rowId xmlns:a16="http://schemas.microsoft.com/office/drawing/2014/main" val="10002"/>
+                  </a:ext>
+                </a:extLst>
               </a:tr>
               <a:tr h="291998">
                 <a:tc>
@@ -19128,6 +19623,11 @@
                   </a:txBody>
                   <a:tcPr marL="54750" marR="54750" marT="0" marB="0"/>
                 </a:tc>
+                <a:extLst>
+                  <a:ext uri="{0D108BD9-81ED-4DB2-BD59-A6C34878D82A}">
+                    <a16:rowId xmlns:a16="http://schemas.microsoft.com/office/drawing/2014/main" val="10003"/>
+                  </a:ext>
+                </a:extLst>
               </a:tr>
               <a:tr h="291998">
                 <a:tc>
@@ -19275,6 +19775,11 @@
                   </a:txBody>
                   <a:tcPr marL="54750" marR="54750" marT="0" marB="0"/>
                 </a:tc>
+                <a:extLst>
+                  <a:ext uri="{0D108BD9-81ED-4DB2-BD59-A6C34878D82A}">
+                    <a16:rowId xmlns:a16="http://schemas.microsoft.com/office/drawing/2014/main" val="10004"/>
+                  </a:ext>
+                </a:extLst>
               </a:tr>
               <a:tr h="437996">
                 <a:tc>
@@ -19422,6 +19927,11 @@
                   </a:txBody>
                   <a:tcPr marL="54750" marR="54750" marT="0" marB="0"/>
                 </a:tc>
+                <a:extLst>
+                  <a:ext uri="{0D108BD9-81ED-4DB2-BD59-A6C34878D82A}">
+                    <a16:rowId xmlns:a16="http://schemas.microsoft.com/office/drawing/2014/main" val="10005"/>
+                  </a:ext>
+                </a:extLst>
               </a:tr>
             </a:tbl>
           </a:graphicData>
@@ -19495,8 +20005,8 @@
           <a:lstStyle/>
           <a:p>
             <a:r>
-              <a:rPr lang="en-US" smtClean="0"/>
-              <a:t>Stakeholder register</a:t>
+              <a:rPr lang="en-US" dirty="0"/>
+              <a:t>4- Stakeholder register</a:t>
             </a:r>
           </a:p>
         </p:txBody>
@@ -19553,11 +20063,41 @@
                 <a:tableStyleId>{5C22544A-7EE6-4342-B048-85BDC9FD1C3A}</a:tableStyleId>
               </a:tblPr>
               <a:tblGrid>
-                <a:gridCol w="712002"/>
-                <a:gridCol w="1661337"/>
-                <a:gridCol w="3624851"/>
-                <a:gridCol w="1160060"/>
-                <a:gridCol w="1006034"/>
+                <a:gridCol w="712002">
+                  <a:extLst>
+                    <a:ext uri="{9D8B030D-6E8A-4147-A177-3AD203B41FA5}">
+                      <a16:colId xmlns:a16="http://schemas.microsoft.com/office/drawing/2014/main" val="20000"/>
+                    </a:ext>
+                  </a:extLst>
+                </a:gridCol>
+                <a:gridCol w="1661337">
+                  <a:extLst>
+                    <a:ext uri="{9D8B030D-6E8A-4147-A177-3AD203B41FA5}">
+                      <a16:colId xmlns:a16="http://schemas.microsoft.com/office/drawing/2014/main" val="20001"/>
+                    </a:ext>
+                  </a:extLst>
+                </a:gridCol>
+                <a:gridCol w="3624851">
+                  <a:extLst>
+                    <a:ext uri="{9D8B030D-6E8A-4147-A177-3AD203B41FA5}">
+                      <a16:colId xmlns:a16="http://schemas.microsoft.com/office/drawing/2014/main" val="20002"/>
+                    </a:ext>
+                  </a:extLst>
+                </a:gridCol>
+                <a:gridCol w="1160060">
+                  <a:extLst>
+                    <a:ext uri="{9D8B030D-6E8A-4147-A177-3AD203B41FA5}">
+                      <a16:colId xmlns:a16="http://schemas.microsoft.com/office/drawing/2014/main" val="20003"/>
+                    </a:ext>
+                  </a:extLst>
+                </a:gridCol>
+                <a:gridCol w="1006034">
+                  <a:extLst>
+                    <a:ext uri="{9D8B030D-6E8A-4147-A177-3AD203B41FA5}">
+                      <a16:colId xmlns:a16="http://schemas.microsoft.com/office/drawing/2014/main" val="20004"/>
+                    </a:ext>
+                  </a:extLst>
+                </a:gridCol>
               </a:tblGrid>
               <a:tr h="875993">
                 <a:tc>
@@ -19574,7 +20114,7 @@
                         </a:spcAft>
                       </a:pPr>
                       <a:r>
-                        <a:rPr lang="en-US" sz="2000" dirty="0" smtClean="0">
+                        <a:rPr lang="en-US" sz="2000" dirty="0">
                           <a:effectLst/>
                         </a:rPr>
                         <a:t>ID</a:t>
@@ -19693,13 +20233,7 @@
                         <a:rPr lang="en-US" sz="2000" dirty="0">
                           <a:effectLst/>
                         </a:rPr>
-                        <a:t>Level of </a:t>
-                      </a:r>
-                      <a:r>
-                        <a:rPr lang="en-US" sz="2000" dirty="0" smtClean="0">
-                          <a:effectLst/>
-                        </a:rPr>
-                        <a:t>Interest</a:t>
+                        <a:t>Level of Interest</a:t>
                       </a:r>
                       <a:endParaRPr lang="en-US" sz="2000" dirty="0">
                         <a:effectLst/>
@@ -19711,6 +20245,11 @@
                   </a:txBody>
                   <a:tcPr marL="54750" marR="54750" marT="0" marB="0"/>
                 </a:tc>
+                <a:extLst>
+                  <a:ext uri="{0D108BD9-81ED-4DB2-BD59-A6C34878D82A}">
+                    <a16:rowId xmlns:a16="http://schemas.microsoft.com/office/drawing/2014/main" val="10000"/>
+                  </a:ext>
+                </a:extLst>
               </a:tr>
               <a:tr h="437996">
                 <a:tc>
@@ -19858,6 +20397,11 @@
                   </a:txBody>
                   <a:tcPr marL="54750" marR="54750" marT="0" marB="0"/>
                 </a:tc>
+                <a:extLst>
+                  <a:ext uri="{0D108BD9-81ED-4DB2-BD59-A6C34878D82A}">
+                    <a16:rowId xmlns:a16="http://schemas.microsoft.com/office/drawing/2014/main" val="10001"/>
+                  </a:ext>
+                </a:extLst>
               </a:tr>
               <a:tr h="291998">
                 <a:tc>
@@ -19990,7 +20534,7 @@
                         </a:spcAft>
                       </a:pPr>
                       <a:r>
-                        <a:rPr lang="en-US" sz="2000" dirty="0" smtClean="0">
+                        <a:rPr lang="en-US" sz="2000" dirty="0">
                           <a:effectLst/>
                         </a:rPr>
                         <a:t>Low</a:t>
@@ -20005,6 +20549,11 @@
                   </a:txBody>
                   <a:tcPr marL="54750" marR="54750" marT="0" marB="0"/>
                 </a:tc>
+                <a:extLst>
+                  <a:ext uri="{0D108BD9-81ED-4DB2-BD59-A6C34878D82A}">
+                    <a16:rowId xmlns:a16="http://schemas.microsoft.com/office/drawing/2014/main" val="10002"/>
+                  </a:ext>
+                </a:extLst>
               </a:tr>
             </a:tbl>
           </a:graphicData>
@@ -20078,13 +20627,13 @@
           <a:lstStyle/>
           <a:p>
             <a:r>
-              <a:rPr lang="en-US" sz="2400" smtClean="0"/>
+              <a:rPr lang="en-US" sz="2400" dirty="0"/>
               <a:t>A requirement is a capability of a system, product, or service to include the quantified and documented needs and expectations of the sponsor, customer, and other stakeholders</a:t>
             </a:r>
           </a:p>
           <a:p>
             <a:r>
-              <a:rPr lang="en-US" sz="2400" smtClean="0"/>
+              <a:rPr lang="en-US" sz="2400" dirty="0"/>
               <a:t>Tools used:</a:t>
             </a:r>
           </a:p>
@@ -20094,7 +20643,7 @@
               <a:buChar char="•"/>
             </a:pPr>
             <a:r>
-              <a:rPr lang="en-US" sz="2400" smtClean="0"/>
+              <a:rPr lang="en-US" sz="2400" dirty="0"/>
               <a:t>Brainstorming</a:t>
             </a:r>
           </a:p>
@@ -20104,7 +20653,7 @@
               <a:buChar char="•"/>
             </a:pPr>
             <a:r>
-              <a:rPr lang="en-US" sz="2400" smtClean="0"/>
+              <a:rPr lang="en-US" sz="2400" dirty="0"/>
               <a:t>Delphi technique</a:t>
             </a:r>
           </a:p>
@@ -20114,7 +20663,7 @@
               <a:buChar char="•"/>
             </a:pPr>
             <a:r>
-              <a:rPr lang="en-US" sz="2400" smtClean="0"/>
+              <a:rPr lang="en-US" sz="2400" dirty="0"/>
               <a:t>Mind mapping</a:t>
             </a:r>
           </a:p>
@@ -20124,8 +20673,12 @@
               <a:buChar char="•"/>
             </a:pPr>
             <a:r>
-              <a:rPr lang="en-US" sz="2400" smtClean="0"/>
-              <a:t>Affinity Diagrams</a:t>
+              <a:rPr lang="en-US" sz="2400"/>
+              <a:t>Interviews</a:t>
+            </a:r>
+            <a:r>
+              <a:rPr lang="en-US" sz="2400" dirty="0"/>
+              <a:t>, Focus Groups</a:t>
             </a:r>
           </a:p>
           <a:p>
@@ -20134,22 +20687,12 @@
               <a:buChar char="•"/>
             </a:pPr>
             <a:r>
-              <a:rPr lang="en-US" sz="2400" smtClean="0"/>
-              <a:t>Interviews, Focus Groups</a:t>
-            </a:r>
-          </a:p>
-          <a:p>
-            <a:pPr lvl="1">
-              <a:buFont typeface="Arial" charset="0"/>
-              <a:buChar char="•"/>
-            </a:pPr>
-            <a:r>
-              <a:rPr lang="en-US" sz="2400" smtClean="0"/>
+              <a:rPr lang="en-US" sz="2400" dirty="0"/>
               <a:t>Facilitated workshops, and Nominal Grouping Technique</a:t>
             </a:r>
           </a:p>
           <a:p>
-            <a:endParaRPr lang="en-US" sz="2400" smtClean="0"/>
+            <a:endParaRPr lang="en-US" sz="2400" dirty="0"/>
           </a:p>
         </p:txBody>
       </p:sp>
@@ -20174,8 +20717,8 @@
           <a:lstStyle/>
           <a:p>
             <a:r>
-              <a:rPr lang="en-US" smtClean="0"/>
-              <a:t>Requirements gathering</a:t>
+              <a:rPr lang="en-US" dirty="0"/>
+              <a:t>5- Requirements gathering</a:t>
             </a:r>
           </a:p>
         </p:txBody>
@@ -20393,23 +20936,23 @@
           <a:lstStyle/>
           <a:p>
             <a:r>
-              <a:rPr lang="en-US" sz="2400" smtClean="0"/>
+              <a:rPr lang="en-US" sz="2400"/>
               <a:t>Joint Application Design/Development (JAD) is a process used in prototyping to collect requirements while developing new information systems</a:t>
             </a:r>
             <a:r>
-              <a:rPr lang="en-US" sz="2400" b="1" smtClean="0"/>
+              <a:rPr lang="en-US" sz="2400" b="1"/>
               <a:t>.</a:t>
             </a:r>
           </a:p>
           <a:p>
             <a:r>
-              <a:rPr lang="en-US" sz="2400" smtClean="0"/>
+              <a:rPr lang="en-US" sz="2400"/>
               <a:t>Joint Requirements Planning (JRP) is a structured group meeting of stakeholders to gather requirements by actively involving the stakeholders to replace individual interviews.</a:t>
             </a:r>
           </a:p>
           <a:p>
             <a:r>
-              <a:rPr lang="en-US" sz="2400" smtClean="0"/>
+              <a:rPr lang="en-US" sz="2400"/>
               <a:t>Document analysis is a technique used in creating requirements from “as-is” process documents. </a:t>
             </a:r>
           </a:p>
@@ -20436,8 +20979,8 @@
           <a:lstStyle/>
           <a:p>
             <a:r>
-              <a:rPr lang="en-US" smtClean="0"/>
-              <a:t>Requirements gathering</a:t>
+              <a:rPr lang="en-US" dirty="0"/>
+              <a:t>5- Requirements gathering</a:t>
             </a:r>
           </a:p>
         </p:txBody>
@@ -20543,19 +21086,19 @@
           <a:lstStyle/>
           <a:p>
             <a:r>
-              <a:rPr lang="en-US" sz="2400" smtClean="0"/>
+              <a:rPr lang="en-US" sz="2400"/>
               <a:t>A use case is a technique used in software projects to document the potential requirements of a new system or software by conveying how the system should interact with the end user or another system to achieve a specific business goal graphically.</a:t>
             </a:r>
           </a:p>
           <a:p>
             <a:r>
-              <a:rPr lang="en-US" sz="2400" smtClean="0"/>
+              <a:rPr lang="en-US" sz="2400"/>
               <a:t>Interface analysis reviews various points where two or more systems interact with each other.</a:t>
             </a:r>
           </a:p>
           <a:p>
             <a:r>
-              <a:rPr lang="en-US" sz="2400" smtClean="0"/>
+              <a:rPr lang="en-US" sz="2400"/>
               <a:t>A prototype is a sample or a model built usually to test a concept, a process, a system, or a product.</a:t>
             </a:r>
           </a:p>
@@ -20582,8 +21125,8 @@
           <a:lstStyle/>
           <a:p>
             <a:r>
-              <a:rPr lang="en-US" smtClean="0"/>
-              <a:t>Requirements gathering</a:t>
+              <a:rPr lang="en-US" dirty="0"/>
+              <a:t>5- Requirements gathering</a:t>
             </a:r>
           </a:p>
         </p:txBody>
@@ -20689,12 +21232,12 @@
           <a:lstStyle/>
           <a:p>
             <a:r>
-              <a:rPr lang="en-US" sz="2400" smtClean="0"/>
+              <a:rPr lang="en-US" sz="2400" dirty="0"/>
               <a:t>The Requirements Traceability Matrix is a table captured to map all the requirements of all stakeholders in order to track them until the project is complete.</a:t>
             </a:r>
           </a:p>
           <a:p>
-            <a:endParaRPr lang="en-US" sz="2400" smtClean="0"/>
+            <a:endParaRPr lang="en-US" sz="2400" dirty="0"/>
           </a:p>
         </p:txBody>
       </p:sp>
@@ -20719,8 +21262,8 @@
           <a:lstStyle/>
           <a:p>
             <a:r>
-              <a:rPr lang="en-US" smtClean="0"/>
-              <a:t>Requirements gathering</a:t>
+              <a:rPr lang="en-US" dirty="0"/>
+              <a:t>5- Requirements gathering</a:t>
             </a:r>
           </a:p>
         </p:txBody>
@@ -20826,52 +21369,52 @@
           <a:lstStyle/>
           <a:p>
             <a:r>
-              <a:rPr lang="en-US" sz="2400" smtClean="0"/>
+              <a:rPr lang="en-US" sz="2400"/>
               <a:t>How much can be achieved in the current project?</a:t>
             </a:r>
           </a:p>
           <a:p>
             <a:r>
-              <a:rPr lang="en-US" sz="2400" smtClean="0"/>
+              <a:rPr lang="en-US" sz="2400"/>
               <a:t>When must the project be completed?</a:t>
             </a:r>
           </a:p>
           <a:p>
             <a:r>
-              <a:rPr lang="en-US" sz="2400" smtClean="0"/>
+              <a:rPr lang="en-US" sz="2400"/>
               <a:t>When and for how long will resources (people, facilities, equipment, etc.) be available?</a:t>
             </a:r>
           </a:p>
           <a:p>
             <a:r>
-              <a:rPr lang="en-US" sz="2400" smtClean="0"/>
+              <a:rPr lang="en-US" sz="2400"/>
               <a:t>Project scope description</a:t>
             </a:r>
           </a:p>
           <a:p>
             <a:r>
-              <a:rPr lang="en-US" sz="2400" smtClean="0"/>
+              <a:rPr lang="en-US" sz="2400"/>
               <a:t>Project acceptance criteria</a:t>
             </a:r>
           </a:p>
           <a:p>
             <a:r>
-              <a:rPr lang="en-US" sz="2400" smtClean="0"/>
+              <a:rPr lang="en-US" sz="2400"/>
               <a:t>Project deliverables</a:t>
             </a:r>
           </a:p>
           <a:p>
             <a:r>
-              <a:rPr lang="en-US" sz="2400" smtClean="0"/>
+              <a:rPr lang="en-US" sz="2400"/>
               <a:t>Project exclusions and constraints</a:t>
             </a:r>
           </a:p>
           <a:p>
             <a:r>
-              <a:rPr lang="en-US" sz="2400" smtClean="0"/>
+              <a:rPr lang="en-US" sz="2400"/>
               <a:t>Project assumptions</a:t>
             </a:r>
-            <a:endParaRPr lang="en-US" sz="2400" b="1" smtClean="0"/>
+            <a:endParaRPr lang="en-US" sz="2400" b="1"/>
           </a:p>
         </p:txBody>
       </p:sp>
@@ -20896,8 +21439,8 @@
           <a:lstStyle/>
           <a:p>
             <a:r>
-              <a:rPr lang="en-US" smtClean="0"/>
-              <a:t>Project Scope</a:t>
+              <a:rPr lang="en-US" dirty="0"/>
+              <a:t>6- Project Scope</a:t>
             </a:r>
           </a:p>
         </p:txBody>
@@ -21059,19 +21602,19 @@
           <a:lstStyle/>
           <a:p>
             <a:r>
-              <a:rPr lang="en-US" sz="2400" smtClean="0"/>
+              <a:rPr lang="en-US" sz="2400"/>
               <a:t>Project initiation focuses on project selection and creation of project charters for selected projects. </a:t>
             </a:r>
           </a:p>
           <a:p>
             <a:r>
-              <a:rPr lang="en-US" sz="2400" smtClean="0"/>
+              <a:rPr lang="en-US" sz="2400"/>
               <a:t>Organizations usually prepare project proposals as the first means of starting a project. The proposal serves as an initial understanding document when selecting projects. These proposals will have a Statement of Work (SOW), the perceived benefits by year, estimated budgets needed by year, a high-level schedule request, and general information on the project being proposed. </a:t>
             </a:r>
           </a:p>
           <a:p>
             <a:r>
-              <a:rPr lang="en-US" sz="2400" smtClean="0"/>
+              <a:rPr lang="en-US" sz="2400"/>
               <a:t>Although every project begins with a proposal, not every proposal can, should, or does become a project. Due to limited resources, choices in projects have to be made. </a:t>
             </a:r>
           </a:p>
@@ -21098,7 +21641,7 @@
           <a:lstStyle/>
           <a:p>
             <a:r>
-              <a:rPr lang="en-US" smtClean="0"/>
+              <a:rPr lang="en-US"/>
               <a:t>Summary</a:t>
             </a:r>
           </a:p>
@@ -21132,739 +21675,6 @@
                 <a:defRPr/>
               </a:pPr>
               <a:t>34</a:t>
-            </a:fld>
-            <a:endParaRPr lang="en-US"/>
-          </a:p>
-        </p:txBody>
-      </p:sp>
-    </p:spTree>
-  </p:cSld>
-  <p:clrMapOvr>
-    <a:masterClrMapping/>
-  </p:clrMapOvr>
-</p:sld>
-</file>
-
-<file path=ppt/slides/slide35.xml><?xml version="1.0" encoding="utf-8"?>
-<p:sld xmlns:a="http://schemas.openxmlformats.org/drawingml/2006/main" xmlns:r="http://schemas.openxmlformats.org/officeDocument/2006/relationships" xmlns:p="http://schemas.openxmlformats.org/presentationml/2006/main">
-  <p:cSld>
-    <p:spTree>
-      <p:nvGrpSpPr>
-        <p:cNvPr id="1" name=""/>
-        <p:cNvGrpSpPr/>
-        <p:nvPr/>
-      </p:nvGrpSpPr>
-      <p:grpSpPr>
-        <a:xfrm>
-          <a:off x="0" y="0"/>
-          <a:ext cx="0" cy="0"/>
-          <a:chOff x="0" y="0"/>
-          <a:chExt cx="0" cy="0"/>
-        </a:xfrm>
-      </p:grpSpPr>
-      <p:sp>
-        <p:nvSpPr>
-          <p:cNvPr id="5" name="Footer Placeholder 4"/>
-          <p:cNvSpPr>
-            <a:spLocks noGrp="1"/>
-          </p:cNvSpPr>
-          <p:nvPr>
-            <p:ph type="ftr" sz="quarter" idx="15"/>
-          </p:nvPr>
-        </p:nvSpPr>
-        <p:spPr/>
-        <p:txBody>
-          <a:bodyPr/>
-          <a:lstStyle/>
-          <a:p>
-            <a:r>
-              <a:rPr lang="en-US"/>
-              <a:t>Copyright © 2013 Pearson Education, Inc. Publishing as Prentice Hall</a:t>
-            </a:r>
-          </a:p>
-        </p:txBody>
-      </p:sp>
-      <p:sp>
-        <p:nvSpPr>
-          <p:cNvPr id="101377" name="Content Placeholder 1"/>
-          <p:cNvSpPr>
-            <a:spLocks noGrp="1"/>
-          </p:cNvSpPr>
-          <p:nvPr>
-            <p:ph idx="1"/>
-          </p:nvPr>
-        </p:nvSpPr>
-        <p:spPr>
-          <a:xfrm>
-            <a:off x="685800" y="1600200"/>
-            <a:ext cx="8001000" cy="4525963"/>
-          </a:xfrm>
-        </p:spPr>
-        <p:txBody>
-          <a:bodyPr/>
-          <a:lstStyle/>
-          <a:p>
-            <a:r>
-              <a:rPr lang="en-US" sz="2400" smtClean="0"/>
-              <a:t>The goal of the project selection process is to analyze project viability, approve or reject project proposals based on established criteria, and follow a set of structured steps and checkpoints. </a:t>
-            </a:r>
-          </a:p>
-          <a:p>
-            <a:r>
-              <a:rPr lang="en-US" sz="2400" smtClean="0"/>
-              <a:t>For selection purposes, projects can be categorized as compliance, emergency, mission critical, operational, and strategy. </a:t>
-            </a:r>
-          </a:p>
-          <a:p>
-            <a:r>
-              <a:rPr lang="en-US" sz="2400" smtClean="0"/>
-              <a:t>Organizations usually use models and choose potential projects by relying on both qualitative and quantitative means. </a:t>
-            </a:r>
-          </a:p>
-        </p:txBody>
-      </p:sp>
-      <p:sp>
-        <p:nvSpPr>
-          <p:cNvPr id="101378" name="Text Placeholder 2"/>
-          <p:cNvSpPr>
-            <a:spLocks noGrp="1"/>
-          </p:cNvSpPr>
-          <p:nvPr>
-            <p:ph type="body" sz="quarter" idx="13"/>
-          </p:nvPr>
-        </p:nvSpPr>
-        <p:spPr>
-          <a:xfrm>
-            <a:off x="1316038" y="1071563"/>
-            <a:ext cx="3925887" cy="339725"/>
-          </a:xfrm>
-        </p:spPr>
-        <p:txBody>
-          <a:bodyPr/>
-          <a:lstStyle/>
-          <a:p>
-            <a:r>
-              <a:rPr lang="en-US" smtClean="0"/>
-              <a:t>Summary</a:t>
-            </a:r>
-          </a:p>
-        </p:txBody>
-      </p:sp>
-      <p:sp>
-        <p:nvSpPr>
-          <p:cNvPr id="8" name="Slide Number Placeholder 7"/>
-          <p:cNvSpPr>
-            <a:spLocks noGrp="1"/>
-          </p:cNvSpPr>
-          <p:nvPr>
-            <p:ph type="sldNum" sz="quarter" idx="16"/>
-          </p:nvPr>
-        </p:nvSpPr>
-        <p:spPr/>
-        <p:txBody>
-          <a:bodyPr/>
-          <a:lstStyle/>
-          <a:p>
-            <a:pPr>
-              <a:defRPr/>
-            </a:pPr>
-            <a:r>
-              <a:rPr lang="en-US"/>
-              <a:t>4-</a:t>
-            </a:r>
-            <a:fld id="{5B66D024-D9FB-46D7-BFB0-E10400D87ED5}" type="slidenum">
-              <a:rPr lang="en-US"/>
-              <a:pPr>
-                <a:defRPr/>
-              </a:pPr>
-              <a:t>35</a:t>
-            </a:fld>
-            <a:endParaRPr lang="en-US"/>
-          </a:p>
-        </p:txBody>
-      </p:sp>
-    </p:spTree>
-  </p:cSld>
-  <p:clrMapOvr>
-    <a:masterClrMapping/>
-  </p:clrMapOvr>
-</p:sld>
-</file>
-
-<file path=ppt/slides/slide36.xml><?xml version="1.0" encoding="utf-8"?>
-<p:sld xmlns:a="http://schemas.openxmlformats.org/drawingml/2006/main" xmlns:r="http://schemas.openxmlformats.org/officeDocument/2006/relationships" xmlns:p="http://schemas.openxmlformats.org/presentationml/2006/main">
-  <p:cSld>
-    <p:spTree>
-      <p:nvGrpSpPr>
-        <p:cNvPr id="1" name=""/>
-        <p:cNvGrpSpPr/>
-        <p:nvPr/>
-      </p:nvGrpSpPr>
-      <p:grpSpPr>
-        <a:xfrm>
-          <a:off x="0" y="0"/>
-          <a:ext cx="0" cy="0"/>
-          <a:chOff x="0" y="0"/>
-          <a:chExt cx="0" cy="0"/>
-        </a:xfrm>
-      </p:grpSpPr>
-      <p:sp>
-        <p:nvSpPr>
-          <p:cNvPr id="5" name="Footer Placeholder 4"/>
-          <p:cNvSpPr>
-            <a:spLocks noGrp="1"/>
-          </p:cNvSpPr>
-          <p:nvPr>
-            <p:ph type="ftr" sz="quarter" idx="15"/>
-          </p:nvPr>
-        </p:nvSpPr>
-        <p:spPr/>
-        <p:txBody>
-          <a:bodyPr/>
-          <a:lstStyle/>
-          <a:p>
-            <a:r>
-              <a:rPr lang="en-US"/>
-              <a:t>Copyright © 2013 Pearson Education, Inc. Publishing as Prentice Hall</a:t>
-            </a:r>
-          </a:p>
-        </p:txBody>
-      </p:sp>
-      <p:sp>
-        <p:nvSpPr>
-          <p:cNvPr id="102401" name="Content Placeholder 1"/>
-          <p:cNvSpPr>
-            <a:spLocks noGrp="1"/>
-          </p:cNvSpPr>
-          <p:nvPr>
-            <p:ph idx="1"/>
-          </p:nvPr>
-        </p:nvSpPr>
-        <p:spPr>
-          <a:xfrm>
-            <a:off x="685800" y="1600200"/>
-            <a:ext cx="8001000" cy="4525963"/>
-          </a:xfrm>
-        </p:spPr>
-        <p:txBody>
-          <a:bodyPr/>
-          <a:lstStyle/>
-          <a:p>
-            <a:r>
-              <a:rPr lang="en-US" sz="2400" smtClean="0"/>
-              <a:t>Three models for project selection and prioritization are presented including:</a:t>
-            </a:r>
-          </a:p>
-          <a:p>
-            <a:pPr lvl="1">
-              <a:buFont typeface="Arial" charset="0"/>
-              <a:buChar char="•"/>
-            </a:pPr>
-            <a:r>
-              <a:rPr lang="en-US" sz="2400" smtClean="0"/>
-              <a:t>Net Present Value, Return on Investment, Internal Rate of Return, and payback analysis to select projects based on value;</a:t>
-            </a:r>
-          </a:p>
-          <a:p>
-            <a:pPr lvl="1">
-              <a:buFont typeface="Arial" charset="0"/>
-              <a:buChar char="•"/>
-            </a:pPr>
-            <a:r>
-              <a:rPr lang="en-US" sz="2400" smtClean="0"/>
-              <a:t>Decision tree analysis to select projects based on estimated value; and</a:t>
-            </a:r>
-          </a:p>
-          <a:p>
-            <a:pPr lvl="1">
-              <a:buFont typeface="Arial" charset="0"/>
-              <a:buChar char="•"/>
-            </a:pPr>
-            <a:r>
-              <a:rPr lang="en-US" sz="2400" smtClean="0"/>
-              <a:t>Scorecard analysis to select and prioritize values based on qualitative criteria.</a:t>
-            </a:r>
-          </a:p>
-        </p:txBody>
-      </p:sp>
-      <p:sp>
-        <p:nvSpPr>
-          <p:cNvPr id="102402" name="Text Placeholder 2"/>
-          <p:cNvSpPr>
-            <a:spLocks noGrp="1"/>
-          </p:cNvSpPr>
-          <p:nvPr>
-            <p:ph type="body" sz="quarter" idx="13"/>
-          </p:nvPr>
-        </p:nvSpPr>
-        <p:spPr>
-          <a:xfrm>
-            <a:off x="1316038" y="1071563"/>
-            <a:ext cx="3925887" cy="339725"/>
-          </a:xfrm>
-        </p:spPr>
-        <p:txBody>
-          <a:bodyPr/>
-          <a:lstStyle/>
-          <a:p>
-            <a:r>
-              <a:rPr lang="en-US" smtClean="0"/>
-              <a:t>Summary</a:t>
-            </a:r>
-          </a:p>
-        </p:txBody>
-      </p:sp>
-      <p:sp>
-        <p:nvSpPr>
-          <p:cNvPr id="8" name="Slide Number Placeholder 7"/>
-          <p:cNvSpPr>
-            <a:spLocks noGrp="1"/>
-          </p:cNvSpPr>
-          <p:nvPr>
-            <p:ph type="sldNum" sz="quarter" idx="16"/>
-          </p:nvPr>
-        </p:nvSpPr>
-        <p:spPr/>
-        <p:txBody>
-          <a:bodyPr/>
-          <a:lstStyle/>
-          <a:p>
-            <a:pPr>
-              <a:defRPr/>
-            </a:pPr>
-            <a:r>
-              <a:rPr lang="en-US"/>
-              <a:t>4-</a:t>
-            </a:r>
-            <a:fld id="{767D68C5-9B4B-4B23-A008-57DDF56382F5}" type="slidenum">
-              <a:rPr lang="en-US"/>
-              <a:pPr>
-                <a:defRPr/>
-              </a:pPr>
-              <a:t>36</a:t>
-            </a:fld>
-            <a:endParaRPr lang="en-US"/>
-          </a:p>
-        </p:txBody>
-      </p:sp>
-    </p:spTree>
-  </p:cSld>
-  <p:clrMapOvr>
-    <a:masterClrMapping/>
-  </p:clrMapOvr>
-</p:sld>
-</file>
-
-<file path=ppt/slides/slide37.xml><?xml version="1.0" encoding="utf-8"?>
-<p:sld xmlns:a="http://schemas.openxmlformats.org/drawingml/2006/main" xmlns:r="http://schemas.openxmlformats.org/officeDocument/2006/relationships" xmlns:p="http://schemas.openxmlformats.org/presentationml/2006/main">
-  <p:cSld>
-    <p:spTree>
-      <p:nvGrpSpPr>
-        <p:cNvPr id="1" name=""/>
-        <p:cNvGrpSpPr/>
-        <p:nvPr/>
-      </p:nvGrpSpPr>
-      <p:grpSpPr>
-        <a:xfrm>
-          <a:off x="0" y="0"/>
-          <a:ext cx="0" cy="0"/>
-          <a:chOff x="0" y="0"/>
-          <a:chExt cx="0" cy="0"/>
-        </a:xfrm>
-      </p:grpSpPr>
-      <p:sp>
-        <p:nvSpPr>
-          <p:cNvPr id="5" name="Footer Placeholder 4"/>
-          <p:cNvSpPr>
-            <a:spLocks noGrp="1"/>
-          </p:cNvSpPr>
-          <p:nvPr>
-            <p:ph type="ftr" sz="quarter" idx="15"/>
-          </p:nvPr>
-        </p:nvSpPr>
-        <p:spPr/>
-        <p:txBody>
-          <a:bodyPr/>
-          <a:lstStyle/>
-          <a:p>
-            <a:r>
-              <a:rPr lang="en-US"/>
-              <a:t>Copyright © 2013 Pearson Education, Inc. Publishing as Prentice Hall</a:t>
-            </a:r>
-          </a:p>
-        </p:txBody>
-      </p:sp>
-      <p:sp>
-        <p:nvSpPr>
-          <p:cNvPr id="103425" name="Content Placeholder 1"/>
-          <p:cNvSpPr>
-            <a:spLocks noGrp="1"/>
-          </p:cNvSpPr>
-          <p:nvPr>
-            <p:ph idx="1"/>
-          </p:nvPr>
-        </p:nvSpPr>
-        <p:spPr>
-          <a:xfrm>
-            <a:off x="685800" y="1600200"/>
-            <a:ext cx="8001000" cy="4525963"/>
-          </a:xfrm>
-        </p:spPr>
-        <p:txBody>
-          <a:bodyPr/>
-          <a:lstStyle/>
-          <a:p>
-            <a:r>
-              <a:rPr lang="en-US" sz="2400" smtClean="0"/>
-              <a:t>A project manager is the key to the success of a project and has to set the vision, define the goals and measures, and monitor and control the essential six factors of project management to ensure project success. </a:t>
-            </a:r>
-          </a:p>
-          <a:p>
-            <a:r>
-              <a:rPr lang="en-US" sz="2400" smtClean="0"/>
-              <a:t>Organizations have to select a qualified project manager during project initiation in order for a project to be on schedule, under budget, within scope, and with available resources to achieve expected performance and provide value. </a:t>
-            </a:r>
-          </a:p>
-          <a:p>
-            <a:endParaRPr lang="en-US" sz="2400" smtClean="0"/>
-          </a:p>
-        </p:txBody>
-      </p:sp>
-      <p:sp>
-        <p:nvSpPr>
-          <p:cNvPr id="103426" name="Text Placeholder 2"/>
-          <p:cNvSpPr>
-            <a:spLocks noGrp="1"/>
-          </p:cNvSpPr>
-          <p:nvPr>
-            <p:ph type="body" sz="quarter" idx="13"/>
-          </p:nvPr>
-        </p:nvSpPr>
-        <p:spPr>
-          <a:xfrm>
-            <a:off x="1316038" y="1071563"/>
-            <a:ext cx="3925887" cy="339725"/>
-          </a:xfrm>
-        </p:spPr>
-        <p:txBody>
-          <a:bodyPr/>
-          <a:lstStyle/>
-          <a:p>
-            <a:r>
-              <a:rPr lang="en-US" smtClean="0"/>
-              <a:t>Summary</a:t>
-            </a:r>
-          </a:p>
-        </p:txBody>
-      </p:sp>
-      <p:sp>
-        <p:nvSpPr>
-          <p:cNvPr id="8" name="Slide Number Placeholder 7"/>
-          <p:cNvSpPr>
-            <a:spLocks noGrp="1"/>
-          </p:cNvSpPr>
-          <p:nvPr>
-            <p:ph type="sldNum" sz="quarter" idx="16"/>
-          </p:nvPr>
-        </p:nvSpPr>
-        <p:spPr/>
-        <p:txBody>
-          <a:bodyPr/>
-          <a:lstStyle/>
-          <a:p>
-            <a:pPr>
-              <a:defRPr/>
-            </a:pPr>
-            <a:r>
-              <a:rPr lang="en-US"/>
-              <a:t>4-</a:t>
-            </a:r>
-            <a:fld id="{75490209-DE5F-4C5E-AFB4-36A7B9C374B4}" type="slidenum">
-              <a:rPr lang="en-US"/>
-              <a:pPr>
-                <a:defRPr/>
-              </a:pPr>
-              <a:t>37</a:t>
-            </a:fld>
-            <a:endParaRPr lang="en-US"/>
-          </a:p>
-        </p:txBody>
-      </p:sp>
-    </p:spTree>
-  </p:cSld>
-  <p:clrMapOvr>
-    <a:masterClrMapping/>
-  </p:clrMapOvr>
-</p:sld>
-</file>
-
-<file path=ppt/slides/slide38.xml><?xml version="1.0" encoding="utf-8"?>
-<p:sld xmlns:a="http://schemas.openxmlformats.org/drawingml/2006/main" xmlns:r="http://schemas.openxmlformats.org/officeDocument/2006/relationships" xmlns:p="http://schemas.openxmlformats.org/presentationml/2006/main">
-  <p:cSld>
-    <p:spTree>
-      <p:nvGrpSpPr>
-        <p:cNvPr id="1" name=""/>
-        <p:cNvGrpSpPr/>
-        <p:nvPr/>
-      </p:nvGrpSpPr>
-      <p:grpSpPr>
-        <a:xfrm>
-          <a:off x="0" y="0"/>
-          <a:ext cx="0" cy="0"/>
-          <a:chOff x="0" y="0"/>
-          <a:chExt cx="0" cy="0"/>
-        </a:xfrm>
-      </p:grpSpPr>
-      <p:sp>
-        <p:nvSpPr>
-          <p:cNvPr id="5" name="Footer Placeholder 4"/>
-          <p:cNvSpPr>
-            <a:spLocks noGrp="1"/>
-          </p:cNvSpPr>
-          <p:nvPr>
-            <p:ph type="ftr" sz="quarter" idx="15"/>
-          </p:nvPr>
-        </p:nvSpPr>
-        <p:spPr/>
-        <p:txBody>
-          <a:bodyPr/>
-          <a:lstStyle/>
-          <a:p>
-            <a:r>
-              <a:rPr lang="en-US"/>
-              <a:t>Copyright © 2013 Pearson Education, Inc. Publishing as Prentice Hall</a:t>
-            </a:r>
-          </a:p>
-        </p:txBody>
-      </p:sp>
-      <p:sp>
-        <p:nvSpPr>
-          <p:cNvPr id="104449" name="Content Placeholder 1"/>
-          <p:cNvSpPr>
-            <a:spLocks noGrp="1"/>
-          </p:cNvSpPr>
-          <p:nvPr>
-            <p:ph idx="1"/>
-          </p:nvPr>
-        </p:nvSpPr>
-        <p:spPr>
-          <a:xfrm>
-            <a:off x="685800" y="1600200"/>
-            <a:ext cx="8001000" cy="4525963"/>
-          </a:xfrm>
-        </p:spPr>
-        <p:txBody>
-          <a:bodyPr/>
-          <a:lstStyle/>
-          <a:p>
-            <a:r>
-              <a:rPr lang="en-US" sz="2400" smtClean="0"/>
-              <a:t>Project managers need to have skills to manage the senior management as well as to remove obstacles and achieve project objectives. They need to have the technical management skills, the ability to solve problems, the ability to work with users and customers, the knowledge of project management tools and processes, and the ability to work in uncertainty. </a:t>
-            </a:r>
-          </a:p>
-          <a:p>
-            <a:r>
-              <a:rPr lang="en-US" sz="2400" smtClean="0"/>
-              <a:t>In order to start collecting the detailed requirements of a project, the organization needs to develop a project charter. A project charter is a statement of scope and provides a preliminary delineation of roles and responsibilities, outlines the project objectives, and defines the authority of the project manager. </a:t>
-            </a:r>
-          </a:p>
-        </p:txBody>
-      </p:sp>
-      <p:sp>
-        <p:nvSpPr>
-          <p:cNvPr id="104450" name="Text Placeholder 2"/>
-          <p:cNvSpPr>
-            <a:spLocks noGrp="1"/>
-          </p:cNvSpPr>
-          <p:nvPr>
-            <p:ph type="body" sz="quarter" idx="13"/>
-          </p:nvPr>
-        </p:nvSpPr>
-        <p:spPr>
-          <a:xfrm>
-            <a:off x="1316038" y="1071563"/>
-            <a:ext cx="3925887" cy="339725"/>
-          </a:xfrm>
-        </p:spPr>
-        <p:txBody>
-          <a:bodyPr/>
-          <a:lstStyle/>
-          <a:p>
-            <a:r>
-              <a:rPr lang="en-US" smtClean="0"/>
-              <a:t>Summary</a:t>
-            </a:r>
-          </a:p>
-        </p:txBody>
-      </p:sp>
-      <p:sp>
-        <p:nvSpPr>
-          <p:cNvPr id="8" name="Slide Number Placeholder 7"/>
-          <p:cNvSpPr>
-            <a:spLocks noGrp="1"/>
-          </p:cNvSpPr>
-          <p:nvPr>
-            <p:ph type="sldNum" sz="quarter" idx="16"/>
-          </p:nvPr>
-        </p:nvSpPr>
-        <p:spPr/>
-        <p:txBody>
-          <a:bodyPr/>
-          <a:lstStyle/>
-          <a:p>
-            <a:pPr>
-              <a:defRPr/>
-            </a:pPr>
-            <a:r>
-              <a:rPr lang="en-US"/>
-              <a:t>4-</a:t>
-            </a:r>
-            <a:fld id="{B4EB98B9-B67B-4D01-AC1F-7608763DE0FF}" type="slidenum">
-              <a:rPr lang="en-US"/>
-              <a:pPr>
-                <a:defRPr/>
-              </a:pPr>
-              <a:t>38</a:t>
-            </a:fld>
-            <a:endParaRPr lang="en-US"/>
-          </a:p>
-        </p:txBody>
-      </p:sp>
-    </p:spTree>
-  </p:cSld>
-  <p:clrMapOvr>
-    <a:masterClrMapping/>
-  </p:clrMapOvr>
-</p:sld>
-</file>
-
-<file path=ppt/slides/slide39.xml><?xml version="1.0" encoding="utf-8"?>
-<p:sld xmlns:a="http://schemas.openxmlformats.org/drawingml/2006/main" xmlns:r="http://schemas.openxmlformats.org/officeDocument/2006/relationships" xmlns:p="http://schemas.openxmlformats.org/presentationml/2006/main">
-  <p:cSld>
-    <p:spTree>
-      <p:nvGrpSpPr>
-        <p:cNvPr id="1" name=""/>
-        <p:cNvGrpSpPr/>
-        <p:nvPr/>
-      </p:nvGrpSpPr>
-      <p:grpSpPr>
-        <a:xfrm>
-          <a:off x="0" y="0"/>
-          <a:ext cx="0" cy="0"/>
-          <a:chOff x="0" y="0"/>
-          <a:chExt cx="0" cy="0"/>
-        </a:xfrm>
-      </p:grpSpPr>
-      <p:sp>
-        <p:nvSpPr>
-          <p:cNvPr id="5" name="Footer Placeholder 4"/>
-          <p:cNvSpPr>
-            <a:spLocks noGrp="1"/>
-          </p:cNvSpPr>
-          <p:nvPr>
-            <p:ph type="ftr" sz="quarter" idx="15"/>
-          </p:nvPr>
-        </p:nvSpPr>
-        <p:spPr/>
-        <p:txBody>
-          <a:bodyPr/>
-          <a:lstStyle/>
-          <a:p>
-            <a:r>
-              <a:rPr lang="en-US"/>
-              <a:t>Copyright © 2013 Pearson Education, Inc. Publishing as Prentice Hall</a:t>
-            </a:r>
-          </a:p>
-        </p:txBody>
-      </p:sp>
-      <p:sp>
-        <p:nvSpPr>
-          <p:cNvPr id="105473" name="Content Placeholder 1"/>
-          <p:cNvSpPr>
-            <a:spLocks noGrp="1"/>
-          </p:cNvSpPr>
-          <p:nvPr>
-            <p:ph idx="1"/>
-          </p:nvPr>
-        </p:nvSpPr>
-        <p:spPr>
-          <a:xfrm>
-            <a:off x="685800" y="1600200"/>
-            <a:ext cx="8001000" cy="4525963"/>
-          </a:xfrm>
-        </p:spPr>
-        <p:txBody>
-          <a:bodyPr/>
-          <a:lstStyle/>
-          <a:p>
-            <a:r>
-              <a:rPr lang="en-US" sz="2400" smtClean="0"/>
-              <a:t>Stakeholders have to be identified. Once the project charter is completed, project managers and their project teams can gather requirements from their customers. </a:t>
-            </a:r>
-          </a:p>
-          <a:p>
-            <a:r>
-              <a:rPr lang="en-US" sz="2400" smtClean="0"/>
-              <a:t>A requirement is a capability that must be met by a system, product, or service to satisfy stakeholders. Using the information from the project charter, the project team can collect and gather required information. There are many ways to gather requirements for projects, which we have discussed in Chapter 3 . Apart from these techniques, organizations use customer-focused surveys, observations or job shadowing, and prototypes to gather requirements for projects. </a:t>
-            </a:r>
-          </a:p>
-        </p:txBody>
-      </p:sp>
-      <p:sp>
-        <p:nvSpPr>
-          <p:cNvPr id="105474" name="Text Placeholder 2"/>
-          <p:cNvSpPr>
-            <a:spLocks noGrp="1"/>
-          </p:cNvSpPr>
-          <p:nvPr>
-            <p:ph type="body" sz="quarter" idx="13"/>
-          </p:nvPr>
-        </p:nvSpPr>
-        <p:spPr>
-          <a:xfrm>
-            <a:off x="1316038" y="1071563"/>
-            <a:ext cx="3925887" cy="339725"/>
-          </a:xfrm>
-        </p:spPr>
-        <p:txBody>
-          <a:bodyPr/>
-          <a:lstStyle/>
-          <a:p>
-            <a:r>
-              <a:rPr lang="en-US" smtClean="0"/>
-              <a:t>Summary</a:t>
-            </a:r>
-          </a:p>
-        </p:txBody>
-      </p:sp>
-      <p:sp>
-        <p:nvSpPr>
-          <p:cNvPr id="8" name="Slide Number Placeholder 7"/>
-          <p:cNvSpPr>
-            <a:spLocks noGrp="1"/>
-          </p:cNvSpPr>
-          <p:nvPr>
-            <p:ph type="sldNum" sz="quarter" idx="16"/>
-          </p:nvPr>
-        </p:nvSpPr>
-        <p:spPr/>
-        <p:txBody>
-          <a:bodyPr/>
-          <a:lstStyle/>
-          <a:p>
-            <a:pPr>
-              <a:defRPr/>
-            </a:pPr>
-            <a:r>
-              <a:rPr lang="en-US"/>
-              <a:t>4-</a:t>
-            </a:r>
-            <a:fld id="{C46054C2-8A4D-4100-A47D-1157A32328D5}" type="slidenum">
-              <a:rPr lang="en-US"/>
-              <a:pPr>
-                <a:defRPr/>
-              </a:pPr>
-              <a:t>39</a:t>
             </a:fld>
             <a:endParaRPr lang="en-US"/>
           </a:p>
@@ -21928,7 +21738,7 @@
         <p:spPr bwMode="auto">
           <a:xfrm>
             <a:off x="1460500" y="1020763"/>
-            <a:ext cx="2330450" cy="461962"/>
+            <a:ext cx="2554930" cy="461665"/>
           </a:xfrm>
           <a:prstGeom prst="rect">
             <a:avLst/>
@@ -21948,10 +21758,10 @@
           <a:lstStyle/>
           <a:p>
             <a:r>
-              <a:rPr lang="en-US" sz="2400" b="1">
+              <a:rPr lang="en-US" sz="2400" b="1" dirty="0">
                 <a:latin typeface="Calibri" pitchFamily="34" charset="0"/>
               </a:rPr>
-              <a:t>Project Selection</a:t>
+              <a:t>1 Project Selection</a:t>
             </a:r>
           </a:p>
         </p:txBody>
@@ -22147,432 +21957,6 @@
           </a:p>
         </p:txBody>
       </p:sp>
-    </p:spTree>
-  </p:cSld>
-  <p:clrMapOvr>
-    <a:masterClrMapping/>
-  </p:clrMapOvr>
-  <p:timing>
-    <p:tnLst>
-      <p:par>
-        <p:cTn id="1" dur="indefinite" restart="never" nodeType="tmRoot"/>
-      </p:par>
-    </p:tnLst>
-  </p:timing>
-</p:sld>
-</file>
-
-<file path=ppt/slides/slide40.xml><?xml version="1.0" encoding="utf-8"?>
-<p:sld xmlns:a="http://schemas.openxmlformats.org/drawingml/2006/main" xmlns:r="http://schemas.openxmlformats.org/officeDocument/2006/relationships" xmlns:p="http://schemas.openxmlformats.org/presentationml/2006/main">
-  <p:cSld>
-    <p:spTree>
-      <p:nvGrpSpPr>
-        <p:cNvPr id="1" name=""/>
-        <p:cNvGrpSpPr/>
-        <p:nvPr/>
-      </p:nvGrpSpPr>
-      <p:grpSpPr>
-        <a:xfrm>
-          <a:off x="0" y="0"/>
-          <a:ext cx="0" cy="0"/>
-          <a:chOff x="0" y="0"/>
-          <a:chExt cx="0" cy="0"/>
-        </a:xfrm>
-      </p:grpSpPr>
-      <p:sp>
-        <p:nvSpPr>
-          <p:cNvPr id="5" name="Footer Placeholder 4"/>
-          <p:cNvSpPr>
-            <a:spLocks noGrp="1"/>
-          </p:cNvSpPr>
-          <p:nvPr>
-            <p:ph type="ftr" sz="quarter" idx="15"/>
-          </p:nvPr>
-        </p:nvSpPr>
-        <p:spPr/>
-        <p:txBody>
-          <a:bodyPr/>
-          <a:lstStyle/>
-          <a:p>
-            <a:r>
-              <a:rPr lang="en-US"/>
-              <a:t>Copyright © 2013 Pearson Education, Inc. Publishing as Prentice Hall</a:t>
-            </a:r>
-          </a:p>
-        </p:txBody>
-      </p:sp>
-      <p:sp>
-        <p:nvSpPr>
-          <p:cNvPr id="106497" name="Content Placeholder 1"/>
-          <p:cNvSpPr>
-            <a:spLocks noGrp="1"/>
-          </p:cNvSpPr>
-          <p:nvPr>
-            <p:ph idx="1"/>
-          </p:nvPr>
-        </p:nvSpPr>
-        <p:spPr>
-          <a:xfrm>
-            <a:off x="685800" y="1600200"/>
-            <a:ext cx="8001000" cy="4525963"/>
-          </a:xfrm>
-        </p:spPr>
-        <p:txBody>
-          <a:bodyPr/>
-          <a:lstStyle/>
-          <a:p>
-            <a:r>
-              <a:rPr lang="en-US" sz="2400" smtClean="0"/>
-              <a:t>Project scope needs to be clearly defined at the beginning of a project. Because senior management’s commitment to support the project is an important factor in the success of a project, a clear understanding of the purpose of a project needs to be elaborated in a project scope, which is the next step.</a:t>
-            </a:r>
-          </a:p>
-          <a:p>
-            <a:endParaRPr lang="en-US" sz="2400" smtClean="0"/>
-          </a:p>
-        </p:txBody>
-      </p:sp>
-      <p:sp>
-        <p:nvSpPr>
-          <p:cNvPr id="106498" name="Text Placeholder 2"/>
-          <p:cNvSpPr>
-            <a:spLocks noGrp="1"/>
-          </p:cNvSpPr>
-          <p:nvPr>
-            <p:ph type="body" sz="quarter" idx="13"/>
-          </p:nvPr>
-        </p:nvSpPr>
-        <p:spPr>
-          <a:xfrm>
-            <a:off x="1316038" y="1071563"/>
-            <a:ext cx="3925887" cy="339725"/>
-          </a:xfrm>
-        </p:spPr>
-        <p:txBody>
-          <a:bodyPr/>
-          <a:lstStyle/>
-          <a:p>
-            <a:r>
-              <a:rPr lang="en-US" smtClean="0"/>
-              <a:t>Summary</a:t>
-            </a:r>
-          </a:p>
-        </p:txBody>
-      </p:sp>
-      <p:sp>
-        <p:nvSpPr>
-          <p:cNvPr id="8" name="Slide Number Placeholder 7"/>
-          <p:cNvSpPr>
-            <a:spLocks noGrp="1"/>
-          </p:cNvSpPr>
-          <p:nvPr>
-            <p:ph type="sldNum" sz="quarter" idx="16"/>
-          </p:nvPr>
-        </p:nvSpPr>
-        <p:spPr/>
-        <p:txBody>
-          <a:bodyPr/>
-          <a:lstStyle/>
-          <a:p>
-            <a:pPr>
-              <a:defRPr/>
-            </a:pPr>
-            <a:r>
-              <a:rPr lang="en-US"/>
-              <a:t>4-</a:t>
-            </a:r>
-            <a:fld id="{F0C2A88F-2465-4755-B79B-C46C048D1EDF}" type="slidenum">
-              <a:rPr lang="en-US"/>
-              <a:pPr>
-                <a:defRPr/>
-              </a:pPr>
-              <a:t>40</a:t>
-            </a:fld>
-            <a:endParaRPr lang="en-US"/>
-          </a:p>
-        </p:txBody>
-      </p:sp>
-    </p:spTree>
-  </p:cSld>
-  <p:clrMapOvr>
-    <a:masterClrMapping/>
-  </p:clrMapOvr>
-</p:sld>
-</file>
-
-<file path=ppt/slides/slide41.xml><?xml version="1.0" encoding="utf-8"?>
-<p:sld xmlns:a="http://schemas.openxmlformats.org/drawingml/2006/main" xmlns:r="http://schemas.openxmlformats.org/officeDocument/2006/relationships" xmlns:p="http://schemas.openxmlformats.org/presentationml/2006/main">
-  <p:cSld>
-    <p:spTree>
-      <p:nvGrpSpPr>
-        <p:cNvPr id="1" name=""/>
-        <p:cNvGrpSpPr/>
-        <p:nvPr/>
-      </p:nvGrpSpPr>
-      <p:grpSpPr>
-        <a:xfrm>
-          <a:off x="0" y="0"/>
-          <a:ext cx="0" cy="0"/>
-          <a:chOff x="0" y="0"/>
-          <a:chExt cx="0" cy="0"/>
-        </a:xfrm>
-      </p:grpSpPr>
-      <p:sp>
-        <p:nvSpPr>
-          <p:cNvPr id="5" name="Footer Placeholder 4"/>
-          <p:cNvSpPr>
-            <a:spLocks noGrp="1"/>
-          </p:cNvSpPr>
-          <p:nvPr>
-            <p:ph type="ftr" sz="quarter" idx="15"/>
-          </p:nvPr>
-        </p:nvSpPr>
-        <p:spPr/>
-        <p:txBody>
-          <a:bodyPr/>
-          <a:lstStyle/>
-          <a:p>
-            <a:r>
-              <a:rPr lang="en-US"/>
-              <a:t>Copyright © 2013 Pearson Education, Inc. Publishing as Prentice Hall</a:t>
-            </a:r>
-          </a:p>
-        </p:txBody>
-      </p:sp>
-      <p:sp>
-        <p:nvSpPr>
-          <p:cNvPr id="107521" name="Content Placeholder 1"/>
-          <p:cNvSpPr>
-            <a:spLocks noGrp="1"/>
-          </p:cNvSpPr>
-          <p:nvPr>
-            <p:ph idx="1"/>
-          </p:nvPr>
-        </p:nvSpPr>
-        <p:spPr>
-          <a:xfrm>
-            <a:off x="750888" y="1600200"/>
-            <a:ext cx="7935912" cy="4525963"/>
-          </a:xfrm>
-        </p:spPr>
-        <p:txBody>
-          <a:bodyPr/>
-          <a:lstStyle/>
-          <a:p>
-            <a:r>
-              <a:rPr lang="en-US" sz="2400" smtClean="0"/>
-              <a:t>Should technology managers strategize technology projects?</a:t>
-            </a:r>
-          </a:p>
-          <a:p>
-            <a:r>
-              <a:rPr lang="en-US" sz="2400" smtClean="0"/>
-              <a:t>Project selection always gets rid of some projects that are not useful for an organization.</a:t>
-            </a:r>
-          </a:p>
-          <a:p>
-            <a:r>
-              <a:rPr lang="en-US" sz="2400" smtClean="0"/>
-              <a:t>Is there a best method to select and prioritize projects?</a:t>
-            </a:r>
-          </a:p>
-          <a:p>
-            <a:r>
-              <a:rPr lang="en-US" sz="2400" smtClean="0"/>
-              <a:t>Anyone can be trained as a project manager.</a:t>
-            </a:r>
-          </a:p>
-          <a:p>
-            <a:r>
-              <a:rPr lang="en-US" sz="2400" smtClean="0"/>
-              <a:t>A project manager should be paid for performance and not for the size of the project.</a:t>
-            </a:r>
-          </a:p>
-          <a:p>
-            <a:r>
-              <a:rPr lang="en-US" sz="2400" smtClean="0"/>
-              <a:t>Technical experts can be good project managers.</a:t>
-            </a:r>
-          </a:p>
-          <a:p>
-            <a:r>
-              <a:rPr lang="en-US" sz="2400" smtClean="0"/>
-              <a:t>Project managers should share duties with team members. </a:t>
-            </a:r>
-          </a:p>
-        </p:txBody>
-      </p:sp>
-      <p:sp>
-        <p:nvSpPr>
-          <p:cNvPr id="107522" name="Text Placeholder 2"/>
-          <p:cNvSpPr>
-            <a:spLocks noGrp="1"/>
-          </p:cNvSpPr>
-          <p:nvPr>
-            <p:ph type="body" sz="quarter" idx="13"/>
-          </p:nvPr>
-        </p:nvSpPr>
-        <p:spPr>
-          <a:xfrm>
-            <a:off x="1316038" y="1071563"/>
-            <a:ext cx="3925887" cy="339725"/>
-          </a:xfrm>
-        </p:spPr>
-        <p:txBody>
-          <a:bodyPr/>
-          <a:lstStyle/>
-          <a:p>
-            <a:r>
-              <a:rPr lang="en-US" smtClean="0"/>
-              <a:t>Class discussions</a:t>
-            </a:r>
-          </a:p>
-        </p:txBody>
-      </p:sp>
-      <p:sp>
-        <p:nvSpPr>
-          <p:cNvPr id="8" name="Slide Number Placeholder 7"/>
-          <p:cNvSpPr>
-            <a:spLocks noGrp="1"/>
-          </p:cNvSpPr>
-          <p:nvPr>
-            <p:ph type="sldNum" sz="quarter" idx="16"/>
-          </p:nvPr>
-        </p:nvSpPr>
-        <p:spPr/>
-        <p:txBody>
-          <a:bodyPr/>
-          <a:lstStyle/>
-          <a:p>
-            <a:pPr>
-              <a:defRPr/>
-            </a:pPr>
-            <a:r>
-              <a:rPr lang="en-US"/>
-              <a:t>4-</a:t>
-            </a:r>
-            <a:fld id="{6A8C2139-D1FA-4664-BC5B-F26AE2DE8042}" type="slidenum">
-              <a:rPr lang="en-US"/>
-              <a:pPr>
-                <a:defRPr/>
-              </a:pPr>
-              <a:t>41</a:t>
-            </a:fld>
-            <a:endParaRPr lang="en-US"/>
-          </a:p>
-        </p:txBody>
-      </p:sp>
-    </p:spTree>
-  </p:cSld>
-  <p:clrMapOvr>
-    <a:masterClrMapping/>
-  </p:clrMapOvr>
-</p:sld>
-</file>
-
-<file path=ppt/slides/slide42.xml><?xml version="1.0" encoding="utf-8"?>
-<p:sld xmlns:a="http://schemas.openxmlformats.org/drawingml/2006/main" xmlns:r="http://schemas.openxmlformats.org/officeDocument/2006/relationships" xmlns:p="http://schemas.openxmlformats.org/presentationml/2006/main">
-  <p:cSld>
-    <p:spTree>
-      <p:nvGrpSpPr>
-        <p:cNvPr id="1" name=""/>
-        <p:cNvGrpSpPr/>
-        <p:nvPr/>
-      </p:nvGrpSpPr>
-      <p:grpSpPr>
-        <a:xfrm>
-          <a:off x="0" y="0"/>
-          <a:ext cx="0" cy="0"/>
-          <a:chOff x="0" y="0"/>
-          <a:chExt cx="0" cy="0"/>
-        </a:xfrm>
-      </p:grpSpPr>
-      <p:sp>
-        <p:nvSpPr>
-          <p:cNvPr id="4" name="Footer Placeholder 4"/>
-          <p:cNvSpPr>
-            <a:spLocks noGrp="1"/>
-          </p:cNvSpPr>
-          <p:nvPr>
-            <p:ph type="ftr" sz="quarter" idx="15"/>
-          </p:nvPr>
-        </p:nvSpPr>
-        <p:spPr/>
-        <p:txBody>
-          <a:bodyPr/>
-          <a:lstStyle/>
-          <a:p>
-            <a:r>
-              <a:rPr lang="en-US"/>
-              <a:t>Copyright © 2013 Pearson Education, Inc. Publishing as Prentice Hall</a:t>
-            </a:r>
-          </a:p>
-        </p:txBody>
-      </p:sp>
-      <p:sp>
-        <p:nvSpPr>
-          <p:cNvPr id="5" name="Slide Number Placeholder 4"/>
-          <p:cNvSpPr>
-            <a:spLocks noGrp="1"/>
-          </p:cNvSpPr>
-          <p:nvPr>
-            <p:ph type="sldNum" sz="quarter" idx="16"/>
-          </p:nvPr>
-        </p:nvSpPr>
-        <p:spPr/>
-        <p:txBody>
-          <a:bodyPr/>
-          <a:lstStyle/>
-          <a:p>
-            <a:pPr>
-              <a:defRPr/>
-            </a:pPr>
-            <a:r>
-              <a:rPr lang="en-US"/>
-              <a:t>3-</a:t>
-            </a:r>
-            <a:fld id="{A07CCEDC-4F56-4540-9C00-F0184931517A}" type="slidenum">
-              <a:rPr lang="en-US"/>
-              <a:pPr>
-                <a:defRPr/>
-              </a:pPr>
-              <a:t>42</a:t>
-            </a:fld>
-            <a:endParaRPr lang="en-US"/>
-          </a:p>
-        </p:txBody>
-      </p:sp>
-      <p:pic>
-        <p:nvPicPr>
-          <p:cNvPr id="108547" name="Picture 3" descr="3293795473_47524415"/>
-          <p:cNvPicPr>
-            <a:picLocks noChangeAspect="1" noChangeArrowheads="1"/>
-          </p:cNvPicPr>
-          <p:nvPr/>
-        </p:nvPicPr>
-        <p:blipFill>
-          <a:blip r:embed="rId2"/>
-          <a:srcRect/>
-          <a:stretch>
-            <a:fillRect/>
-          </a:stretch>
-        </p:blipFill>
-        <p:spPr bwMode="auto">
-          <a:xfrm>
-            <a:off x="593725" y="1504950"/>
-            <a:ext cx="7864475" cy="2457450"/>
-          </a:xfrm>
-          <a:prstGeom prst="rect">
-            <a:avLst/>
-          </a:prstGeom>
-          <a:noFill/>
-          <a:ln w="9525">
-            <a:noFill/>
-            <a:miter lim="800000"/>
-            <a:headEnd/>
-            <a:tailEnd/>
-          </a:ln>
-        </p:spPr>
-      </p:pic>
     </p:spTree>
   </p:cSld>
   <p:clrMapOvr>
@@ -22641,8 +22025,8 @@
           <a:lstStyle/>
           <a:p>
             <a:r>
-              <a:rPr lang="en-US" smtClean="0"/>
-              <a:t>Project Selection Process</a:t>
+              <a:rPr lang="en-US" dirty="0"/>
+              <a:t>1 Project Selection Process</a:t>
             </a:r>
           </a:p>
         </p:txBody>
@@ -22780,8 +22164,8 @@
           <a:lstStyle/>
           <a:p>
             <a:r>
-              <a:rPr lang="en-US" smtClean="0"/>
-              <a:t>Screening of Projects</a:t>
+              <a:rPr lang="en-US" dirty="0"/>
+              <a:t>1 Screening of Projects</a:t>
             </a:r>
           </a:p>
         </p:txBody>
@@ -22919,7 +22303,7 @@
           <a:lstStyle/>
           <a:p>
             <a:r>
-              <a:rPr lang="en-US" sz="2400" smtClean="0"/>
+              <a:rPr lang="en-US" sz="2400"/>
               <a:t>Projects can be categorized as one of the following:</a:t>
             </a:r>
           </a:p>
@@ -22929,32 +22313,32 @@
               <a:buChar char="•"/>
             </a:pPr>
             <a:r>
-              <a:rPr lang="en-US" sz="2400" i="1" smtClean="0"/>
+              <a:rPr lang="en-US" sz="2400" i="1"/>
               <a:t>Compliance:</a:t>
             </a:r>
             <a:r>
-              <a:rPr lang="en-US" sz="2400" smtClean="0"/>
+              <a:rPr lang="en-US" sz="2400"/>
               <a:t> Projects that are essential to meet new requirements imposed by internal and external entities</a:t>
             </a:r>
           </a:p>
           <a:p>
             <a:pPr lvl="2"/>
             <a:r>
-              <a:rPr lang="en-US" sz="2400" smtClean="0"/>
+              <a:rPr lang="en-US" sz="2400"/>
               <a:t>Internal entities may be executive management </a:t>
             </a:r>
           </a:p>
           <a:p>
             <a:pPr lvl="2"/>
             <a:r>
-              <a:rPr lang="en-US" sz="2400" smtClean="0"/>
+              <a:rPr lang="en-US" sz="2400"/>
               <a:t>External entities may be government regulations and requirements</a:t>
             </a:r>
           </a:p>
           <a:p>
             <a:pPr lvl="2"/>
             <a:r>
-              <a:rPr lang="en-US" sz="2400" smtClean="0"/>
+              <a:rPr lang="en-US" sz="2400"/>
               <a:t>“Must do” projects; if not implemented, may face penalties</a:t>
             </a:r>
           </a:p>
@@ -22964,15 +22348,15 @@
               <a:buChar char="•"/>
             </a:pPr>
             <a:r>
-              <a:rPr lang="en-US" sz="2400" i="1" smtClean="0"/>
+              <a:rPr lang="en-US" sz="2400" i="1"/>
               <a:t>Emergency:</a:t>
             </a:r>
             <a:r>
-              <a:rPr lang="en-US" sz="2400" smtClean="0"/>
+              <a:rPr lang="en-US" sz="2400"/>
               <a:t>  Projects that are needed to meet emergency conditions;  may be “must-do” projects; if not implemented, organizations may not be fully operational to fulfill their core competencies</a:t>
             </a:r>
             <a:r>
-              <a:rPr lang="en-US" sz="2200" smtClean="0"/>
+              <a:rPr lang="en-US" sz="2200"/>
               <a:t> </a:t>
             </a:r>
           </a:p>
@@ -22999,8 +22383,8 @@
           <a:lstStyle/>
           <a:p>
             <a:r>
-              <a:rPr lang="en-US" smtClean="0"/>
-              <a:t>Project Selection</a:t>
+              <a:rPr lang="en-US" dirty="0"/>
+              <a:t>1 Project Selection</a:t>
             </a:r>
           </a:p>
         </p:txBody>
@@ -23110,21 +22494,21 @@
               <a:buChar char="•"/>
             </a:pPr>
             <a:r>
-              <a:rPr lang="en-US" sz="2400" i="1" smtClean="0"/>
+              <a:rPr lang="en-US" sz="2400" i="1"/>
               <a:t>Mission Critical:</a:t>
             </a:r>
             <a:r>
-              <a:rPr lang="en-US" sz="2400" smtClean="0"/>
+              <a:rPr lang="en-US" sz="2400"/>
               <a:t>  Critical to the mission of a company </a:t>
             </a:r>
           </a:p>
           <a:p>
             <a:pPr lvl="2"/>
             <a:r>
-              <a:rPr lang="en-US" sz="2400" smtClean="0"/>
+              <a:rPr lang="en-US" sz="2400"/>
               <a:t>If not completed, would cause immediate, unacceptably negative impact to business</a:t>
             </a:r>
-            <a:endParaRPr lang="en-US" sz="2400" i="1" smtClean="0"/>
+            <a:endParaRPr lang="en-US" sz="2400" i="1"/>
           </a:p>
           <a:p>
             <a:pPr lvl="1">
@@ -23132,32 +22516,32 @@
               <a:buChar char="•"/>
             </a:pPr>
             <a:r>
-              <a:rPr lang="en-US" sz="2400" i="1" smtClean="0"/>
+              <a:rPr lang="en-US" sz="2400" i="1"/>
               <a:t>Operational:</a:t>
             </a:r>
             <a:r>
-              <a:rPr lang="en-US" sz="2400" smtClean="0"/>
+              <a:rPr lang="en-US" sz="2400"/>
               <a:t> Projects that are needed to support current operations</a:t>
             </a:r>
           </a:p>
           <a:p>
             <a:pPr lvl="2"/>
             <a:r>
-              <a:rPr lang="en-US" sz="2400" smtClean="0"/>
+              <a:rPr lang="en-US" sz="2400"/>
               <a:t>Increase process efficiency </a:t>
             </a:r>
           </a:p>
           <a:p>
             <a:pPr lvl="2"/>
             <a:r>
-              <a:rPr lang="en-US" sz="2400" smtClean="0"/>
+              <a:rPr lang="en-US" sz="2400"/>
               <a:t>Reduce product cost</a:t>
             </a:r>
           </a:p>
           <a:p>
             <a:pPr lvl="2"/>
             <a:r>
-              <a:rPr lang="en-US" sz="2400" smtClean="0"/>
+              <a:rPr lang="en-US" sz="2400"/>
               <a:t>Improve performance and other metrics</a:t>
             </a:r>
           </a:p>
@@ -23167,11 +22551,11 @@
               <a:buChar char="•"/>
             </a:pPr>
             <a:r>
-              <a:rPr lang="en-US" sz="2400" i="1" smtClean="0"/>
+              <a:rPr lang="en-US" sz="2400" i="1"/>
               <a:t>Strategic:</a:t>
             </a:r>
             <a:r>
-              <a:rPr lang="en-US" sz="2400" smtClean="0"/>
+              <a:rPr lang="en-US" sz="2400"/>
               <a:t>  Projects that are essential to support long-range mission (increase revenue, increase market-share)</a:t>
             </a:r>
           </a:p>
@@ -23198,8 +22582,8 @@
           <a:lstStyle/>
           <a:p>
             <a:r>
-              <a:rPr lang="en-US" smtClean="0"/>
-              <a:t>Project Selection</a:t>
+              <a:rPr lang="en-US" dirty="0"/>
+              <a:t>1 Project Selection</a:t>
             </a:r>
           </a:p>
         </p:txBody>
@@ -23305,13 +22689,13 @@
           <a:lstStyle/>
           <a:p>
             <a:r>
-              <a:rPr lang="en-US" sz="2400" smtClean="0"/>
+              <a:rPr lang="en-US" sz="2400"/>
               <a:t>Provides the intellectual frameworks, conceptual models, and governing ideas that allow managers of an organization to identify opportunities for bringing value to customers and for delivering that value for a profit</a:t>
             </a:r>
           </a:p>
           <a:p>
             <a:r>
-              <a:rPr lang="en-US" sz="2400" smtClean="0"/>
+              <a:rPr lang="en-US" sz="2400"/>
               <a:t>The way an organization defines its business for a better future </a:t>
             </a:r>
           </a:p>
@@ -23321,13 +22705,13 @@
               <a:buChar char="•"/>
             </a:pPr>
             <a:r>
-              <a:rPr lang="en-US" sz="2200" smtClean="0"/>
+              <a:rPr lang="en-US" sz="2200"/>
               <a:t>Organizations need to take advantage of the opportunities that projects represent. </a:t>
             </a:r>
           </a:p>
           <a:p>
             <a:r>
-              <a:rPr lang="en-US" sz="2400" smtClean="0"/>
+              <a:rPr lang="en-US" sz="2400"/>
               <a:t>Dynamically guides project actions and decision making as the project environment changes</a:t>
             </a:r>
           </a:p>
@@ -23337,7 +22721,7 @@
               <a:buChar char="•"/>
             </a:pPr>
             <a:r>
-              <a:rPr lang="en-US" sz="2200" smtClean="0"/>
+              <a:rPr lang="en-US" sz="2200"/>
               <a:t>Projects need to be chosen and fielded to help achieve strategic intent. It is important to note that projects must deliver a product, service, or process that will provide the competitive advantage or value envisioned by the strategies of organizations. </a:t>
             </a:r>
           </a:p>
@@ -23364,8 +22748,8 @@
           <a:lstStyle/>
           <a:p>
             <a:r>
-              <a:rPr lang="en-US" smtClean="0"/>
-              <a:t>Project Strategy</a:t>
+              <a:rPr lang="en-US" dirty="0"/>
+              <a:t>1-b Project Strategy</a:t>
             </a:r>
           </a:p>
         </p:txBody>
